--- a/Presentation/BC7107_Schowing.pptx
+++ b/Presentation/BC7107_Schowing.pptx
@@ -4,8 +4,12 @@
   <p:sldMasterIdLst>
     <p:sldMasterId id="2147483648" r:id="rId1"/>
   </p:sldMasterIdLst>
+  <p:notesMasterIdLst>
+    <p:notesMasterId r:id="rId4"/>
+  </p:notesMasterIdLst>
   <p:sldIdLst>
     <p:sldId id="256" r:id="rId2"/>
+    <p:sldId id="257" r:id="rId3"/>
   </p:sldIdLst>
   <p:sldSz cx="12192000" cy="6858000"/>
   <p:notesSz cx="6858000" cy="9144000"/>
@@ -104,7 +108,717 @@
       </a:defRPr>
     </a:lvl9pPr>
   </p:defaultTextStyle>
+  <p:extLst>
+    <p:ext uri="{EFAFB233-063F-42B5-8137-9DF3F51BA10A}">
+      <p15:sldGuideLst xmlns:p15="http://schemas.microsoft.com/office/powerpoint/2012/main"/>
+    </p:ext>
+  </p:extLst>
 </p:presentation>
+</file>
+
+<file path=ppt/notesMasters/notesMaster1.xml><?xml version="1.0" encoding="utf-8"?>
+<p:notesMaster xmlns:a="http://schemas.openxmlformats.org/drawingml/2006/main" xmlns:r="http://schemas.openxmlformats.org/officeDocument/2006/relationships" xmlns:p="http://schemas.openxmlformats.org/presentationml/2006/main">
+  <p:cSld>
+    <p:bg>
+      <p:bgRef idx="1001">
+        <a:schemeClr val="bg1"/>
+      </p:bgRef>
+    </p:bg>
+    <p:spTree>
+      <p:nvGrpSpPr>
+        <p:cNvPr id="1" name=""/>
+        <p:cNvGrpSpPr/>
+        <p:nvPr/>
+      </p:nvGrpSpPr>
+      <p:grpSpPr>
+        <a:xfrm>
+          <a:off x="0" y="0"/>
+          <a:ext cx="0" cy="0"/>
+          <a:chOff x="0" y="0"/>
+          <a:chExt cx="0" cy="0"/>
+        </a:xfrm>
+      </p:grpSpPr>
+      <p:sp>
+        <p:nvSpPr>
+          <p:cNvPr id="2" name="Espace réservé de l'en-tête 1"/>
+          <p:cNvSpPr>
+            <a:spLocks noGrp="1"/>
+          </p:cNvSpPr>
+          <p:nvPr>
+            <p:ph type="hdr" sz="quarter"/>
+          </p:nvPr>
+        </p:nvSpPr>
+        <p:spPr>
+          <a:xfrm>
+            <a:off x="0" y="0"/>
+            <a:ext cx="2971800" cy="458788"/>
+          </a:xfrm>
+          <a:prstGeom prst="rect">
+            <a:avLst/>
+          </a:prstGeom>
+        </p:spPr>
+        <p:txBody>
+          <a:bodyPr vert="horz" lIns="91440" tIns="45720" rIns="91440" bIns="45720" rtlCol="0"/>
+          <a:lstStyle>
+            <a:lvl1pPr algn="l">
+              <a:defRPr sz="1200"/>
+            </a:lvl1pPr>
+          </a:lstStyle>
+          <a:p>
+            <a:endParaRPr lang="fr-CH"/>
+          </a:p>
+        </p:txBody>
+      </p:sp>
+      <p:sp>
+        <p:nvSpPr>
+          <p:cNvPr id="3" name="Espace réservé de la date 2"/>
+          <p:cNvSpPr>
+            <a:spLocks noGrp="1"/>
+          </p:cNvSpPr>
+          <p:nvPr>
+            <p:ph type="dt" idx="1"/>
+          </p:nvPr>
+        </p:nvSpPr>
+        <p:spPr>
+          <a:xfrm>
+            <a:off x="3884613" y="0"/>
+            <a:ext cx="2971800" cy="458788"/>
+          </a:xfrm>
+          <a:prstGeom prst="rect">
+            <a:avLst/>
+          </a:prstGeom>
+        </p:spPr>
+        <p:txBody>
+          <a:bodyPr vert="horz" lIns="91440" tIns="45720" rIns="91440" bIns="45720" rtlCol="0"/>
+          <a:lstStyle>
+            <a:lvl1pPr algn="r">
+              <a:defRPr sz="1200"/>
+            </a:lvl1pPr>
+          </a:lstStyle>
+          <a:p>
+            <a:fld id="{837851E2-4F80-458A-82DA-3FEE6873B106}" type="datetimeFigureOut">
+              <a:rPr lang="fr-CH" smtClean="0"/>
+              <a:t>11.01.2020</a:t>
+            </a:fld>
+            <a:endParaRPr lang="fr-CH"/>
+          </a:p>
+        </p:txBody>
+      </p:sp>
+      <p:sp>
+        <p:nvSpPr>
+          <p:cNvPr id="4" name="Espace réservé de l'image des diapositives 3"/>
+          <p:cNvSpPr>
+            <a:spLocks noGrp="1" noRot="1" noChangeAspect="1"/>
+          </p:cNvSpPr>
+          <p:nvPr>
+            <p:ph type="sldImg" idx="2"/>
+          </p:nvPr>
+        </p:nvSpPr>
+        <p:spPr>
+          <a:xfrm>
+            <a:off x="685800" y="1143000"/>
+            <a:ext cx="5486400" cy="3086100"/>
+          </a:xfrm>
+          <a:prstGeom prst="rect">
+            <a:avLst/>
+          </a:prstGeom>
+          <a:noFill/>
+          <a:ln w="12700">
+            <a:solidFill>
+              <a:prstClr val="black"/>
+            </a:solidFill>
+          </a:ln>
+        </p:spPr>
+        <p:txBody>
+          <a:bodyPr vert="horz" lIns="91440" tIns="45720" rIns="91440" bIns="45720" rtlCol="0" anchor="ctr"/>
+          <a:lstStyle/>
+          <a:p>
+            <a:endParaRPr lang="fr-CH"/>
+          </a:p>
+        </p:txBody>
+      </p:sp>
+      <p:sp>
+        <p:nvSpPr>
+          <p:cNvPr id="5" name="Espace réservé des notes 4"/>
+          <p:cNvSpPr>
+            <a:spLocks noGrp="1"/>
+          </p:cNvSpPr>
+          <p:nvPr>
+            <p:ph type="body" sz="quarter" idx="3"/>
+          </p:nvPr>
+        </p:nvSpPr>
+        <p:spPr>
+          <a:xfrm>
+            <a:off x="685800" y="4400550"/>
+            <a:ext cx="5486400" cy="3600450"/>
+          </a:xfrm>
+          <a:prstGeom prst="rect">
+            <a:avLst/>
+          </a:prstGeom>
+        </p:spPr>
+        <p:txBody>
+          <a:bodyPr vert="horz" lIns="91440" tIns="45720" rIns="91440" bIns="45720" rtlCol="0"/>
+          <a:lstStyle/>
+          <a:p>
+            <a:pPr lvl="0"/>
+            <a:r>
+              <a:rPr lang="fr-FR"/>
+              <a:t>Cliquez pour modifier les styles du texte du masque</a:t>
+            </a:r>
+          </a:p>
+          <a:p>
+            <a:pPr lvl="1"/>
+            <a:r>
+              <a:rPr lang="fr-FR"/>
+              <a:t>Deuxième niveau</a:t>
+            </a:r>
+          </a:p>
+          <a:p>
+            <a:pPr lvl="2"/>
+            <a:r>
+              <a:rPr lang="fr-FR"/>
+              <a:t>Troisième niveau</a:t>
+            </a:r>
+          </a:p>
+          <a:p>
+            <a:pPr lvl="3"/>
+            <a:r>
+              <a:rPr lang="fr-FR"/>
+              <a:t>Quatrième niveau</a:t>
+            </a:r>
+          </a:p>
+          <a:p>
+            <a:pPr lvl="4"/>
+            <a:r>
+              <a:rPr lang="fr-FR"/>
+              <a:t>Cinquième niveau</a:t>
+            </a:r>
+            <a:endParaRPr lang="fr-CH"/>
+          </a:p>
+        </p:txBody>
+      </p:sp>
+      <p:sp>
+        <p:nvSpPr>
+          <p:cNvPr id="6" name="Espace réservé du pied de page 5"/>
+          <p:cNvSpPr>
+            <a:spLocks noGrp="1"/>
+          </p:cNvSpPr>
+          <p:nvPr>
+            <p:ph type="ftr" sz="quarter" idx="4"/>
+          </p:nvPr>
+        </p:nvSpPr>
+        <p:spPr>
+          <a:xfrm>
+            <a:off x="0" y="8685213"/>
+            <a:ext cx="2971800" cy="458787"/>
+          </a:xfrm>
+          <a:prstGeom prst="rect">
+            <a:avLst/>
+          </a:prstGeom>
+        </p:spPr>
+        <p:txBody>
+          <a:bodyPr vert="horz" lIns="91440" tIns="45720" rIns="91440" bIns="45720" rtlCol="0" anchor="b"/>
+          <a:lstStyle>
+            <a:lvl1pPr algn="l">
+              <a:defRPr sz="1200"/>
+            </a:lvl1pPr>
+          </a:lstStyle>
+          <a:p>
+            <a:endParaRPr lang="fr-CH"/>
+          </a:p>
+        </p:txBody>
+      </p:sp>
+      <p:sp>
+        <p:nvSpPr>
+          <p:cNvPr id="7" name="Espace réservé du numéro de diapositive 6"/>
+          <p:cNvSpPr>
+            <a:spLocks noGrp="1"/>
+          </p:cNvSpPr>
+          <p:nvPr>
+            <p:ph type="sldNum" sz="quarter" idx="5"/>
+          </p:nvPr>
+        </p:nvSpPr>
+        <p:spPr>
+          <a:xfrm>
+            <a:off x="3884613" y="8685213"/>
+            <a:ext cx="2971800" cy="458787"/>
+          </a:xfrm>
+          <a:prstGeom prst="rect">
+            <a:avLst/>
+          </a:prstGeom>
+        </p:spPr>
+        <p:txBody>
+          <a:bodyPr vert="horz" lIns="91440" tIns="45720" rIns="91440" bIns="45720" rtlCol="0" anchor="b"/>
+          <a:lstStyle>
+            <a:lvl1pPr algn="r">
+              <a:defRPr sz="1200"/>
+            </a:lvl1pPr>
+          </a:lstStyle>
+          <a:p>
+            <a:fld id="{D6139E6F-7A80-4686-83D5-3D60AE3F6DD8}" type="slidenum">
+              <a:rPr lang="fr-CH" smtClean="0"/>
+              <a:t>‹N°›</a:t>
+            </a:fld>
+            <a:endParaRPr lang="fr-CH"/>
+          </a:p>
+        </p:txBody>
+      </p:sp>
+    </p:spTree>
+    <p:extLst>
+      <p:ext uri="{BB962C8B-B14F-4D97-AF65-F5344CB8AC3E}">
+        <p14:creationId xmlns:p14="http://schemas.microsoft.com/office/powerpoint/2010/main" val="3567181888"/>
+      </p:ext>
+    </p:extLst>
+  </p:cSld>
+  <p:clrMap bg1="lt1" tx1="dk1" bg2="lt2" tx2="dk2" accent1="accent1" accent2="accent2" accent3="accent3" accent4="accent4" accent5="accent5" accent6="accent6" hlink="hlink" folHlink="folHlink"/>
+  <p:notesStyle>
+    <a:lvl1pPr marL="0" algn="l" defTabSz="914400" rtl="0" eaLnBrk="1" latinLnBrk="0" hangingPunct="1">
+      <a:defRPr sz="1200" kern="1200">
+        <a:solidFill>
+          <a:schemeClr val="tx1"/>
+        </a:solidFill>
+        <a:latin typeface="+mn-lt"/>
+        <a:ea typeface="+mn-ea"/>
+        <a:cs typeface="+mn-cs"/>
+      </a:defRPr>
+    </a:lvl1pPr>
+    <a:lvl2pPr marL="457200" algn="l" defTabSz="914400" rtl="0" eaLnBrk="1" latinLnBrk="0" hangingPunct="1">
+      <a:defRPr sz="1200" kern="1200">
+        <a:solidFill>
+          <a:schemeClr val="tx1"/>
+        </a:solidFill>
+        <a:latin typeface="+mn-lt"/>
+        <a:ea typeface="+mn-ea"/>
+        <a:cs typeface="+mn-cs"/>
+      </a:defRPr>
+    </a:lvl2pPr>
+    <a:lvl3pPr marL="914400" algn="l" defTabSz="914400" rtl="0" eaLnBrk="1" latinLnBrk="0" hangingPunct="1">
+      <a:defRPr sz="1200" kern="1200">
+        <a:solidFill>
+          <a:schemeClr val="tx1"/>
+        </a:solidFill>
+        <a:latin typeface="+mn-lt"/>
+        <a:ea typeface="+mn-ea"/>
+        <a:cs typeface="+mn-cs"/>
+      </a:defRPr>
+    </a:lvl3pPr>
+    <a:lvl4pPr marL="1371600" algn="l" defTabSz="914400" rtl="0" eaLnBrk="1" latinLnBrk="0" hangingPunct="1">
+      <a:defRPr sz="1200" kern="1200">
+        <a:solidFill>
+          <a:schemeClr val="tx1"/>
+        </a:solidFill>
+        <a:latin typeface="+mn-lt"/>
+        <a:ea typeface="+mn-ea"/>
+        <a:cs typeface="+mn-cs"/>
+      </a:defRPr>
+    </a:lvl4pPr>
+    <a:lvl5pPr marL="1828800" algn="l" defTabSz="914400" rtl="0" eaLnBrk="1" latinLnBrk="0" hangingPunct="1">
+      <a:defRPr sz="1200" kern="1200">
+        <a:solidFill>
+          <a:schemeClr val="tx1"/>
+        </a:solidFill>
+        <a:latin typeface="+mn-lt"/>
+        <a:ea typeface="+mn-ea"/>
+        <a:cs typeface="+mn-cs"/>
+      </a:defRPr>
+    </a:lvl5pPr>
+    <a:lvl6pPr marL="2286000" algn="l" defTabSz="914400" rtl="0" eaLnBrk="1" latinLnBrk="0" hangingPunct="1">
+      <a:defRPr sz="1200" kern="1200">
+        <a:solidFill>
+          <a:schemeClr val="tx1"/>
+        </a:solidFill>
+        <a:latin typeface="+mn-lt"/>
+        <a:ea typeface="+mn-ea"/>
+        <a:cs typeface="+mn-cs"/>
+      </a:defRPr>
+    </a:lvl6pPr>
+    <a:lvl7pPr marL="2743200" algn="l" defTabSz="914400" rtl="0" eaLnBrk="1" latinLnBrk="0" hangingPunct="1">
+      <a:defRPr sz="1200" kern="1200">
+        <a:solidFill>
+          <a:schemeClr val="tx1"/>
+        </a:solidFill>
+        <a:latin typeface="+mn-lt"/>
+        <a:ea typeface="+mn-ea"/>
+        <a:cs typeface="+mn-cs"/>
+      </a:defRPr>
+    </a:lvl7pPr>
+    <a:lvl8pPr marL="3200400" algn="l" defTabSz="914400" rtl="0" eaLnBrk="1" latinLnBrk="0" hangingPunct="1">
+      <a:defRPr sz="1200" kern="1200">
+        <a:solidFill>
+          <a:schemeClr val="tx1"/>
+        </a:solidFill>
+        <a:latin typeface="+mn-lt"/>
+        <a:ea typeface="+mn-ea"/>
+        <a:cs typeface="+mn-cs"/>
+      </a:defRPr>
+    </a:lvl8pPr>
+    <a:lvl9pPr marL="3657600" algn="l" defTabSz="914400" rtl="0" eaLnBrk="1" latinLnBrk="0" hangingPunct="1">
+      <a:defRPr sz="1200" kern="1200">
+        <a:solidFill>
+          <a:schemeClr val="tx1"/>
+        </a:solidFill>
+        <a:latin typeface="+mn-lt"/>
+        <a:ea typeface="+mn-ea"/>
+        <a:cs typeface="+mn-cs"/>
+      </a:defRPr>
+    </a:lvl9pPr>
+  </p:notesStyle>
+</p:notesMaster>
+</file>
+
+<file path=ppt/notesSlides/notesSlide1.xml><?xml version="1.0" encoding="utf-8"?>
+<p:notes xmlns:a="http://schemas.openxmlformats.org/drawingml/2006/main" xmlns:r="http://schemas.openxmlformats.org/officeDocument/2006/relationships" xmlns:p="http://schemas.openxmlformats.org/presentationml/2006/main">
+  <p:cSld>
+    <p:spTree>
+      <p:nvGrpSpPr>
+        <p:cNvPr id="1" name=""/>
+        <p:cNvGrpSpPr/>
+        <p:nvPr/>
+      </p:nvGrpSpPr>
+      <p:grpSpPr>
+        <a:xfrm>
+          <a:off x="0" y="0"/>
+          <a:ext cx="0" cy="0"/>
+          <a:chOff x="0" y="0"/>
+          <a:chExt cx="0" cy="0"/>
+        </a:xfrm>
+      </p:grpSpPr>
+      <p:sp>
+        <p:nvSpPr>
+          <p:cNvPr id="2" name="Espace réservé de l'image des diapositives 1"/>
+          <p:cNvSpPr>
+            <a:spLocks noGrp="1" noRot="1" noChangeAspect="1"/>
+          </p:cNvSpPr>
+          <p:nvPr>
+            <p:ph type="sldImg"/>
+          </p:nvPr>
+        </p:nvSpPr>
+        <p:spPr/>
+      </p:sp>
+      <p:sp>
+        <p:nvSpPr>
+          <p:cNvPr id="3" name="Espace réservé des notes 2"/>
+          <p:cNvSpPr>
+            <a:spLocks noGrp="1"/>
+          </p:cNvSpPr>
+          <p:nvPr>
+            <p:ph type="body" idx="1"/>
+          </p:nvPr>
+        </p:nvSpPr>
+        <p:spPr/>
+        <p:txBody>
+          <a:bodyPr/>
+          <a:lstStyle/>
+          <a:p>
+            <a:r>
+              <a:rPr lang="fr-CH" dirty="0"/>
+              <a:t>TOM1 ubiquitine ligase -&gt; </a:t>
+            </a:r>
+            <a:r>
+              <a:rPr lang="fr-CH" dirty="0" err="1"/>
+              <a:t>ubiquinates</a:t>
+            </a:r>
+            <a:r>
+              <a:rPr lang="fr-CH" dirty="0"/>
+              <a:t> </a:t>
+            </a:r>
+            <a:r>
+              <a:rPr lang="fr-CH" dirty="0" err="1"/>
+              <a:t>unassembled</a:t>
+            </a:r>
+            <a:r>
+              <a:rPr lang="fr-CH" dirty="0"/>
+              <a:t> ribosomal </a:t>
+            </a:r>
+            <a:r>
+              <a:rPr lang="fr-CH" dirty="0" err="1"/>
+              <a:t>proteins</a:t>
+            </a:r>
+            <a:endParaRPr lang="fr-CH" dirty="0"/>
+          </a:p>
+          <a:p>
+            <a:r>
+              <a:rPr lang="fr-CH" dirty="0"/>
+              <a:t>Gene Trigger Of </a:t>
+            </a:r>
+            <a:r>
+              <a:rPr lang="fr-CH" dirty="0" err="1"/>
+              <a:t>Mitosis</a:t>
+            </a:r>
+            <a:r>
+              <a:rPr lang="fr-CH" dirty="0"/>
+              <a:t> 1 </a:t>
+            </a:r>
+            <a:r>
+              <a:rPr lang="fr-CH" dirty="0" err="1"/>
+              <a:t>is</a:t>
+            </a:r>
+            <a:r>
+              <a:rPr lang="fr-CH" dirty="0"/>
+              <a:t> </a:t>
+            </a:r>
+            <a:r>
+              <a:rPr lang="fr-CH" dirty="0" err="1"/>
+              <a:t>deleted</a:t>
+            </a:r>
+            <a:r>
+              <a:rPr lang="fr-CH" dirty="0"/>
+              <a:t>  -&gt; accumulation of ribosomal </a:t>
+            </a:r>
+            <a:r>
+              <a:rPr lang="fr-CH" dirty="0" err="1"/>
+              <a:t>proteins</a:t>
+            </a:r>
+            <a:r>
+              <a:rPr lang="fr-CH" dirty="0"/>
+              <a:t> -&gt; no </a:t>
+            </a:r>
+            <a:r>
+              <a:rPr lang="fr-CH" dirty="0" err="1"/>
+              <a:t>growth</a:t>
+            </a:r>
+            <a:r>
+              <a:rPr lang="fr-CH" dirty="0"/>
+              <a:t> at 37°C</a:t>
+            </a:r>
+          </a:p>
+          <a:p>
+            <a:r>
+              <a:rPr lang="fr-CH" dirty="0"/>
+              <a:t>Mutations in </a:t>
+            </a:r>
+            <a:r>
+              <a:rPr lang="fr-CH" dirty="0" err="1"/>
+              <a:t>other</a:t>
+            </a:r>
+            <a:r>
+              <a:rPr lang="fr-CH" dirty="0"/>
+              <a:t> </a:t>
+            </a:r>
+            <a:r>
+              <a:rPr lang="fr-CH" dirty="0" err="1"/>
+              <a:t>genes</a:t>
+            </a:r>
+            <a:r>
+              <a:rPr lang="fr-CH" dirty="0"/>
+              <a:t> -&gt; </a:t>
+            </a:r>
+            <a:r>
+              <a:rPr lang="fr-CH" dirty="0" err="1"/>
+              <a:t>grow</a:t>
+            </a:r>
+            <a:r>
+              <a:rPr lang="fr-CH" dirty="0"/>
+              <a:t> </a:t>
+            </a:r>
+            <a:r>
+              <a:rPr lang="fr-CH" dirty="0" err="1"/>
+              <a:t>again</a:t>
+            </a:r>
+            <a:r>
+              <a:rPr lang="fr-CH" dirty="0"/>
+              <a:t> at 37°C</a:t>
+            </a:r>
+          </a:p>
+          <a:p>
+            <a:endParaRPr lang="fr-CH" dirty="0"/>
+          </a:p>
+        </p:txBody>
+      </p:sp>
+      <p:sp>
+        <p:nvSpPr>
+          <p:cNvPr id="4" name="Espace réservé du numéro de diapositive 3"/>
+          <p:cNvSpPr>
+            <a:spLocks noGrp="1"/>
+          </p:cNvSpPr>
+          <p:nvPr>
+            <p:ph type="sldNum" sz="quarter" idx="5"/>
+          </p:nvPr>
+        </p:nvSpPr>
+        <p:spPr/>
+        <p:txBody>
+          <a:bodyPr/>
+          <a:lstStyle/>
+          <a:p>
+            <a:fld id="{D6139E6F-7A80-4686-83D5-3D60AE3F6DD8}" type="slidenum">
+              <a:rPr lang="fr-CH" smtClean="0"/>
+              <a:t>1</a:t>
+            </a:fld>
+            <a:endParaRPr lang="fr-CH"/>
+          </a:p>
+        </p:txBody>
+      </p:sp>
+    </p:spTree>
+    <p:extLst>
+      <p:ext uri="{BB962C8B-B14F-4D97-AF65-F5344CB8AC3E}">
+        <p14:creationId xmlns:p14="http://schemas.microsoft.com/office/powerpoint/2010/main" val="1508422810"/>
+      </p:ext>
+    </p:extLst>
+  </p:cSld>
+  <p:clrMapOvr>
+    <a:masterClrMapping/>
+  </p:clrMapOvr>
+</p:notes>
+</file>
+
+<file path=ppt/notesSlides/notesSlide2.xml><?xml version="1.0" encoding="utf-8"?>
+<p:notes xmlns:a="http://schemas.openxmlformats.org/drawingml/2006/main" xmlns:r="http://schemas.openxmlformats.org/officeDocument/2006/relationships" xmlns:p="http://schemas.openxmlformats.org/presentationml/2006/main">
+  <p:cSld>
+    <p:spTree>
+      <p:nvGrpSpPr>
+        <p:cNvPr id="1" name=""/>
+        <p:cNvGrpSpPr/>
+        <p:nvPr/>
+      </p:nvGrpSpPr>
+      <p:grpSpPr>
+        <a:xfrm>
+          <a:off x="0" y="0"/>
+          <a:ext cx="0" cy="0"/>
+          <a:chOff x="0" y="0"/>
+          <a:chExt cx="0" cy="0"/>
+        </a:xfrm>
+      </p:grpSpPr>
+      <p:sp>
+        <p:nvSpPr>
+          <p:cNvPr id="2" name="Espace réservé de l'image des diapositives 1"/>
+          <p:cNvSpPr>
+            <a:spLocks noGrp="1" noRot="1" noChangeAspect="1"/>
+          </p:cNvSpPr>
+          <p:nvPr>
+            <p:ph type="sldImg"/>
+          </p:nvPr>
+        </p:nvSpPr>
+        <p:spPr/>
+      </p:sp>
+      <p:sp>
+        <p:nvSpPr>
+          <p:cNvPr id="3" name="Espace réservé des notes 2"/>
+          <p:cNvSpPr>
+            <a:spLocks noGrp="1"/>
+          </p:cNvSpPr>
+          <p:nvPr>
+            <p:ph type="body" idx="1"/>
+          </p:nvPr>
+        </p:nvSpPr>
+        <p:spPr/>
+        <p:txBody>
+          <a:bodyPr/>
+          <a:lstStyle/>
+          <a:p>
+            <a:r>
+              <a:rPr lang="fr-CH" dirty="0"/>
+              <a:t>GAI – </a:t>
+            </a:r>
+            <a:r>
+              <a:rPr lang="fr-CH" dirty="0" err="1"/>
+              <a:t>Giberellic</a:t>
+            </a:r>
+            <a:r>
+              <a:rPr lang="fr-CH" dirty="0"/>
+              <a:t> Acid </a:t>
+            </a:r>
+            <a:r>
+              <a:rPr lang="fr-CH" dirty="0" err="1"/>
+              <a:t>Insensitive</a:t>
+            </a:r>
+            <a:r>
+              <a:rPr lang="fr-CH" dirty="0"/>
+              <a:t> – Plants </a:t>
+            </a:r>
+            <a:r>
+              <a:rPr lang="fr-CH" dirty="0" err="1"/>
+              <a:t>deficients</a:t>
+            </a:r>
+            <a:r>
+              <a:rPr lang="fr-CH" dirty="0"/>
+              <a:t> in </a:t>
+            </a:r>
+            <a:r>
+              <a:rPr lang="fr-CH" dirty="0" err="1"/>
+              <a:t>biosynthesis</a:t>
+            </a:r>
+            <a:r>
+              <a:rPr lang="fr-CH" dirty="0"/>
+              <a:t> of </a:t>
+            </a:r>
+            <a:r>
+              <a:rPr lang="fr-CH" dirty="0" err="1"/>
+              <a:t>Giberellic</a:t>
+            </a:r>
+            <a:r>
+              <a:rPr lang="fr-CH" dirty="0"/>
+              <a:t> Acid </a:t>
+            </a:r>
+          </a:p>
+          <a:p>
+            <a:r>
+              <a:rPr lang="fr-CH" dirty="0"/>
+              <a:t>Modulation of plant </a:t>
+            </a:r>
+            <a:r>
+              <a:rPr lang="fr-CH" dirty="0" err="1"/>
+              <a:t>growth</a:t>
+            </a:r>
+            <a:r>
+              <a:rPr lang="fr-CH" dirty="0"/>
+              <a:t> by </a:t>
+            </a:r>
+            <a:r>
+              <a:rPr lang="fr-CH" dirty="0" err="1"/>
+              <a:t>decreasing</a:t>
+            </a:r>
+            <a:r>
+              <a:rPr lang="fr-CH" dirty="0"/>
+              <a:t> the </a:t>
+            </a:r>
+            <a:r>
+              <a:rPr lang="fr-CH" dirty="0" err="1"/>
+              <a:t>responsiveness</a:t>
+            </a:r>
+            <a:r>
+              <a:rPr lang="fr-CH" dirty="0"/>
+              <a:t> to GA</a:t>
+            </a:r>
+          </a:p>
+          <a:p>
+            <a:endParaRPr lang="fr-CH" dirty="0"/>
+          </a:p>
+        </p:txBody>
+      </p:sp>
+      <p:sp>
+        <p:nvSpPr>
+          <p:cNvPr id="4" name="Espace réservé du numéro de diapositive 3"/>
+          <p:cNvSpPr>
+            <a:spLocks noGrp="1"/>
+          </p:cNvSpPr>
+          <p:nvPr>
+            <p:ph type="sldNum" sz="quarter" idx="5"/>
+          </p:nvPr>
+        </p:nvSpPr>
+        <p:spPr/>
+        <p:txBody>
+          <a:bodyPr/>
+          <a:lstStyle/>
+          <a:p>
+            <a:fld id="{D6139E6F-7A80-4686-83D5-3D60AE3F6DD8}" type="slidenum">
+              <a:rPr lang="fr-CH" smtClean="0"/>
+              <a:t>2</a:t>
+            </a:fld>
+            <a:endParaRPr lang="fr-CH"/>
+          </a:p>
+        </p:txBody>
+      </p:sp>
+    </p:spTree>
+    <p:extLst>
+      <p:ext uri="{BB962C8B-B14F-4D97-AF65-F5344CB8AC3E}">
+        <p14:creationId xmlns:p14="http://schemas.microsoft.com/office/powerpoint/2010/main" val="3783833451"/>
+      </p:ext>
+    </p:extLst>
+  </p:cSld>
+  <p:clrMapOvr>
+    <a:masterClrMapping/>
+  </p:clrMapOvr>
+</p:notes>
 </file>
 
 <file path=ppt/slideLayouts/slideLayout1.xml><?xml version="1.0" encoding="utf-8"?>
@@ -256,7 +970,7 @@
           <a:p>
             <a:fld id="{8AC31CE9-DC4A-423F-9343-8758E8045185}" type="datetimeFigureOut">
               <a:rPr lang="en-GB" smtClean="0"/>
-              <a:t>06/01/2020</a:t>
+              <a:t>11/01/2020</a:t>
             </a:fld>
             <a:endParaRPr lang="en-GB"/>
           </a:p>
@@ -456,7 +1170,7 @@
           <a:p>
             <a:fld id="{8AC31CE9-DC4A-423F-9343-8758E8045185}" type="datetimeFigureOut">
               <a:rPr lang="en-GB" smtClean="0"/>
-              <a:t>06/01/2020</a:t>
+              <a:t>11/01/2020</a:t>
             </a:fld>
             <a:endParaRPr lang="en-GB"/>
           </a:p>
@@ -666,7 +1380,7 @@
           <a:p>
             <a:fld id="{8AC31CE9-DC4A-423F-9343-8758E8045185}" type="datetimeFigureOut">
               <a:rPr lang="en-GB" smtClean="0"/>
-              <a:t>06/01/2020</a:t>
+              <a:t>11/01/2020</a:t>
             </a:fld>
             <a:endParaRPr lang="en-GB"/>
           </a:p>
@@ -866,7 +1580,7 @@
           <a:p>
             <a:fld id="{8AC31CE9-DC4A-423F-9343-8758E8045185}" type="datetimeFigureOut">
               <a:rPr lang="en-GB" smtClean="0"/>
-              <a:t>06/01/2020</a:t>
+              <a:t>11/01/2020</a:t>
             </a:fld>
             <a:endParaRPr lang="en-GB"/>
           </a:p>
@@ -1142,7 +1856,7 @@
           <a:p>
             <a:fld id="{8AC31CE9-DC4A-423F-9343-8758E8045185}" type="datetimeFigureOut">
               <a:rPr lang="en-GB" smtClean="0"/>
-              <a:t>06/01/2020</a:t>
+              <a:t>11/01/2020</a:t>
             </a:fld>
             <a:endParaRPr lang="en-GB"/>
           </a:p>
@@ -1410,7 +2124,7 @@
           <a:p>
             <a:fld id="{8AC31CE9-DC4A-423F-9343-8758E8045185}" type="datetimeFigureOut">
               <a:rPr lang="en-GB" smtClean="0"/>
-              <a:t>06/01/2020</a:t>
+              <a:t>11/01/2020</a:t>
             </a:fld>
             <a:endParaRPr lang="en-GB"/>
           </a:p>
@@ -1825,7 +2539,7 @@
           <a:p>
             <a:fld id="{8AC31CE9-DC4A-423F-9343-8758E8045185}" type="datetimeFigureOut">
               <a:rPr lang="en-GB" smtClean="0"/>
-              <a:t>06/01/2020</a:t>
+              <a:t>11/01/2020</a:t>
             </a:fld>
             <a:endParaRPr lang="en-GB"/>
           </a:p>
@@ -1967,7 +2681,7 @@
           <a:p>
             <a:fld id="{8AC31CE9-DC4A-423F-9343-8758E8045185}" type="datetimeFigureOut">
               <a:rPr lang="en-GB" smtClean="0"/>
-              <a:t>06/01/2020</a:t>
+              <a:t>11/01/2020</a:t>
             </a:fld>
             <a:endParaRPr lang="en-GB"/>
           </a:p>
@@ -2080,7 +2794,7 @@
           <a:p>
             <a:fld id="{8AC31CE9-DC4A-423F-9343-8758E8045185}" type="datetimeFigureOut">
               <a:rPr lang="en-GB" smtClean="0"/>
-              <a:t>06/01/2020</a:t>
+              <a:t>11/01/2020</a:t>
             </a:fld>
             <a:endParaRPr lang="en-GB"/>
           </a:p>
@@ -2393,7 +3107,7 @@
           <a:p>
             <a:fld id="{8AC31CE9-DC4A-423F-9343-8758E8045185}" type="datetimeFigureOut">
               <a:rPr lang="en-GB" smtClean="0"/>
-              <a:t>06/01/2020</a:t>
+              <a:t>11/01/2020</a:t>
             </a:fld>
             <a:endParaRPr lang="en-GB"/>
           </a:p>
@@ -2682,7 +3396,7 @@
           <a:p>
             <a:fld id="{8AC31CE9-DC4A-423F-9343-8758E8045185}" type="datetimeFigureOut">
               <a:rPr lang="en-GB" smtClean="0"/>
-              <a:t>06/01/2020</a:t>
+              <a:t>11/01/2020</a:t>
             </a:fld>
             <a:endParaRPr lang="en-GB"/>
           </a:p>
@@ -2925,7 +3639,7 @@
           <a:p>
             <a:fld id="{8AC31CE9-DC4A-423F-9343-8758E8045185}" type="datetimeFigureOut">
               <a:rPr lang="en-GB" smtClean="0"/>
-              <a:t>06/01/2020</a:t>
+              <a:t>11/01/2020</a:t>
             </a:fld>
             <a:endParaRPr lang="en-GB"/>
           </a:p>
@@ -3328,6 +4042,40 @@
 <file path=ppt/slides/slide1.xml><?xml version="1.0" encoding="utf-8"?>
 <p:sld xmlns:a="http://schemas.openxmlformats.org/drawingml/2006/main" xmlns:r="http://schemas.openxmlformats.org/officeDocument/2006/relationships" xmlns:p="http://schemas.openxmlformats.org/presentationml/2006/main">
   <p:cSld>
+    <p:bg>
+      <p:bgPr>
+        <a:gradFill>
+          <a:gsLst>
+            <a:gs pos="0">
+              <a:schemeClr val="accent1">
+                <a:lumMod val="5000"/>
+                <a:lumOff val="95000"/>
+              </a:schemeClr>
+            </a:gs>
+            <a:gs pos="74000">
+              <a:schemeClr val="accent1">
+                <a:lumMod val="45000"/>
+                <a:lumOff val="55000"/>
+              </a:schemeClr>
+            </a:gs>
+            <a:gs pos="83000">
+              <a:schemeClr val="accent1">
+                <a:lumMod val="45000"/>
+                <a:lumOff val="55000"/>
+              </a:schemeClr>
+            </a:gs>
+            <a:gs pos="100000">
+              <a:schemeClr val="accent1">
+                <a:lumMod val="30000"/>
+                <a:lumOff val="70000"/>
+              </a:schemeClr>
+            </a:gs>
+          </a:gsLst>
+          <a:lin ang="5400000" scaled="1"/>
+        </a:gradFill>
+        <a:effectLst/>
+      </p:bgPr>
+    </p:bg>
     <p:spTree>
       <p:nvGrpSpPr>
         <p:cNvPr id="1" name=""/>
@@ -3358,37 +4106,1988 @@
             <p:ph type="ctrTitle"/>
           </p:nvPr>
         </p:nvSpPr>
-        <p:spPr/>
-        <p:txBody>
-          <a:bodyPr/>
-          <a:lstStyle/>
-          <a:p>
-            <a:endParaRPr lang="en-GB"/>
-          </a:p>
-        </p:txBody>
-      </p:sp>
-      <p:sp>
-        <p:nvSpPr>
-          <p:cNvPr id="3" name="Sous-titre 2">
-            <a:extLst>
-              <a:ext uri="{FF2B5EF4-FFF2-40B4-BE49-F238E27FC236}">
-                <a16:creationId xmlns:a16="http://schemas.microsoft.com/office/drawing/2014/main" id="{32AA64D0-DAB9-4CDC-A149-60FB6A35D75D}"/>
-              </a:ext>
-            </a:extLst>
-          </p:cNvPr>
-          <p:cNvSpPr>
-            <a:spLocks noGrp="1"/>
-          </p:cNvSpPr>
-          <p:nvPr>
-            <p:ph type="subTitle" idx="1"/>
-          </p:nvPr>
-        </p:nvSpPr>
-        <p:spPr/>
-        <p:txBody>
-          <a:bodyPr/>
-          <a:lstStyle/>
-          <a:p>
-            <a:endParaRPr lang="en-GB"/>
+        <p:spPr>
+          <a:xfrm>
+            <a:off x="1109708" y="337351"/>
+            <a:ext cx="9972583" cy="670926"/>
+          </a:xfrm>
+        </p:spPr>
+        <p:txBody>
+          <a:bodyPr>
+            <a:noAutofit/>
+          </a:bodyPr>
+          <a:lstStyle/>
+          <a:p>
+            <a:r>
+              <a:rPr lang="en-US" sz="3600" dirty="0"/>
+              <a:t>Identification of </a:t>
+            </a:r>
+            <a:r>
+              <a:rPr lang="el-GR" sz="3600" dirty="0"/>
+              <a:t>Δ</a:t>
+            </a:r>
+            <a:r>
+              <a:rPr lang="en-US" sz="3600" dirty="0"/>
+              <a:t>TOM1 suppressors in </a:t>
+            </a:r>
+            <a:r>
+              <a:rPr lang="en-US" sz="3600" i="1" dirty="0"/>
+              <a:t>S. Cerevisiae</a:t>
+            </a:r>
+            <a:endParaRPr lang="en-GB" sz="3600" i="1" dirty="0"/>
+          </a:p>
+        </p:txBody>
+      </p:sp>
+      <p:pic>
+        <p:nvPicPr>
+          <p:cNvPr id="5" name="Image 4">
+            <a:extLst>
+              <a:ext uri="{FF2B5EF4-FFF2-40B4-BE49-F238E27FC236}">
+                <a16:creationId xmlns:a16="http://schemas.microsoft.com/office/drawing/2014/main" id="{F0885A17-995A-4C01-8451-4BD35A6E6A02}"/>
+              </a:ext>
+            </a:extLst>
+          </p:cNvPr>
+          <p:cNvPicPr>
+            <a:picLocks noChangeAspect="1"/>
+          </p:cNvPicPr>
+          <p:nvPr/>
+        </p:nvPicPr>
+        <p:blipFill>
+          <a:blip r:embed="rId3">
+            <a:clrChange>
+              <a:clrFrom>
+                <a:srgbClr val="FFFFFF"/>
+              </a:clrFrom>
+              <a:clrTo>
+                <a:srgbClr val="FFFFFF">
+                  <a:alpha val="0"/>
+                </a:srgbClr>
+              </a:clrTo>
+            </a:clrChange>
+          </a:blip>
+          <a:stretch>
+            <a:fillRect/>
+          </a:stretch>
+        </p:blipFill>
+        <p:spPr>
+          <a:xfrm>
+            <a:off x="191249" y="1353127"/>
+            <a:ext cx="2653693" cy="4151745"/>
+          </a:xfrm>
+          <a:prstGeom prst="rect">
+            <a:avLst/>
+          </a:prstGeom>
+        </p:spPr>
+      </p:pic>
+      <p:cxnSp>
+        <p:nvCxnSpPr>
+          <p:cNvPr id="7" name="Connecteur droit 6">
+            <a:extLst>
+              <a:ext uri="{FF2B5EF4-FFF2-40B4-BE49-F238E27FC236}">
+                <a16:creationId xmlns:a16="http://schemas.microsoft.com/office/drawing/2014/main" id="{D16CEA29-E8AA-4FB5-9369-5D6DC7A767D6}"/>
+              </a:ext>
+            </a:extLst>
+          </p:cNvPr>
+          <p:cNvCxnSpPr>
+            <a:cxnSpLocks/>
+          </p:cNvCxnSpPr>
+          <p:nvPr/>
+        </p:nvCxnSpPr>
+        <p:spPr>
+          <a:xfrm>
+            <a:off x="2257425" y="1754848"/>
+            <a:ext cx="1086281" cy="0"/>
+          </a:xfrm>
+          <a:prstGeom prst="line">
+            <a:avLst/>
+          </a:prstGeom>
+          <a:ln w="12700">
+            <a:solidFill>
+              <a:schemeClr val="accent3">
+                <a:lumMod val="75000"/>
+              </a:schemeClr>
+            </a:solidFill>
+          </a:ln>
+        </p:spPr>
+        <p:style>
+          <a:lnRef idx="1">
+            <a:schemeClr val="accent1"/>
+          </a:lnRef>
+          <a:fillRef idx="0">
+            <a:schemeClr val="accent1"/>
+          </a:fillRef>
+          <a:effectRef idx="0">
+            <a:schemeClr val="accent1"/>
+          </a:effectRef>
+          <a:fontRef idx="minor">
+            <a:schemeClr val="tx1"/>
+          </a:fontRef>
+        </p:style>
+      </p:cxnSp>
+      <p:sp>
+        <p:nvSpPr>
+          <p:cNvPr id="8" name="ZoneTexte 7">
+            <a:extLst>
+              <a:ext uri="{FF2B5EF4-FFF2-40B4-BE49-F238E27FC236}">
+                <a16:creationId xmlns:a16="http://schemas.microsoft.com/office/drawing/2014/main" id="{08122C88-10D3-4755-A461-D2B7DBC202C3}"/>
+              </a:ext>
+            </a:extLst>
+          </p:cNvPr>
+          <p:cNvSpPr txBox="1"/>
+          <p:nvPr/>
+        </p:nvSpPr>
+        <p:spPr>
+          <a:xfrm>
+            <a:off x="4150126" y="1385516"/>
+            <a:ext cx="6314674" cy="369332"/>
+          </a:xfrm>
+          <a:prstGeom prst="rect">
+            <a:avLst/>
+          </a:prstGeom>
+          <a:noFill/>
+        </p:spPr>
+        <p:txBody>
+          <a:bodyPr wrap="square" rtlCol="0">
+            <a:spAutoFit/>
+          </a:bodyPr>
+          <a:lstStyle/>
+          <a:p>
+            <a:r>
+              <a:rPr lang="fr-CH" dirty="0"/>
+              <a:t>Wild type – TOM1 </a:t>
+            </a:r>
+            <a:r>
+              <a:rPr lang="fr-CH" dirty="0" err="1"/>
+              <a:t>ubiquitinates</a:t>
+            </a:r>
+            <a:r>
+              <a:rPr lang="fr-CH" dirty="0"/>
+              <a:t> </a:t>
+            </a:r>
+            <a:r>
+              <a:rPr lang="fr-CH" dirty="0" err="1"/>
+              <a:t>unassembled</a:t>
+            </a:r>
+            <a:r>
+              <a:rPr lang="fr-CH" dirty="0"/>
+              <a:t> ribosomal </a:t>
+            </a:r>
+            <a:r>
+              <a:rPr lang="fr-CH" dirty="0" err="1"/>
+              <a:t>proteins</a:t>
+            </a:r>
+            <a:r>
+              <a:rPr lang="fr-CH" dirty="0"/>
+              <a:t>  </a:t>
+            </a:r>
+          </a:p>
+        </p:txBody>
+      </p:sp>
+      <p:cxnSp>
+        <p:nvCxnSpPr>
+          <p:cNvPr id="10" name="Connecteur droit 9">
+            <a:extLst>
+              <a:ext uri="{FF2B5EF4-FFF2-40B4-BE49-F238E27FC236}">
+                <a16:creationId xmlns:a16="http://schemas.microsoft.com/office/drawing/2014/main" id="{77EFBB88-6C89-424D-A7EC-C59ED247B01C}"/>
+              </a:ext>
+            </a:extLst>
+          </p:cNvPr>
+          <p:cNvCxnSpPr/>
+          <p:nvPr/>
+        </p:nvCxnSpPr>
+        <p:spPr>
+          <a:xfrm flipH="1">
+            <a:off x="3343706" y="1570182"/>
+            <a:ext cx="240145" cy="184666"/>
+          </a:xfrm>
+          <a:prstGeom prst="line">
+            <a:avLst/>
+          </a:prstGeom>
+        </p:spPr>
+        <p:style>
+          <a:lnRef idx="1">
+            <a:schemeClr val="accent1"/>
+          </a:lnRef>
+          <a:fillRef idx="0">
+            <a:schemeClr val="accent1"/>
+          </a:fillRef>
+          <a:effectRef idx="0">
+            <a:schemeClr val="accent1"/>
+          </a:effectRef>
+          <a:fontRef idx="minor">
+            <a:schemeClr val="tx1"/>
+          </a:fontRef>
+        </p:style>
+      </p:cxnSp>
+      <p:cxnSp>
+        <p:nvCxnSpPr>
+          <p:cNvPr id="12" name="Connecteur droit 11">
+            <a:extLst>
+              <a:ext uri="{FF2B5EF4-FFF2-40B4-BE49-F238E27FC236}">
+                <a16:creationId xmlns:a16="http://schemas.microsoft.com/office/drawing/2014/main" id="{D227067A-EB4B-4303-A9E8-A0DDDDC69785}"/>
+              </a:ext>
+            </a:extLst>
+          </p:cNvPr>
+          <p:cNvCxnSpPr/>
+          <p:nvPr/>
+        </p:nvCxnSpPr>
+        <p:spPr>
+          <a:xfrm>
+            <a:off x="3583851" y="1570182"/>
+            <a:ext cx="554040" cy="0"/>
+          </a:xfrm>
+          <a:prstGeom prst="line">
+            <a:avLst/>
+          </a:prstGeom>
+        </p:spPr>
+        <p:style>
+          <a:lnRef idx="1">
+            <a:schemeClr val="accent1"/>
+          </a:lnRef>
+          <a:fillRef idx="0">
+            <a:schemeClr val="accent1"/>
+          </a:fillRef>
+          <a:effectRef idx="0">
+            <a:schemeClr val="accent1"/>
+          </a:effectRef>
+          <a:fontRef idx="minor">
+            <a:schemeClr val="tx1"/>
+          </a:fontRef>
+        </p:style>
+      </p:cxnSp>
+      <p:cxnSp>
+        <p:nvCxnSpPr>
+          <p:cNvPr id="14" name="Connecteur droit 13">
+            <a:extLst>
+              <a:ext uri="{FF2B5EF4-FFF2-40B4-BE49-F238E27FC236}">
+                <a16:creationId xmlns:a16="http://schemas.microsoft.com/office/drawing/2014/main" id="{37DFCFA7-B163-4CB3-91E1-B737A59F6DF8}"/>
+              </a:ext>
+            </a:extLst>
+          </p:cNvPr>
+          <p:cNvCxnSpPr>
+            <a:cxnSpLocks/>
+          </p:cNvCxnSpPr>
+          <p:nvPr/>
+        </p:nvCxnSpPr>
+        <p:spPr>
+          <a:xfrm>
+            <a:off x="2257425" y="2618508"/>
+            <a:ext cx="1086281" cy="4619"/>
+          </a:xfrm>
+          <a:prstGeom prst="line">
+            <a:avLst/>
+          </a:prstGeom>
+        </p:spPr>
+        <p:style>
+          <a:lnRef idx="1">
+            <a:schemeClr val="accent1"/>
+          </a:lnRef>
+          <a:fillRef idx="0">
+            <a:schemeClr val="accent1"/>
+          </a:fillRef>
+          <a:effectRef idx="0">
+            <a:schemeClr val="accent1"/>
+          </a:effectRef>
+          <a:fontRef idx="minor">
+            <a:schemeClr val="tx1"/>
+          </a:fontRef>
+        </p:style>
+      </p:cxnSp>
+      <p:cxnSp>
+        <p:nvCxnSpPr>
+          <p:cNvPr id="17" name="Connecteur droit 16">
+            <a:extLst>
+              <a:ext uri="{FF2B5EF4-FFF2-40B4-BE49-F238E27FC236}">
+                <a16:creationId xmlns:a16="http://schemas.microsoft.com/office/drawing/2014/main" id="{08DBD57A-44B7-4637-AD68-8CACCBB88148}"/>
+              </a:ext>
+            </a:extLst>
+          </p:cNvPr>
+          <p:cNvCxnSpPr/>
+          <p:nvPr/>
+        </p:nvCxnSpPr>
+        <p:spPr>
+          <a:xfrm flipH="1">
+            <a:off x="3346704" y="2438460"/>
+            <a:ext cx="240145" cy="184666"/>
+          </a:xfrm>
+          <a:prstGeom prst="line">
+            <a:avLst/>
+          </a:prstGeom>
+        </p:spPr>
+        <p:style>
+          <a:lnRef idx="1">
+            <a:schemeClr val="accent1"/>
+          </a:lnRef>
+          <a:fillRef idx="0">
+            <a:schemeClr val="accent1"/>
+          </a:fillRef>
+          <a:effectRef idx="0">
+            <a:schemeClr val="accent1"/>
+          </a:effectRef>
+          <a:fontRef idx="minor">
+            <a:schemeClr val="tx1"/>
+          </a:fontRef>
+        </p:style>
+      </p:cxnSp>
+      <p:cxnSp>
+        <p:nvCxnSpPr>
+          <p:cNvPr id="18" name="Connecteur droit 17">
+            <a:extLst>
+              <a:ext uri="{FF2B5EF4-FFF2-40B4-BE49-F238E27FC236}">
+                <a16:creationId xmlns:a16="http://schemas.microsoft.com/office/drawing/2014/main" id="{51124482-DEFE-4989-92BA-A8D489D5CAA2}"/>
+              </a:ext>
+            </a:extLst>
+          </p:cNvPr>
+          <p:cNvCxnSpPr/>
+          <p:nvPr/>
+        </p:nvCxnSpPr>
+        <p:spPr>
+          <a:xfrm>
+            <a:off x="3583851" y="2433842"/>
+            <a:ext cx="554040" cy="0"/>
+          </a:xfrm>
+          <a:prstGeom prst="line">
+            <a:avLst/>
+          </a:prstGeom>
+        </p:spPr>
+        <p:style>
+          <a:lnRef idx="1">
+            <a:schemeClr val="accent1"/>
+          </a:lnRef>
+          <a:fillRef idx="0">
+            <a:schemeClr val="accent1"/>
+          </a:fillRef>
+          <a:effectRef idx="0">
+            <a:schemeClr val="accent1"/>
+          </a:effectRef>
+          <a:fontRef idx="minor">
+            <a:schemeClr val="tx1"/>
+          </a:fontRef>
+        </p:style>
+      </p:cxnSp>
+      <p:sp>
+        <p:nvSpPr>
+          <p:cNvPr id="19" name="ZoneTexte 18">
+            <a:extLst>
+              <a:ext uri="{FF2B5EF4-FFF2-40B4-BE49-F238E27FC236}">
+                <a16:creationId xmlns:a16="http://schemas.microsoft.com/office/drawing/2014/main" id="{6E3CEE4B-A6EA-40BC-9C6E-09941E825BD9}"/>
+              </a:ext>
+            </a:extLst>
+          </p:cNvPr>
+          <p:cNvSpPr txBox="1"/>
+          <p:nvPr/>
+        </p:nvSpPr>
+        <p:spPr>
+          <a:xfrm>
+            <a:off x="4150126" y="2249176"/>
+            <a:ext cx="6397801" cy="369332"/>
+          </a:xfrm>
+          <a:prstGeom prst="rect">
+            <a:avLst/>
+          </a:prstGeom>
+          <a:noFill/>
+        </p:spPr>
+        <p:txBody>
+          <a:bodyPr wrap="square" rtlCol="0">
+            <a:spAutoFit/>
+          </a:bodyPr>
+          <a:lstStyle/>
+          <a:p>
+            <a:r>
+              <a:rPr lang="el-GR" dirty="0"/>
+              <a:t>Δ</a:t>
+            </a:r>
+            <a:r>
+              <a:rPr lang="en-US" dirty="0"/>
+              <a:t>TOM1 – Accumulation of ribosomal proteins - No growth at 37°C</a:t>
+            </a:r>
+            <a:endParaRPr lang="fr-CH" dirty="0"/>
+          </a:p>
+        </p:txBody>
+      </p:sp>
+      <p:cxnSp>
+        <p:nvCxnSpPr>
+          <p:cNvPr id="20" name="Connecteur droit 19">
+            <a:extLst>
+              <a:ext uri="{FF2B5EF4-FFF2-40B4-BE49-F238E27FC236}">
+                <a16:creationId xmlns:a16="http://schemas.microsoft.com/office/drawing/2014/main" id="{71DFD530-4AD8-4C7F-B69B-1C2980D0D33B}"/>
+              </a:ext>
+            </a:extLst>
+          </p:cNvPr>
+          <p:cNvCxnSpPr/>
+          <p:nvPr/>
+        </p:nvCxnSpPr>
+        <p:spPr>
+          <a:xfrm>
+            <a:off x="2724870" y="3514436"/>
+            <a:ext cx="618836" cy="0"/>
+          </a:xfrm>
+          <a:prstGeom prst="line">
+            <a:avLst/>
+          </a:prstGeom>
+        </p:spPr>
+        <p:style>
+          <a:lnRef idx="1">
+            <a:schemeClr val="accent1"/>
+          </a:lnRef>
+          <a:fillRef idx="0">
+            <a:schemeClr val="accent1"/>
+          </a:fillRef>
+          <a:effectRef idx="0">
+            <a:schemeClr val="accent1"/>
+          </a:effectRef>
+          <a:fontRef idx="minor">
+            <a:schemeClr val="tx1"/>
+          </a:fontRef>
+        </p:style>
+      </p:cxnSp>
+      <p:cxnSp>
+        <p:nvCxnSpPr>
+          <p:cNvPr id="21" name="Connecteur droit 20">
+            <a:extLst>
+              <a:ext uri="{FF2B5EF4-FFF2-40B4-BE49-F238E27FC236}">
+                <a16:creationId xmlns:a16="http://schemas.microsoft.com/office/drawing/2014/main" id="{A5F412F8-CFD8-423A-9CC8-58488C208487}"/>
+              </a:ext>
+            </a:extLst>
+          </p:cNvPr>
+          <p:cNvCxnSpPr/>
+          <p:nvPr/>
+        </p:nvCxnSpPr>
+        <p:spPr>
+          <a:xfrm>
+            <a:off x="2724870" y="4221018"/>
+            <a:ext cx="618836" cy="0"/>
+          </a:xfrm>
+          <a:prstGeom prst="line">
+            <a:avLst/>
+          </a:prstGeom>
+        </p:spPr>
+        <p:style>
+          <a:lnRef idx="1">
+            <a:schemeClr val="accent1"/>
+          </a:lnRef>
+          <a:fillRef idx="0">
+            <a:schemeClr val="accent1"/>
+          </a:fillRef>
+          <a:effectRef idx="0">
+            <a:schemeClr val="accent1"/>
+          </a:effectRef>
+          <a:fontRef idx="minor">
+            <a:schemeClr val="tx1"/>
+          </a:fontRef>
+        </p:style>
+      </p:cxnSp>
+      <p:cxnSp>
+        <p:nvCxnSpPr>
+          <p:cNvPr id="22" name="Connecteur droit 21">
+            <a:extLst>
+              <a:ext uri="{FF2B5EF4-FFF2-40B4-BE49-F238E27FC236}">
+                <a16:creationId xmlns:a16="http://schemas.microsoft.com/office/drawing/2014/main" id="{72655494-7EC3-4A8E-969E-9B33D465F824}"/>
+              </a:ext>
+            </a:extLst>
+          </p:cNvPr>
+          <p:cNvCxnSpPr>
+            <a:cxnSpLocks/>
+          </p:cNvCxnSpPr>
+          <p:nvPr/>
+        </p:nvCxnSpPr>
+        <p:spPr>
+          <a:xfrm>
+            <a:off x="2724870" y="4964545"/>
+            <a:ext cx="240003" cy="0"/>
+          </a:xfrm>
+          <a:prstGeom prst="line">
+            <a:avLst/>
+          </a:prstGeom>
+        </p:spPr>
+        <p:style>
+          <a:lnRef idx="1">
+            <a:schemeClr val="accent1"/>
+          </a:lnRef>
+          <a:fillRef idx="0">
+            <a:schemeClr val="accent1"/>
+          </a:fillRef>
+          <a:effectRef idx="0">
+            <a:schemeClr val="accent1"/>
+          </a:effectRef>
+          <a:fontRef idx="minor">
+            <a:schemeClr val="tx1"/>
+          </a:fontRef>
+        </p:style>
+      </p:cxnSp>
+      <p:cxnSp>
+        <p:nvCxnSpPr>
+          <p:cNvPr id="23" name="Connecteur droit 22">
+            <a:extLst>
+              <a:ext uri="{FF2B5EF4-FFF2-40B4-BE49-F238E27FC236}">
+                <a16:creationId xmlns:a16="http://schemas.microsoft.com/office/drawing/2014/main" id="{B31588EC-BC07-4090-88BA-92F48D4D275B}"/>
+              </a:ext>
+            </a:extLst>
+          </p:cNvPr>
+          <p:cNvCxnSpPr/>
+          <p:nvPr/>
+        </p:nvCxnSpPr>
+        <p:spPr>
+          <a:xfrm flipH="1">
+            <a:off x="3346704" y="3331150"/>
+            <a:ext cx="240145" cy="184666"/>
+          </a:xfrm>
+          <a:prstGeom prst="line">
+            <a:avLst/>
+          </a:prstGeom>
+        </p:spPr>
+        <p:style>
+          <a:lnRef idx="1">
+            <a:schemeClr val="accent1"/>
+          </a:lnRef>
+          <a:fillRef idx="0">
+            <a:schemeClr val="accent1"/>
+          </a:fillRef>
+          <a:effectRef idx="0">
+            <a:schemeClr val="accent1"/>
+          </a:effectRef>
+          <a:fontRef idx="minor">
+            <a:schemeClr val="tx1"/>
+          </a:fontRef>
+        </p:style>
+      </p:cxnSp>
+      <p:cxnSp>
+        <p:nvCxnSpPr>
+          <p:cNvPr id="24" name="Connecteur droit 23">
+            <a:extLst>
+              <a:ext uri="{FF2B5EF4-FFF2-40B4-BE49-F238E27FC236}">
+                <a16:creationId xmlns:a16="http://schemas.microsoft.com/office/drawing/2014/main" id="{26DCE5AD-C444-49FB-BC6B-E38F5E4B2698}"/>
+              </a:ext>
+            </a:extLst>
+          </p:cNvPr>
+          <p:cNvCxnSpPr/>
+          <p:nvPr/>
+        </p:nvCxnSpPr>
+        <p:spPr>
+          <a:xfrm>
+            <a:off x="3583851" y="3329707"/>
+            <a:ext cx="554040" cy="0"/>
+          </a:xfrm>
+          <a:prstGeom prst="line">
+            <a:avLst/>
+          </a:prstGeom>
+        </p:spPr>
+        <p:style>
+          <a:lnRef idx="1">
+            <a:schemeClr val="accent1"/>
+          </a:lnRef>
+          <a:fillRef idx="0">
+            <a:schemeClr val="accent1"/>
+          </a:fillRef>
+          <a:effectRef idx="0">
+            <a:schemeClr val="accent1"/>
+          </a:effectRef>
+          <a:fontRef idx="minor">
+            <a:schemeClr val="tx1"/>
+          </a:fontRef>
+        </p:style>
+      </p:cxnSp>
+      <p:sp>
+        <p:nvSpPr>
+          <p:cNvPr id="25" name="ZoneTexte 24">
+            <a:extLst>
+              <a:ext uri="{FF2B5EF4-FFF2-40B4-BE49-F238E27FC236}">
+                <a16:creationId xmlns:a16="http://schemas.microsoft.com/office/drawing/2014/main" id="{C4F6C7B8-C00E-420B-8470-48CEF9C88135}"/>
+              </a:ext>
+            </a:extLst>
+          </p:cNvPr>
+          <p:cNvSpPr txBox="1"/>
+          <p:nvPr/>
+        </p:nvSpPr>
+        <p:spPr>
+          <a:xfrm>
+            <a:off x="5055005" y="3004984"/>
+            <a:ext cx="6945746" cy="646331"/>
+          </a:xfrm>
+          <a:prstGeom prst="rect">
+            <a:avLst/>
+          </a:prstGeom>
+          <a:noFill/>
+        </p:spPr>
+        <p:txBody>
+          <a:bodyPr wrap="square" rtlCol="0">
+            <a:spAutoFit/>
+          </a:bodyPr>
+          <a:lstStyle/>
+          <a:p>
+            <a:r>
+              <a:rPr lang="fr-CH" dirty="0" err="1"/>
+              <a:t>Involved</a:t>
+            </a:r>
+            <a:r>
+              <a:rPr lang="fr-CH" dirty="0"/>
+              <a:t> in </a:t>
+            </a:r>
+            <a:r>
+              <a:rPr lang="fr-CH" dirty="0" err="1"/>
+              <a:t>quality</a:t>
+            </a:r>
+            <a:r>
+              <a:rPr lang="fr-CH" dirty="0"/>
+              <a:t> control of ribosomal </a:t>
+            </a:r>
+            <a:r>
+              <a:rPr lang="fr-CH" dirty="0" err="1"/>
+              <a:t>subunits</a:t>
+            </a:r>
+            <a:endParaRPr lang="fr-CH" dirty="0"/>
+          </a:p>
+          <a:p>
+            <a:r>
+              <a:rPr lang="fr-CH" dirty="0" err="1"/>
+              <a:t>Interacts</a:t>
+            </a:r>
+            <a:r>
+              <a:rPr lang="fr-CH" dirty="0"/>
+              <a:t> </a:t>
+            </a:r>
+            <a:r>
+              <a:rPr lang="fr-CH" dirty="0" err="1"/>
+              <a:t>with</a:t>
+            </a:r>
+            <a:r>
+              <a:rPr lang="fr-CH" dirty="0"/>
+              <a:t> </a:t>
+            </a:r>
+            <a:r>
+              <a:rPr lang="fr-CH" i="1" dirty="0"/>
+              <a:t>HAS1, </a:t>
+            </a:r>
+            <a:r>
+              <a:rPr lang="fr-CH" dirty="0" err="1"/>
+              <a:t>involved</a:t>
+            </a:r>
+            <a:r>
+              <a:rPr lang="fr-CH" dirty="0"/>
+              <a:t> in the </a:t>
+            </a:r>
+            <a:r>
+              <a:rPr lang="fr-CH" dirty="0" err="1"/>
+              <a:t>biogenesis</a:t>
+            </a:r>
+            <a:r>
+              <a:rPr lang="fr-CH" dirty="0"/>
+              <a:t> of 40S and 60S </a:t>
+            </a:r>
+            <a:r>
+              <a:rPr lang="fr-CH" dirty="0" err="1"/>
+              <a:t>subunits</a:t>
+            </a:r>
+            <a:r>
+              <a:rPr lang="fr-CH" dirty="0"/>
+              <a:t> </a:t>
+            </a:r>
+          </a:p>
+        </p:txBody>
+      </p:sp>
+      <p:sp>
+        <p:nvSpPr>
+          <p:cNvPr id="26" name="ZoneTexte 25">
+            <a:extLst>
+              <a:ext uri="{FF2B5EF4-FFF2-40B4-BE49-F238E27FC236}">
+                <a16:creationId xmlns:a16="http://schemas.microsoft.com/office/drawing/2014/main" id="{066A414B-3896-4F6B-8D17-E8B20E3A9FC9}"/>
+              </a:ext>
+            </a:extLst>
+          </p:cNvPr>
+          <p:cNvSpPr txBox="1"/>
+          <p:nvPr/>
+        </p:nvSpPr>
+        <p:spPr>
+          <a:xfrm>
+            <a:off x="4223733" y="3128094"/>
+            <a:ext cx="858982" cy="400110"/>
+          </a:xfrm>
+          <a:prstGeom prst="rect">
+            <a:avLst/>
+          </a:prstGeom>
+          <a:noFill/>
+        </p:spPr>
+        <p:txBody>
+          <a:bodyPr wrap="square" rtlCol="0">
+            <a:spAutoFit/>
+          </a:bodyPr>
+          <a:lstStyle/>
+          <a:p>
+            <a:r>
+              <a:rPr lang="fr-CH" sz="2000" b="1" i="1" dirty="0">
+                <a:solidFill>
+                  <a:schemeClr val="accent6">
+                    <a:lumMod val="50000"/>
+                  </a:schemeClr>
+                </a:solidFill>
+              </a:rPr>
+              <a:t>PMT1</a:t>
+            </a:r>
+          </a:p>
+        </p:txBody>
+      </p:sp>
+      <p:sp>
+        <p:nvSpPr>
+          <p:cNvPr id="27" name="ZoneTexte 26">
+            <a:extLst>
+              <a:ext uri="{FF2B5EF4-FFF2-40B4-BE49-F238E27FC236}">
+                <a16:creationId xmlns:a16="http://schemas.microsoft.com/office/drawing/2014/main" id="{32FAA225-3016-400A-ACA1-3EA488F1B277}"/>
+              </a:ext>
+            </a:extLst>
+          </p:cNvPr>
+          <p:cNvSpPr txBox="1"/>
+          <p:nvPr/>
+        </p:nvSpPr>
+        <p:spPr>
+          <a:xfrm>
+            <a:off x="3492845" y="3079675"/>
+            <a:ext cx="858982" cy="261610"/>
+          </a:xfrm>
+          <a:prstGeom prst="rect">
+            <a:avLst/>
+          </a:prstGeom>
+          <a:noFill/>
+        </p:spPr>
+        <p:txBody>
+          <a:bodyPr wrap="square" rtlCol="0">
+            <a:spAutoFit/>
+          </a:bodyPr>
+          <a:lstStyle/>
+          <a:p>
+            <a:r>
+              <a:rPr lang="fr-CH" sz="1050" dirty="0" err="1">
+                <a:solidFill>
+                  <a:schemeClr val="accent6">
+                    <a:lumMod val="50000"/>
+                  </a:schemeClr>
+                </a:solidFill>
+              </a:rPr>
+              <a:t>Frameshift</a:t>
+            </a:r>
+            <a:endParaRPr lang="fr-CH" sz="1200" dirty="0">
+              <a:solidFill>
+                <a:schemeClr val="accent6">
+                  <a:lumMod val="50000"/>
+                </a:schemeClr>
+              </a:solidFill>
+            </a:endParaRPr>
+          </a:p>
+        </p:txBody>
+      </p:sp>
+      <p:cxnSp>
+        <p:nvCxnSpPr>
+          <p:cNvPr id="28" name="Connecteur droit 27">
+            <a:extLst>
+              <a:ext uri="{FF2B5EF4-FFF2-40B4-BE49-F238E27FC236}">
+                <a16:creationId xmlns:a16="http://schemas.microsoft.com/office/drawing/2014/main" id="{04E11776-82F1-40FE-AEF8-EE139D5AC04C}"/>
+              </a:ext>
+            </a:extLst>
+          </p:cNvPr>
+          <p:cNvCxnSpPr/>
+          <p:nvPr/>
+        </p:nvCxnSpPr>
+        <p:spPr>
+          <a:xfrm flipH="1">
+            <a:off x="3346704" y="4038427"/>
+            <a:ext cx="240145" cy="184666"/>
+          </a:xfrm>
+          <a:prstGeom prst="line">
+            <a:avLst/>
+          </a:prstGeom>
+        </p:spPr>
+        <p:style>
+          <a:lnRef idx="1">
+            <a:schemeClr val="accent1"/>
+          </a:lnRef>
+          <a:fillRef idx="0">
+            <a:schemeClr val="accent1"/>
+          </a:fillRef>
+          <a:effectRef idx="0">
+            <a:schemeClr val="accent1"/>
+          </a:effectRef>
+          <a:fontRef idx="minor">
+            <a:schemeClr val="tx1"/>
+          </a:fontRef>
+        </p:style>
+      </p:cxnSp>
+      <p:cxnSp>
+        <p:nvCxnSpPr>
+          <p:cNvPr id="29" name="Connecteur droit 28">
+            <a:extLst>
+              <a:ext uri="{FF2B5EF4-FFF2-40B4-BE49-F238E27FC236}">
+                <a16:creationId xmlns:a16="http://schemas.microsoft.com/office/drawing/2014/main" id="{103A3985-ACD4-439F-A53C-E63EF32C5FA5}"/>
+              </a:ext>
+            </a:extLst>
+          </p:cNvPr>
+          <p:cNvCxnSpPr/>
+          <p:nvPr/>
+        </p:nvCxnSpPr>
+        <p:spPr>
+          <a:xfrm>
+            <a:off x="3583851" y="4040159"/>
+            <a:ext cx="554040" cy="0"/>
+          </a:xfrm>
+          <a:prstGeom prst="line">
+            <a:avLst/>
+          </a:prstGeom>
+        </p:spPr>
+        <p:style>
+          <a:lnRef idx="1">
+            <a:schemeClr val="accent1"/>
+          </a:lnRef>
+          <a:fillRef idx="0">
+            <a:schemeClr val="accent1"/>
+          </a:fillRef>
+          <a:effectRef idx="0">
+            <a:schemeClr val="accent1"/>
+          </a:effectRef>
+          <a:fontRef idx="minor">
+            <a:schemeClr val="tx1"/>
+          </a:fontRef>
+        </p:style>
+      </p:cxnSp>
+      <p:sp>
+        <p:nvSpPr>
+          <p:cNvPr id="30" name="ZoneTexte 29">
+            <a:extLst>
+              <a:ext uri="{FF2B5EF4-FFF2-40B4-BE49-F238E27FC236}">
+                <a16:creationId xmlns:a16="http://schemas.microsoft.com/office/drawing/2014/main" id="{3A98EC04-4AFE-4FFC-BD8A-55FFE72CBE77}"/>
+              </a:ext>
+            </a:extLst>
+          </p:cNvPr>
+          <p:cNvSpPr txBox="1"/>
+          <p:nvPr/>
+        </p:nvSpPr>
+        <p:spPr>
+          <a:xfrm>
+            <a:off x="4223733" y="3806973"/>
+            <a:ext cx="858982" cy="400110"/>
+          </a:xfrm>
+          <a:prstGeom prst="rect">
+            <a:avLst/>
+          </a:prstGeom>
+          <a:noFill/>
+        </p:spPr>
+        <p:txBody>
+          <a:bodyPr wrap="square" rtlCol="0">
+            <a:spAutoFit/>
+          </a:bodyPr>
+          <a:lstStyle/>
+          <a:p>
+            <a:r>
+              <a:rPr lang="fr-CH" sz="2000" b="1" i="1" dirty="0">
+                <a:solidFill>
+                  <a:schemeClr val="accent6">
+                    <a:lumMod val="50000"/>
+                  </a:schemeClr>
+                </a:solidFill>
+              </a:rPr>
+              <a:t>KRE6</a:t>
+            </a:r>
+          </a:p>
+        </p:txBody>
+      </p:sp>
+      <p:sp>
+        <p:nvSpPr>
+          <p:cNvPr id="31" name="ZoneTexte 30">
+            <a:extLst>
+              <a:ext uri="{FF2B5EF4-FFF2-40B4-BE49-F238E27FC236}">
+                <a16:creationId xmlns:a16="http://schemas.microsoft.com/office/drawing/2014/main" id="{811B964C-7D05-4B1B-B8C5-5EFF8F870CD9}"/>
+              </a:ext>
+            </a:extLst>
+          </p:cNvPr>
+          <p:cNvSpPr txBox="1"/>
+          <p:nvPr/>
+        </p:nvSpPr>
+        <p:spPr>
+          <a:xfrm>
+            <a:off x="4223733" y="4210260"/>
+            <a:ext cx="858982" cy="400110"/>
+          </a:xfrm>
+          <a:prstGeom prst="rect">
+            <a:avLst/>
+          </a:prstGeom>
+          <a:noFill/>
+        </p:spPr>
+        <p:txBody>
+          <a:bodyPr wrap="square" rtlCol="0">
+            <a:spAutoFit/>
+          </a:bodyPr>
+          <a:lstStyle/>
+          <a:p>
+            <a:r>
+              <a:rPr lang="fr-CH" sz="2000" b="1" i="1" dirty="0">
+                <a:solidFill>
+                  <a:schemeClr val="accent6">
+                    <a:lumMod val="50000"/>
+                  </a:schemeClr>
+                </a:solidFill>
+              </a:rPr>
+              <a:t>KRE9</a:t>
+            </a:r>
+          </a:p>
+        </p:txBody>
+      </p:sp>
+      <p:sp>
+        <p:nvSpPr>
+          <p:cNvPr id="33" name="ZoneTexte 32">
+            <a:extLst>
+              <a:ext uri="{FF2B5EF4-FFF2-40B4-BE49-F238E27FC236}">
+                <a16:creationId xmlns:a16="http://schemas.microsoft.com/office/drawing/2014/main" id="{83EC6D4F-8BF3-4DA8-B7E8-310EAE7F3847}"/>
+              </a:ext>
+            </a:extLst>
+          </p:cNvPr>
+          <p:cNvSpPr txBox="1"/>
+          <p:nvPr/>
+        </p:nvSpPr>
+        <p:spPr>
+          <a:xfrm>
+            <a:off x="4198737" y="4618897"/>
+            <a:ext cx="858982" cy="400110"/>
+          </a:xfrm>
+          <a:prstGeom prst="rect">
+            <a:avLst/>
+          </a:prstGeom>
+          <a:noFill/>
+        </p:spPr>
+        <p:txBody>
+          <a:bodyPr wrap="square" rtlCol="0">
+            <a:spAutoFit/>
+          </a:bodyPr>
+          <a:lstStyle/>
+          <a:p>
+            <a:r>
+              <a:rPr lang="fr-CH" sz="2000" b="1" i="1" dirty="0">
+                <a:solidFill>
+                  <a:schemeClr val="accent6">
+                    <a:lumMod val="50000"/>
+                  </a:schemeClr>
+                </a:solidFill>
+              </a:rPr>
+              <a:t>VTC4</a:t>
+            </a:r>
+          </a:p>
+        </p:txBody>
+      </p:sp>
+      <p:cxnSp>
+        <p:nvCxnSpPr>
+          <p:cNvPr id="34" name="Connecteur droit 33">
+            <a:extLst>
+              <a:ext uri="{FF2B5EF4-FFF2-40B4-BE49-F238E27FC236}">
+                <a16:creationId xmlns:a16="http://schemas.microsoft.com/office/drawing/2014/main" id="{CCE5D900-DF0D-4FCE-B0F2-A569FB64FE89}"/>
+              </a:ext>
+            </a:extLst>
+          </p:cNvPr>
+          <p:cNvCxnSpPr/>
+          <p:nvPr/>
+        </p:nvCxnSpPr>
+        <p:spPr>
+          <a:xfrm>
+            <a:off x="3596086" y="4410315"/>
+            <a:ext cx="554040" cy="0"/>
+          </a:xfrm>
+          <a:prstGeom prst="line">
+            <a:avLst/>
+          </a:prstGeom>
+        </p:spPr>
+        <p:style>
+          <a:lnRef idx="1">
+            <a:schemeClr val="accent1"/>
+          </a:lnRef>
+          <a:fillRef idx="0">
+            <a:schemeClr val="accent1"/>
+          </a:fillRef>
+          <a:effectRef idx="0">
+            <a:schemeClr val="accent1"/>
+          </a:effectRef>
+          <a:fontRef idx="minor">
+            <a:schemeClr val="tx1"/>
+          </a:fontRef>
+        </p:style>
+      </p:cxnSp>
+      <p:cxnSp>
+        <p:nvCxnSpPr>
+          <p:cNvPr id="35" name="Connecteur droit 34">
+            <a:extLst>
+              <a:ext uri="{FF2B5EF4-FFF2-40B4-BE49-F238E27FC236}">
+                <a16:creationId xmlns:a16="http://schemas.microsoft.com/office/drawing/2014/main" id="{E32641DC-27B7-4BFD-BF4A-996EE0BE5852}"/>
+              </a:ext>
+            </a:extLst>
+          </p:cNvPr>
+          <p:cNvCxnSpPr/>
+          <p:nvPr/>
+        </p:nvCxnSpPr>
+        <p:spPr>
+          <a:xfrm>
+            <a:off x="3596086" y="4810425"/>
+            <a:ext cx="554040" cy="0"/>
+          </a:xfrm>
+          <a:prstGeom prst="line">
+            <a:avLst/>
+          </a:prstGeom>
+        </p:spPr>
+        <p:style>
+          <a:lnRef idx="1">
+            <a:schemeClr val="accent1"/>
+          </a:lnRef>
+          <a:fillRef idx="0">
+            <a:schemeClr val="accent1"/>
+          </a:fillRef>
+          <a:effectRef idx="0">
+            <a:schemeClr val="accent1"/>
+          </a:effectRef>
+          <a:fontRef idx="minor">
+            <a:schemeClr val="tx1"/>
+          </a:fontRef>
+        </p:style>
+      </p:cxnSp>
+      <p:cxnSp>
+        <p:nvCxnSpPr>
+          <p:cNvPr id="38" name="Connecteur droit 37">
+            <a:extLst>
+              <a:ext uri="{FF2B5EF4-FFF2-40B4-BE49-F238E27FC236}">
+                <a16:creationId xmlns:a16="http://schemas.microsoft.com/office/drawing/2014/main" id="{BBE43004-945B-4780-B0AE-D57A44E2CF86}"/>
+              </a:ext>
+            </a:extLst>
+          </p:cNvPr>
+          <p:cNvCxnSpPr>
+            <a:cxnSpLocks/>
+          </p:cNvCxnSpPr>
+          <p:nvPr/>
+        </p:nvCxnSpPr>
+        <p:spPr>
+          <a:xfrm>
+            <a:off x="3586232" y="5441117"/>
+            <a:ext cx="566275" cy="0"/>
+          </a:xfrm>
+          <a:prstGeom prst="line">
+            <a:avLst/>
+          </a:prstGeom>
+        </p:spPr>
+        <p:style>
+          <a:lnRef idx="1">
+            <a:schemeClr val="accent1"/>
+          </a:lnRef>
+          <a:fillRef idx="0">
+            <a:schemeClr val="accent1"/>
+          </a:fillRef>
+          <a:effectRef idx="0">
+            <a:schemeClr val="accent1"/>
+          </a:effectRef>
+          <a:fontRef idx="minor">
+            <a:schemeClr val="tx1"/>
+          </a:fontRef>
+        </p:style>
+      </p:cxnSp>
+      <p:cxnSp>
+        <p:nvCxnSpPr>
+          <p:cNvPr id="40" name="Connecteur droit 39">
+            <a:extLst>
+              <a:ext uri="{FF2B5EF4-FFF2-40B4-BE49-F238E27FC236}">
+                <a16:creationId xmlns:a16="http://schemas.microsoft.com/office/drawing/2014/main" id="{9E260DC2-82D1-4EAA-A2BE-64D20010CF72}"/>
+              </a:ext>
+            </a:extLst>
+          </p:cNvPr>
+          <p:cNvCxnSpPr>
+            <a:cxnSpLocks/>
+          </p:cNvCxnSpPr>
+          <p:nvPr/>
+        </p:nvCxnSpPr>
+        <p:spPr>
+          <a:xfrm>
+            <a:off x="2964873" y="4964545"/>
+            <a:ext cx="628240" cy="478953"/>
+          </a:xfrm>
+          <a:prstGeom prst="line">
+            <a:avLst/>
+          </a:prstGeom>
+        </p:spPr>
+        <p:style>
+          <a:lnRef idx="1">
+            <a:schemeClr val="accent1"/>
+          </a:lnRef>
+          <a:fillRef idx="0">
+            <a:schemeClr val="accent1"/>
+          </a:fillRef>
+          <a:effectRef idx="0">
+            <a:schemeClr val="accent1"/>
+          </a:effectRef>
+          <a:fontRef idx="minor">
+            <a:schemeClr val="tx1"/>
+          </a:fontRef>
+        </p:style>
+      </p:cxnSp>
+      <p:cxnSp>
+        <p:nvCxnSpPr>
+          <p:cNvPr id="42" name="Connecteur droit 41">
+            <a:extLst>
+              <a:ext uri="{FF2B5EF4-FFF2-40B4-BE49-F238E27FC236}">
+                <a16:creationId xmlns:a16="http://schemas.microsoft.com/office/drawing/2014/main" id="{CF4F644D-FDE3-497B-A1EE-86089DBBA698}"/>
+              </a:ext>
+            </a:extLst>
+          </p:cNvPr>
+          <p:cNvCxnSpPr/>
+          <p:nvPr/>
+        </p:nvCxnSpPr>
+        <p:spPr>
+          <a:xfrm flipH="1" flipV="1">
+            <a:off x="3343706" y="4221018"/>
+            <a:ext cx="252380" cy="189297"/>
+          </a:xfrm>
+          <a:prstGeom prst="line">
+            <a:avLst/>
+          </a:prstGeom>
+        </p:spPr>
+        <p:style>
+          <a:lnRef idx="1">
+            <a:schemeClr val="accent1"/>
+          </a:lnRef>
+          <a:fillRef idx="0">
+            <a:schemeClr val="accent1"/>
+          </a:fillRef>
+          <a:effectRef idx="0">
+            <a:schemeClr val="accent1"/>
+          </a:effectRef>
+          <a:fontRef idx="minor">
+            <a:schemeClr val="tx1"/>
+          </a:fontRef>
+        </p:style>
+      </p:cxnSp>
+      <p:cxnSp>
+        <p:nvCxnSpPr>
+          <p:cNvPr id="45" name="Connecteur droit 44">
+            <a:extLst>
+              <a:ext uri="{FF2B5EF4-FFF2-40B4-BE49-F238E27FC236}">
+                <a16:creationId xmlns:a16="http://schemas.microsoft.com/office/drawing/2014/main" id="{A608C633-C3D6-4156-8FC5-31B01039933A}"/>
+              </a:ext>
+            </a:extLst>
+          </p:cNvPr>
+          <p:cNvCxnSpPr/>
+          <p:nvPr/>
+        </p:nvCxnSpPr>
+        <p:spPr>
+          <a:xfrm flipH="1" flipV="1">
+            <a:off x="3340733" y="4619311"/>
+            <a:ext cx="252380" cy="189297"/>
+          </a:xfrm>
+          <a:prstGeom prst="line">
+            <a:avLst/>
+          </a:prstGeom>
+        </p:spPr>
+        <p:style>
+          <a:lnRef idx="1">
+            <a:schemeClr val="accent1"/>
+          </a:lnRef>
+          <a:fillRef idx="0">
+            <a:schemeClr val="accent1"/>
+          </a:fillRef>
+          <a:effectRef idx="0">
+            <a:schemeClr val="accent1"/>
+          </a:effectRef>
+          <a:fontRef idx="minor">
+            <a:schemeClr val="tx1"/>
+          </a:fontRef>
+        </p:style>
+      </p:cxnSp>
+      <p:sp>
+        <p:nvSpPr>
+          <p:cNvPr id="49" name="ZoneTexte 48">
+            <a:extLst>
+              <a:ext uri="{FF2B5EF4-FFF2-40B4-BE49-F238E27FC236}">
+                <a16:creationId xmlns:a16="http://schemas.microsoft.com/office/drawing/2014/main" id="{4D739C13-C58C-4646-97D6-C8A426CE3C74}"/>
+              </a:ext>
+            </a:extLst>
+          </p:cNvPr>
+          <p:cNvSpPr txBox="1"/>
+          <p:nvPr/>
+        </p:nvSpPr>
+        <p:spPr>
+          <a:xfrm>
+            <a:off x="3492845" y="3826702"/>
+            <a:ext cx="858982" cy="261610"/>
+          </a:xfrm>
+          <a:prstGeom prst="rect">
+            <a:avLst/>
+          </a:prstGeom>
+          <a:noFill/>
+        </p:spPr>
+        <p:txBody>
+          <a:bodyPr wrap="square" rtlCol="0">
+            <a:spAutoFit/>
+          </a:bodyPr>
+          <a:lstStyle/>
+          <a:p>
+            <a:r>
+              <a:rPr lang="fr-CH" sz="1050" dirty="0">
+                <a:solidFill>
+                  <a:schemeClr val="accent6">
+                    <a:lumMod val="50000"/>
+                  </a:schemeClr>
+                </a:solidFill>
+              </a:rPr>
+              <a:t>Stop </a:t>
+            </a:r>
+            <a:r>
+              <a:rPr lang="fr-CH" sz="1050" dirty="0" err="1">
+                <a:solidFill>
+                  <a:schemeClr val="accent6">
+                    <a:lumMod val="50000"/>
+                  </a:schemeClr>
+                </a:solidFill>
+              </a:rPr>
+              <a:t>gained</a:t>
+            </a:r>
+            <a:endParaRPr lang="fr-CH" sz="1200" dirty="0">
+              <a:solidFill>
+                <a:schemeClr val="accent6">
+                  <a:lumMod val="50000"/>
+                </a:schemeClr>
+              </a:solidFill>
+            </a:endParaRPr>
+          </a:p>
+        </p:txBody>
+      </p:sp>
+      <p:sp>
+        <p:nvSpPr>
+          <p:cNvPr id="50" name="ZoneTexte 49">
+            <a:extLst>
+              <a:ext uri="{FF2B5EF4-FFF2-40B4-BE49-F238E27FC236}">
+                <a16:creationId xmlns:a16="http://schemas.microsoft.com/office/drawing/2014/main" id="{1EF9CCF8-9D20-4B41-A3C3-78355151FA37}"/>
+              </a:ext>
+            </a:extLst>
+          </p:cNvPr>
+          <p:cNvSpPr txBox="1"/>
+          <p:nvPr/>
+        </p:nvSpPr>
+        <p:spPr>
+          <a:xfrm>
+            <a:off x="3488156" y="4218787"/>
+            <a:ext cx="858982" cy="253916"/>
+          </a:xfrm>
+          <a:prstGeom prst="rect">
+            <a:avLst/>
+          </a:prstGeom>
+          <a:noFill/>
+        </p:spPr>
+        <p:txBody>
+          <a:bodyPr wrap="square" rtlCol="0">
+            <a:spAutoFit/>
+          </a:bodyPr>
+          <a:lstStyle/>
+          <a:p>
+            <a:r>
+              <a:rPr lang="fr-CH" sz="1050" dirty="0" err="1">
+                <a:solidFill>
+                  <a:schemeClr val="accent6">
+                    <a:lumMod val="50000"/>
+                  </a:schemeClr>
+                </a:solidFill>
+              </a:rPr>
+              <a:t>Missense</a:t>
+            </a:r>
+            <a:endParaRPr lang="fr-CH" sz="1200" dirty="0">
+              <a:solidFill>
+                <a:schemeClr val="accent6">
+                  <a:lumMod val="50000"/>
+                </a:schemeClr>
+              </a:solidFill>
+            </a:endParaRPr>
+          </a:p>
+        </p:txBody>
+      </p:sp>
+      <p:sp>
+        <p:nvSpPr>
+          <p:cNvPr id="52" name="ZoneTexte 51">
+            <a:extLst>
+              <a:ext uri="{FF2B5EF4-FFF2-40B4-BE49-F238E27FC236}">
+                <a16:creationId xmlns:a16="http://schemas.microsoft.com/office/drawing/2014/main" id="{69948900-E6C0-4DAC-98FA-A37C6BC0D924}"/>
+              </a:ext>
+            </a:extLst>
+          </p:cNvPr>
+          <p:cNvSpPr txBox="1"/>
+          <p:nvPr/>
+        </p:nvSpPr>
+        <p:spPr>
+          <a:xfrm>
+            <a:off x="3488156" y="4617080"/>
+            <a:ext cx="858982" cy="253916"/>
+          </a:xfrm>
+          <a:prstGeom prst="rect">
+            <a:avLst/>
+          </a:prstGeom>
+          <a:noFill/>
+        </p:spPr>
+        <p:txBody>
+          <a:bodyPr wrap="square" rtlCol="0">
+            <a:spAutoFit/>
+          </a:bodyPr>
+          <a:lstStyle/>
+          <a:p>
+            <a:r>
+              <a:rPr lang="fr-CH" sz="1050" dirty="0" err="1">
+                <a:solidFill>
+                  <a:schemeClr val="accent6">
+                    <a:lumMod val="50000"/>
+                  </a:schemeClr>
+                </a:solidFill>
+              </a:rPr>
+              <a:t>Missense</a:t>
+            </a:r>
+            <a:endParaRPr lang="fr-CH" sz="1200" dirty="0">
+              <a:solidFill>
+                <a:schemeClr val="accent6">
+                  <a:lumMod val="50000"/>
+                </a:schemeClr>
+              </a:solidFill>
+            </a:endParaRPr>
+          </a:p>
+        </p:txBody>
+      </p:sp>
+      <p:sp>
+        <p:nvSpPr>
+          <p:cNvPr id="53" name="ZoneTexte 52">
+            <a:extLst>
+              <a:ext uri="{FF2B5EF4-FFF2-40B4-BE49-F238E27FC236}">
+                <a16:creationId xmlns:a16="http://schemas.microsoft.com/office/drawing/2014/main" id="{FB138A6B-CA20-4301-9106-15603DA66819}"/>
+              </a:ext>
+            </a:extLst>
+          </p:cNvPr>
+          <p:cNvSpPr txBox="1"/>
+          <p:nvPr/>
+        </p:nvSpPr>
+        <p:spPr>
+          <a:xfrm>
+            <a:off x="5055005" y="3791569"/>
+            <a:ext cx="6356810" cy="369332"/>
+          </a:xfrm>
+          <a:prstGeom prst="rect">
+            <a:avLst/>
+          </a:prstGeom>
+          <a:noFill/>
+        </p:spPr>
+        <p:txBody>
+          <a:bodyPr wrap="square" rtlCol="0">
+            <a:spAutoFit/>
+          </a:bodyPr>
+          <a:lstStyle/>
+          <a:p>
+            <a:r>
+              <a:rPr lang="fr-CH" dirty="0" err="1"/>
+              <a:t>Known</a:t>
+            </a:r>
+            <a:r>
+              <a:rPr lang="fr-CH" dirty="0"/>
+              <a:t> </a:t>
+            </a:r>
+            <a:r>
+              <a:rPr lang="fr-CH" dirty="0" err="1"/>
+              <a:t>weak</a:t>
+            </a:r>
+            <a:r>
+              <a:rPr lang="fr-CH" dirty="0"/>
+              <a:t> </a:t>
+            </a:r>
+            <a:r>
+              <a:rPr lang="el-GR" dirty="0"/>
+              <a:t>Δ</a:t>
+            </a:r>
+            <a:r>
+              <a:rPr lang="en-US" dirty="0"/>
+              <a:t>TOM1 suppressor – membrane protein </a:t>
+            </a:r>
+            <a:r>
+              <a:rPr lang="fr-CH" dirty="0"/>
+              <a:t> </a:t>
+            </a:r>
+          </a:p>
+        </p:txBody>
+      </p:sp>
+      <p:sp>
+        <p:nvSpPr>
+          <p:cNvPr id="54" name="ZoneTexte 53">
+            <a:extLst>
+              <a:ext uri="{FF2B5EF4-FFF2-40B4-BE49-F238E27FC236}">
+                <a16:creationId xmlns:a16="http://schemas.microsoft.com/office/drawing/2014/main" id="{3043E936-7139-4562-9ABE-D5F578454223}"/>
+              </a:ext>
+            </a:extLst>
+          </p:cNvPr>
+          <p:cNvSpPr txBox="1"/>
+          <p:nvPr/>
+        </p:nvSpPr>
+        <p:spPr>
+          <a:xfrm>
+            <a:off x="5055005" y="4208900"/>
+            <a:ext cx="6542474" cy="369332"/>
+          </a:xfrm>
+          <a:prstGeom prst="rect">
+            <a:avLst/>
+          </a:prstGeom>
+          <a:noFill/>
+        </p:spPr>
+        <p:txBody>
+          <a:bodyPr wrap="square" rtlCol="0">
+            <a:spAutoFit/>
+          </a:bodyPr>
+          <a:lstStyle/>
+          <a:p>
+            <a:r>
+              <a:rPr lang="fr-CH" dirty="0"/>
+              <a:t>Close to </a:t>
+            </a:r>
+            <a:r>
+              <a:rPr lang="fr-CH" i="1" dirty="0"/>
+              <a:t>KRE6 – </a:t>
+            </a:r>
+            <a:r>
+              <a:rPr lang="fr-CH" dirty="0" err="1"/>
+              <a:t>Both</a:t>
+            </a:r>
+            <a:r>
+              <a:rPr lang="fr-CH" dirty="0"/>
+              <a:t> KRE6 and KRE9 </a:t>
+            </a:r>
+            <a:r>
+              <a:rPr lang="fr-CH" dirty="0" err="1"/>
+              <a:t>interacts</a:t>
+            </a:r>
+            <a:r>
+              <a:rPr lang="fr-CH" dirty="0"/>
+              <a:t> </a:t>
+            </a:r>
+            <a:r>
+              <a:rPr lang="fr-CH" dirty="0" err="1"/>
+              <a:t>with</a:t>
+            </a:r>
+            <a:r>
+              <a:rPr lang="fr-CH" dirty="0"/>
+              <a:t> ribosomal </a:t>
+            </a:r>
+            <a:r>
+              <a:rPr lang="fr-CH" dirty="0" err="1"/>
+              <a:t>genes</a:t>
+            </a:r>
+            <a:endParaRPr lang="fr-CH" i="1" dirty="0"/>
+          </a:p>
+        </p:txBody>
+      </p:sp>
+      <p:cxnSp>
+        <p:nvCxnSpPr>
+          <p:cNvPr id="60" name="Connecteur droit 59">
+            <a:extLst>
+              <a:ext uri="{FF2B5EF4-FFF2-40B4-BE49-F238E27FC236}">
+                <a16:creationId xmlns:a16="http://schemas.microsoft.com/office/drawing/2014/main" id="{6CCC329E-C6A5-4397-9175-918044595CA8}"/>
+              </a:ext>
+            </a:extLst>
+          </p:cNvPr>
+          <p:cNvCxnSpPr/>
+          <p:nvPr/>
+        </p:nvCxnSpPr>
+        <p:spPr>
+          <a:xfrm flipV="1">
+            <a:off x="3340733" y="4218787"/>
+            <a:ext cx="0" cy="400110"/>
+          </a:xfrm>
+          <a:prstGeom prst="line">
+            <a:avLst/>
+          </a:prstGeom>
+        </p:spPr>
+        <p:style>
+          <a:lnRef idx="1">
+            <a:schemeClr val="accent1"/>
+          </a:lnRef>
+          <a:fillRef idx="0">
+            <a:schemeClr val="accent1"/>
+          </a:fillRef>
+          <a:effectRef idx="0">
+            <a:schemeClr val="accent1"/>
+          </a:effectRef>
+          <a:fontRef idx="minor">
+            <a:schemeClr val="tx1"/>
+          </a:fontRef>
+        </p:style>
+      </p:cxnSp>
+      <p:sp>
+        <p:nvSpPr>
+          <p:cNvPr id="61" name="ZoneTexte 60">
+            <a:extLst>
+              <a:ext uri="{FF2B5EF4-FFF2-40B4-BE49-F238E27FC236}">
+                <a16:creationId xmlns:a16="http://schemas.microsoft.com/office/drawing/2014/main" id="{85D9F455-3A68-4DAA-A967-1E0798FCC4B4}"/>
+              </a:ext>
+            </a:extLst>
+          </p:cNvPr>
+          <p:cNvSpPr txBox="1"/>
+          <p:nvPr/>
+        </p:nvSpPr>
+        <p:spPr>
+          <a:xfrm>
+            <a:off x="5055005" y="4610640"/>
+            <a:ext cx="6542474" cy="369332"/>
+          </a:xfrm>
+          <a:prstGeom prst="rect">
+            <a:avLst/>
+          </a:prstGeom>
+          <a:noFill/>
+        </p:spPr>
+        <p:txBody>
+          <a:bodyPr wrap="square" rtlCol="0">
+            <a:spAutoFit/>
+          </a:bodyPr>
+          <a:lstStyle/>
+          <a:p>
+            <a:r>
+              <a:rPr lang="fr-CH" dirty="0"/>
+              <a:t>Direct </a:t>
+            </a:r>
+            <a:r>
+              <a:rPr lang="fr-CH" dirty="0" err="1"/>
+              <a:t>physical</a:t>
+            </a:r>
+            <a:r>
+              <a:rPr lang="fr-CH" dirty="0"/>
+              <a:t> </a:t>
+            </a:r>
+            <a:r>
+              <a:rPr lang="fr-CH" dirty="0" err="1"/>
+              <a:t>interactor</a:t>
+            </a:r>
+            <a:r>
+              <a:rPr lang="fr-CH" dirty="0"/>
+              <a:t> of TOM1 – interaction not </a:t>
+            </a:r>
+            <a:r>
+              <a:rPr lang="fr-CH" dirty="0" err="1"/>
+              <a:t>described</a:t>
+            </a:r>
+            <a:endParaRPr lang="fr-CH" dirty="0"/>
+          </a:p>
+        </p:txBody>
+      </p:sp>
+      <p:cxnSp>
+        <p:nvCxnSpPr>
+          <p:cNvPr id="66" name="Connecteur droit 65">
+            <a:extLst>
+              <a:ext uri="{FF2B5EF4-FFF2-40B4-BE49-F238E27FC236}">
+                <a16:creationId xmlns:a16="http://schemas.microsoft.com/office/drawing/2014/main" id="{5A3217AD-81A0-446F-A361-45E902B69635}"/>
+              </a:ext>
+            </a:extLst>
+          </p:cNvPr>
+          <p:cNvCxnSpPr/>
+          <p:nvPr/>
+        </p:nvCxnSpPr>
+        <p:spPr>
+          <a:xfrm>
+            <a:off x="3596086" y="5836746"/>
+            <a:ext cx="554040" cy="0"/>
+          </a:xfrm>
+          <a:prstGeom prst="line">
+            <a:avLst/>
+          </a:prstGeom>
+        </p:spPr>
+        <p:style>
+          <a:lnRef idx="1">
+            <a:schemeClr val="accent1"/>
+          </a:lnRef>
+          <a:fillRef idx="0">
+            <a:schemeClr val="accent1"/>
+          </a:fillRef>
+          <a:effectRef idx="0">
+            <a:schemeClr val="accent1"/>
+          </a:effectRef>
+          <a:fontRef idx="minor">
+            <a:schemeClr val="tx1"/>
+          </a:fontRef>
+        </p:style>
+      </p:cxnSp>
+      <p:cxnSp>
+        <p:nvCxnSpPr>
+          <p:cNvPr id="67" name="Connecteur droit 66">
+            <a:extLst>
+              <a:ext uri="{FF2B5EF4-FFF2-40B4-BE49-F238E27FC236}">
+                <a16:creationId xmlns:a16="http://schemas.microsoft.com/office/drawing/2014/main" id="{CE6E4C6B-F3DA-4C4E-AF66-D7EA665E41DA}"/>
+              </a:ext>
+            </a:extLst>
+          </p:cNvPr>
+          <p:cNvCxnSpPr/>
+          <p:nvPr/>
+        </p:nvCxnSpPr>
+        <p:spPr>
+          <a:xfrm flipH="1" flipV="1">
+            <a:off x="3340733" y="5645632"/>
+            <a:ext cx="252380" cy="189297"/>
+          </a:xfrm>
+          <a:prstGeom prst="line">
+            <a:avLst/>
+          </a:prstGeom>
+        </p:spPr>
+        <p:style>
+          <a:lnRef idx="1">
+            <a:schemeClr val="accent1"/>
+          </a:lnRef>
+          <a:fillRef idx="0">
+            <a:schemeClr val="accent1"/>
+          </a:fillRef>
+          <a:effectRef idx="0">
+            <a:schemeClr val="accent1"/>
+          </a:effectRef>
+          <a:fontRef idx="minor">
+            <a:schemeClr val="tx1"/>
+          </a:fontRef>
+        </p:style>
+      </p:cxnSp>
+      <p:cxnSp>
+        <p:nvCxnSpPr>
+          <p:cNvPr id="68" name="Connecteur droit 67">
+            <a:extLst>
+              <a:ext uri="{FF2B5EF4-FFF2-40B4-BE49-F238E27FC236}">
+                <a16:creationId xmlns:a16="http://schemas.microsoft.com/office/drawing/2014/main" id="{2E004014-2CEE-4BD5-9947-A82EEF93D07D}"/>
+              </a:ext>
+            </a:extLst>
+          </p:cNvPr>
+          <p:cNvCxnSpPr/>
+          <p:nvPr/>
+        </p:nvCxnSpPr>
+        <p:spPr>
+          <a:xfrm flipV="1">
+            <a:off x="3340733" y="5245108"/>
+            <a:ext cx="0" cy="400110"/>
+          </a:xfrm>
+          <a:prstGeom prst="line">
+            <a:avLst/>
+          </a:prstGeom>
+        </p:spPr>
+        <p:style>
+          <a:lnRef idx="1">
+            <a:schemeClr val="accent1"/>
+          </a:lnRef>
+          <a:fillRef idx="0">
+            <a:schemeClr val="accent1"/>
+          </a:fillRef>
+          <a:effectRef idx="0">
+            <a:schemeClr val="accent1"/>
+          </a:effectRef>
+          <a:fontRef idx="minor">
+            <a:schemeClr val="tx1"/>
+          </a:fontRef>
+        </p:style>
+      </p:cxnSp>
+      <p:sp>
+        <p:nvSpPr>
+          <p:cNvPr id="69" name="ZoneTexte 68">
+            <a:extLst>
+              <a:ext uri="{FF2B5EF4-FFF2-40B4-BE49-F238E27FC236}">
+                <a16:creationId xmlns:a16="http://schemas.microsoft.com/office/drawing/2014/main" id="{7D082D4C-A488-4A01-8ECF-1470710ED2D4}"/>
+              </a:ext>
+            </a:extLst>
+          </p:cNvPr>
+          <p:cNvSpPr txBox="1"/>
+          <p:nvPr/>
+        </p:nvSpPr>
+        <p:spPr>
+          <a:xfrm>
+            <a:off x="3488156" y="5252578"/>
+            <a:ext cx="858982" cy="253916"/>
+          </a:xfrm>
+          <a:prstGeom prst="rect">
+            <a:avLst/>
+          </a:prstGeom>
+          <a:noFill/>
+        </p:spPr>
+        <p:txBody>
+          <a:bodyPr wrap="square" rtlCol="0">
+            <a:spAutoFit/>
+          </a:bodyPr>
+          <a:lstStyle/>
+          <a:p>
+            <a:r>
+              <a:rPr lang="fr-CH" sz="1050" dirty="0" err="1">
+                <a:solidFill>
+                  <a:schemeClr val="accent6">
+                    <a:lumMod val="50000"/>
+                  </a:schemeClr>
+                </a:solidFill>
+              </a:rPr>
+              <a:t>Missense</a:t>
+            </a:r>
+            <a:endParaRPr lang="fr-CH" sz="1200" dirty="0">
+              <a:solidFill>
+                <a:schemeClr val="accent6">
+                  <a:lumMod val="50000"/>
+                </a:schemeClr>
+              </a:solidFill>
+            </a:endParaRPr>
+          </a:p>
+        </p:txBody>
+      </p:sp>
+      <p:sp>
+        <p:nvSpPr>
+          <p:cNvPr id="70" name="ZoneTexte 69">
+            <a:extLst>
+              <a:ext uri="{FF2B5EF4-FFF2-40B4-BE49-F238E27FC236}">
+                <a16:creationId xmlns:a16="http://schemas.microsoft.com/office/drawing/2014/main" id="{1EEFC2BD-CF4E-453F-A99A-B4EBB0F934D7}"/>
+              </a:ext>
+            </a:extLst>
+          </p:cNvPr>
+          <p:cNvSpPr txBox="1"/>
+          <p:nvPr/>
+        </p:nvSpPr>
+        <p:spPr>
+          <a:xfrm>
+            <a:off x="3488156" y="5645218"/>
+            <a:ext cx="858982" cy="253916"/>
+          </a:xfrm>
+          <a:prstGeom prst="rect">
+            <a:avLst/>
+          </a:prstGeom>
+          <a:noFill/>
+        </p:spPr>
+        <p:txBody>
+          <a:bodyPr wrap="square" rtlCol="0">
+            <a:spAutoFit/>
+          </a:bodyPr>
+          <a:lstStyle/>
+          <a:p>
+            <a:r>
+              <a:rPr lang="fr-CH" sz="1050" dirty="0" err="1">
+                <a:solidFill>
+                  <a:schemeClr val="accent6">
+                    <a:lumMod val="50000"/>
+                  </a:schemeClr>
+                </a:solidFill>
+              </a:rPr>
+              <a:t>Missense</a:t>
+            </a:r>
+            <a:endParaRPr lang="fr-CH" sz="1200" dirty="0">
+              <a:solidFill>
+                <a:schemeClr val="accent6">
+                  <a:lumMod val="50000"/>
+                </a:schemeClr>
+              </a:solidFill>
+            </a:endParaRPr>
+          </a:p>
+        </p:txBody>
+      </p:sp>
+      <p:sp>
+        <p:nvSpPr>
+          <p:cNvPr id="71" name="ZoneTexte 70">
+            <a:extLst>
+              <a:ext uri="{FF2B5EF4-FFF2-40B4-BE49-F238E27FC236}">
+                <a16:creationId xmlns:a16="http://schemas.microsoft.com/office/drawing/2014/main" id="{F4E23264-E824-41A3-B47F-3ECB39523D58}"/>
+              </a:ext>
+            </a:extLst>
+          </p:cNvPr>
+          <p:cNvSpPr txBox="1"/>
+          <p:nvPr/>
+        </p:nvSpPr>
+        <p:spPr>
+          <a:xfrm>
+            <a:off x="4219044" y="5175746"/>
+            <a:ext cx="858982" cy="400110"/>
+          </a:xfrm>
+          <a:prstGeom prst="rect">
+            <a:avLst/>
+          </a:prstGeom>
+          <a:noFill/>
+        </p:spPr>
+        <p:txBody>
+          <a:bodyPr wrap="square" rtlCol="0">
+            <a:spAutoFit/>
+          </a:bodyPr>
+          <a:lstStyle/>
+          <a:p>
+            <a:r>
+              <a:rPr lang="fr-CH" sz="2000" b="1" i="1" dirty="0">
+                <a:solidFill>
+                  <a:schemeClr val="accent6">
+                    <a:lumMod val="50000"/>
+                  </a:schemeClr>
+                </a:solidFill>
+              </a:rPr>
+              <a:t>KRE6</a:t>
+            </a:r>
+          </a:p>
+        </p:txBody>
+      </p:sp>
+      <p:sp>
+        <p:nvSpPr>
+          <p:cNvPr id="72" name="ZoneTexte 71">
+            <a:extLst>
+              <a:ext uri="{FF2B5EF4-FFF2-40B4-BE49-F238E27FC236}">
+                <a16:creationId xmlns:a16="http://schemas.microsoft.com/office/drawing/2014/main" id="{E79F68EA-6424-484E-A80F-2A81ADEB5C53}"/>
+              </a:ext>
+            </a:extLst>
+          </p:cNvPr>
+          <p:cNvSpPr txBox="1"/>
+          <p:nvPr/>
+        </p:nvSpPr>
+        <p:spPr>
+          <a:xfrm>
+            <a:off x="4219044" y="5634874"/>
+            <a:ext cx="858982" cy="400110"/>
+          </a:xfrm>
+          <a:prstGeom prst="rect">
+            <a:avLst/>
+          </a:prstGeom>
+          <a:noFill/>
+        </p:spPr>
+        <p:txBody>
+          <a:bodyPr wrap="square" rtlCol="0">
+            <a:spAutoFit/>
+          </a:bodyPr>
+          <a:lstStyle/>
+          <a:p>
+            <a:r>
+              <a:rPr lang="fr-CH" sz="2000" b="1" i="1" dirty="0">
+                <a:solidFill>
+                  <a:schemeClr val="accent6">
+                    <a:lumMod val="50000"/>
+                  </a:schemeClr>
+                </a:solidFill>
+              </a:rPr>
+              <a:t>ROT1</a:t>
+            </a:r>
+          </a:p>
+        </p:txBody>
+      </p:sp>
+      <p:sp>
+        <p:nvSpPr>
+          <p:cNvPr id="73" name="ZoneTexte 72">
+            <a:extLst>
+              <a:ext uri="{FF2B5EF4-FFF2-40B4-BE49-F238E27FC236}">
+                <a16:creationId xmlns:a16="http://schemas.microsoft.com/office/drawing/2014/main" id="{321BD7B4-F759-41B0-8261-A2A9327B8CE4}"/>
+              </a:ext>
+            </a:extLst>
+          </p:cNvPr>
+          <p:cNvSpPr txBox="1"/>
+          <p:nvPr/>
+        </p:nvSpPr>
+        <p:spPr>
+          <a:xfrm>
+            <a:off x="5074603" y="5175746"/>
+            <a:ext cx="6356810" cy="369332"/>
+          </a:xfrm>
+          <a:prstGeom prst="rect">
+            <a:avLst/>
+          </a:prstGeom>
+          <a:noFill/>
+        </p:spPr>
+        <p:txBody>
+          <a:bodyPr wrap="square" rtlCol="0">
+            <a:spAutoFit/>
+          </a:bodyPr>
+          <a:lstStyle/>
+          <a:p>
+            <a:r>
+              <a:rPr lang="fr-CH" dirty="0" err="1"/>
+              <a:t>Known</a:t>
+            </a:r>
+            <a:r>
+              <a:rPr lang="fr-CH" dirty="0"/>
+              <a:t> </a:t>
+            </a:r>
+            <a:r>
+              <a:rPr lang="fr-CH" dirty="0" err="1"/>
+              <a:t>weak</a:t>
+            </a:r>
+            <a:r>
+              <a:rPr lang="fr-CH" dirty="0"/>
+              <a:t> </a:t>
+            </a:r>
+            <a:r>
+              <a:rPr lang="el-GR" dirty="0"/>
+              <a:t>Δ</a:t>
+            </a:r>
+            <a:r>
+              <a:rPr lang="en-US" dirty="0"/>
+              <a:t>TOM1 suppressor – membrane protein </a:t>
+            </a:r>
+            <a:r>
+              <a:rPr lang="fr-CH" dirty="0"/>
+              <a:t> </a:t>
+            </a:r>
+          </a:p>
+        </p:txBody>
+      </p:sp>
+      <p:sp>
+        <p:nvSpPr>
+          <p:cNvPr id="74" name="ZoneTexte 73">
+            <a:extLst>
+              <a:ext uri="{FF2B5EF4-FFF2-40B4-BE49-F238E27FC236}">
+                <a16:creationId xmlns:a16="http://schemas.microsoft.com/office/drawing/2014/main" id="{DEC57CDC-5253-4875-A254-24B0197F2E71}"/>
+              </a:ext>
+            </a:extLst>
+          </p:cNvPr>
+          <p:cNvSpPr txBox="1"/>
+          <p:nvPr/>
+        </p:nvSpPr>
+        <p:spPr>
+          <a:xfrm>
+            <a:off x="5055005" y="5650263"/>
+            <a:ext cx="6824575" cy="369332"/>
+          </a:xfrm>
+          <a:prstGeom prst="rect">
+            <a:avLst/>
+          </a:prstGeom>
+          <a:noFill/>
+        </p:spPr>
+        <p:txBody>
+          <a:bodyPr wrap="square" rtlCol="0">
+            <a:spAutoFit/>
+          </a:bodyPr>
+          <a:lstStyle/>
+          <a:p>
+            <a:r>
+              <a:rPr lang="fr-CH" dirty="0" err="1"/>
+              <a:t>Chaperone</a:t>
+            </a:r>
+            <a:r>
+              <a:rPr lang="fr-CH" dirty="0"/>
+              <a:t> </a:t>
+            </a:r>
+            <a:r>
+              <a:rPr lang="fr-CH" dirty="0" err="1"/>
+              <a:t>involved</a:t>
+            </a:r>
+            <a:r>
+              <a:rPr lang="fr-CH" dirty="0"/>
+              <a:t> in </a:t>
+            </a:r>
+            <a:r>
+              <a:rPr lang="fr-CH" dirty="0" err="1"/>
+              <a:t>protein</a:t>
+            </a:r>
+            <a:r>
+              <a:rPr lang="fr-CH" dirty="0"/>
+              <a:t> </a:t>
+            </a:r>
+            <a:r>
+              <a:rPr lang="fr-CH" dirty="0" err="1"/>
+              <a:t>folding</a:t>
+            </a:r>
+            <a:r>
+              <a:rPr lang="fr-CH" dirty="0"/>
+              <a:t> – </a:t>
+            </a:r>
+            <a:r>
+              <a:rPr lang="fr-CH" dirty="0" err="1"/>
+              <a:t>interacts</a:t>
+            </a:r>
+            <a:r>
+              <a:rPr lang="fr-CH" dirty="0"/>
+              <a:t> </a:t>
+            </a:r>
+            <a:r>
+              <a:rPr lang="fr-CH" dirty="0" err="1"/>
+              <a:t>with</a:t>
+            </a:r>
+            <a:r>
+              <a:rPr lang="fr-CH" dirty="0"/>
+              <a:t> ribosomal </a:t>
+            </a:r>
+            <a:r>
+              <a:rPr lang="fr-CH" dirty="0" err="1"/>
+              <a:t>genes</a:t>
+            </a:r>
+            <a:endParaRPr lang="fr-CH" dirty="0"/>
           </a:p>
         </p:txBody>
       </p:sp>
@@ -3405,7 +6104,1036 @@
 </p:sld>
 </file>
 
+<file path=ppt/slides/slide2.xml><?xml version="1.0" encoding="utf-8"?>
+<p:sld xmlns:a="http://schemas.openxmlformats.org/drawingml/2006/main" xmlns:r="http://schemas.openxmlformats.org/officeDocument/2006/relationships" xmlns:p="http://schemas.openxmlformats.org/presentationml/2006/main">
+  <p:cSld>
+    <p:bg>
+      <p:bgPr>
+        <a:gradFill>
+          <a:gsLst>
+            <a:gs pos="0">
+              <a:srgbClr val="A0D4B9"/>
+            </a:gs>
+            <a:gs pos="74000">
+              <a:schemeClr val="bg1"/>
+            </a:gs>
+            <a:gs pos="100000">
+              <a:schemeClr val="accent3">
+                <a:lumMod val="60000"/>
+                <a:lumOff val="40000"/>
+              </a:schemeClr>
+            </a:gs>
+          </a:gsLst>
+          <a:lin ang="5400000" scaled="1"/>
+        </a:gradFill>
+        <a:effectLst/>
+      </p:bgPr>
+    </p:bg>
+    <p:spTree>
+      <p:nvGrpSpPr>
+        <p:cNvPr id="1" name=""/>
+        <p:cNvGrpSpPr/>
+        <p:nvPr/>
+      </p:nvGrpSpPr>
+      <p:grpSpPr>
+        <a:xfrm>
+          <a:off x="0" y="0"/>
+          <a:ext cx="0" cy="0"/>
+          <a:chOff x="0" y="0"/>
+          <a:chExt cx="0" cy="0"/>
+        </a:xfrm>
+      </p:grpSpPr>
+      <p:sp>
+        <p:nvSpPr>
+          <p:cNvPr id="2" name="Titre 1">
+            <a:extLst>
+              <a:ext uri="{FF2B5EF4-FFF2-40B4-BE49-F238E27FC236}">
+                <a16:creationId xmlns:a16="http://schemas.microsoft.com/office/drawing/2014/main" id="{DB9BC654-C476-4EFE-B406-26DB9AE33D1F}"/>
+              </a:ext>
+            </a:extLst>
+          </p:cNvPr>
+          <p:cNvSpPr>
+            <a:spLocks noGrp="1"/>
+          </p:cNvSpPr>
+          <p:nvPr>
+            <p:ph type="title"/>
+          </p:nvPr>
+        </p:nvSpPr>
+        <p:spPr>
+          <a:xfrm>
+            <a:off x="838200" y="18255"/>
+            <a:ext cx="10515600" cy="1325563"/>
+          </a:xfrm>
+        </p:spPr>
+        <p:txBody>
+          <a:bodyPr>
+            <a:normAutofit/>
+          </a:bodyPr>
+          <a:lstStyle/>
+          <a:p>
+            <a:pPr algn="ctr"/>
+            <a:r>
+              <a:rPr lang="en-US" sz="3600" dirty="0" err="1"/>
+              <a:t>Identication</a:t>
+            </a:r>
+            <a:r>
+              <a:rPr lang="en-US" sz="3600" dirty="0"/>
+              <a:t> of gai phenotype revertant mutations in </a:t>
+            </a:r>
+            <a:r>
+              <a:rPr lang="fr-CH" sz="3600" i="1" dirty="0"/>
+              <a:t>Arabidopsis thaliana</a:t>
+            </a:r>
+          </a:p>
+        </p:txBody>
+      </p:sp>
+      <p:sp>
+        <p:nvSpPr>
+          <p:cNvPr id="4" name="ZoneTexte 3">
+            <a:extLst>
+              <a:ext uri="{FF2B5EF4-FFF2-40B4-BE49-F238E27FC236}">
+                <a16:creationId xmlns:a16="http://schemas.microsoft.com/office/drawing/2014/main" id="{E8D71D3B-DC6D-4915-A1E6-1F3F4334CF5B}"/>
+              </a:ext>
+            </a:extLst>
+          </p:cNvPr>
+          <p:cNvSpPr txBox="1"/>
+          <p:nvPr/>
+        </p:nvSpPr>
+        <p:spPr>
+          <a:xfrm>
+            <a:off x="123825" y="1619250"/>
+            <a:ext cx="5972175" cy="4801314"/>
+          </a:xfrm>
+          <a:prstGeom prst="rect">
+            <a:avLst/>
+          </a:prstGeom>
+          <a:noFill/>
+        </p:spPr>
+        <p:txBody>
+          <a:bodyPr wrap="square" rtlCol="0">
+            <a:spAutoFit/>
+          </a:bodyPr>
+          <a:lstStyle/>
+          <a:p>
+            <a:r>
+              <a:rPr lang="fr-CH" b="1" dirty="0">
+                <a:solidFill>
+                  <a:srgbClr val="003300"/>
+                </a:solidFill>
+              </a:rPr>
+              <a:t>gai </a:t>
+            </a:r>
+            <a:r>
+              <a:rPr lang="fr-CH" b="1" dirty="0" err="1">
+                <a:solidFill>
+                  <a:srgbClr val="003300"/>
+                </a:solidFill>
+              </a:rPr>
+              <a:t>phenotype</a:t>
+            </a:r>
+            <a:r>
+              <a:rPr lang="fr-CH" b="1" dirty="0">
+                <a:solidFill>
+                  <a:srgbClr val="003300"/>
+                </a:solidFill>
+              </a:rPr>
+              <a:t> </a:t>
+            </a:r>
+            <a:r>
+              <a:rPr lang="fr-CH" dirty="0">
+                <a:solidFill>
+                  <a:srgbClr val="003300"/>
+                </a:solidFill>
+              </a:rPr>
+              <a:t>: 51bp </a:t>
+            </a:r>
+            <a:r>
+              <a:rPr lang="fr-CH" dirty="0" err="1">
+                <a:solidFill>
+                  <a:srgbClr val="003300"/>
+                </a:solidFill>
+              </a:rPr>
+              <a:t>deletion</a:t>
+            </a:r>
+            <a:r>
+              <a:rPr lang="fr-CH" dirty="0">
+                <a:solidFill>
+                  <a:srgbClr val="003300"/>
+                </a:solidFill>
+              </a:rPr>
+              <a:t> in DELLA </a:t>
+            </a:r>
+            <a:r>
+              <a:rPr lang="fr-CH" dirty="0" err="1">
+                <a:solidFill>
+                  <a:srgbClr val="003300"/>
+                </a:solidFill>
+              </a:rPr>
+              <a:t>domain</a:t>
+            </a:r>
+            <a:r>
+              <a:rPr lang="fr-CH" dirty="0">
+                <a:solidFill>
+                  <a:srgbClr val="003300"/>
+                </a:solidFill>
+              </a:rPr>
+              <a:t> -&gt; </a:t>
+            </a:r>
+            <a:r>
+              <a:rPr lang="fr-CH" u="sng" dirty="0">
+                <a:solidFill>
+                  <a:srgbClr val="003300"/>
+                </a:solidFill>
+              </a:rPr>
+              <a:t>no </a:t>
+            </a:r>
+            <a:r>
+              <a:rPr lang="fr-CH" u="sng" dirty="0" err="1">
+                <a:solidFill>
+                  <a:srgbClr val="003300"/>
+                </a:solidFill>
+              </a:rPr>
+              <a:t>growth</a:t>
+            </a:r>
+            <a:endParaRPr lang="fr-CH" u="sng" dirty="0">
+              <a:solidFill>
+                <a:srgbClr val="003300"/>
+              </a:solidFill>
+            </a:endParaRPr>
+          </a:p>
+          <a:p>
+            <a:endParaRPr lang="fr-CH" dirty="0">
+              <a:solidFill>
+                <a:srgbClr val="003300"/>
+              </a:solidFill>
+            </a:endParaRPr>
+          </a:p>
+          <a:p>
+            <a:r>
+              <a:rPr lang="fr-CH" b="1" dirty="0" err="1">
+                <a:solidFill>
+                  <a:srgbClr val="003300"/>
+                </a:solidFill>
+              </a:rPr>
+              <a:t>gar</a:t>
+            </a:r>
+            <a:r>
+              <a:rPr lang="fr-CH" b="1" dirty="0">
+                <a:solidFill>
+                  <a:srgbClr val="003300"/>
+                </a:solidFill>
+              </a:rPr>
+              <a:t> (gai revertant)</a:t>
+            </a:r>
+            <a:r>
+              <a:rPr lang="fr-CH" dirty="0">
+                <a:solidFill>
+                  <a:srgbClr val="003300"/>
+                </a:solidFill>
+              </a:rPr>
+              <a:t>: have the 51bp </a:t>
+            </a:r>
+            <a:r>
+              <a:rPr lang="fr-CH" dirty="0" err="1">
+                <a:solidFill>
+                  <a:srgbClr val="003300"/>
+                </a:solidFill>
+              </a:rPr>
+              <a:t>deletion</a:t>
+            </a:r>
+            <a:r>
+              <a:rPr lang="fr-CH" dirty="0">
+                <a:solidFill>
+                  <a:srgbClr val="003300"/>
+                </a:solidFill>
+              </a:rPr>
+              <a:t> but </a:t>
+            </a:r>
+            <a:r>
+              <a:rPr lang="fr-CH" u="sng" dirty="0" err="1">
+                <a:solidFill>
+                  <a:srgbClr val="003300"/>
+                </a:solidFill>
+              </a:rPr>
+              <a:t>grow</a:t>
+            </a:r>
+            <a:endParaRPr lang="fr-CH" b="1" u="sng" dirty="0">
+              <a:solidFill>
+                <a:srgbClr val="003300"/>
+              </a:solidFill>
+            </a:endParaRPr>
+          </a:p>
+          <a:p>
+            <a:endParaRPr lang="fr-CH" u="sng" dirty="0">
+              <a:solidFill>
+                <a:srgbClr val="003300"/>
+              </a:solidFill>
+            </a:endParaRPr>
+          </a:p>
+          <a:p>
+            <a:r>
+              <a:rPr lang="fr-CH" dirty="0">
+                <a:solidFill>
+                  <a:srgbClr val="003300"/>
+                </a:solidFill>
+              </a:rPr>
+              <a:t>Gar12: </a:t>
+            </a:r>
+          </a:p>
+          <a:p>
+            <a:endParaRPr lang="fr-CH" dirty="0">
+              <a:solidFill>
+                <a:srgbClr val="003300"/>
+              </a:solidFill>
+            </a:endParaRPr>
+          </a:p>
+          <a:p>
+            <a:r>
+              <a:rPr lang="fr-CH" dirty="0">
+                <a:solidFill>
+                  <a:srgbClr val="003300"/>
+                </a:solidFill>
+              </a:rPr>
+              <a:t>Original </a:t>
+            </a:r>
+            <a:r>
+              <a:rPr lang="fr-CH" dirty="0" err="1">
+                <a:solidFill>
+                  <a:srgbClr val="003300"/>
+                </a:solidFill>
+              </a:rPr>
+              <a:t>deletion</a:t>
+            </a:r>
+            <a:r>
+              <a:rPr lang="fr-CH" dirty="0">
+                <a:solidFill>
+                  <a:srgbClr val="003300"/>
+                </a:solidFill>
+              </a:rPr>
+              <a:t> +1 </a:t>
+            </a:r>
+            <a:r>
+              <a:rPr lang="fr-CH" dirty="0" err="1">
+                <a:solidFill>
+                  <a:srgbClr val="003300"/>
+                </a:solidFill>
+              </a:rPr>
+              <a:t>bp</a:t>
+            </a:r>
+            <a:r>
+              <a:rPr lang="fr-CH" dirty="0">
+                <a:solidFill>
+                  <a:srgbClr val="003300"/>
+                </a:solidFill>
+              </a:rPr>
+              <a:t> -&gt; </a:t>
+            </a:r>
+            <a:r>
+              <a:rPr lang="fr-CH" dirty="0" err="1">
+                <a:solidFill>
+                  <a:srgbClr val="003300"/>
+                </a:solidFill>
+              </a:rPr>
+              <a:t>Frameshift</a:t>
+            </a:r>
+            <a:r>
+              <a:rPr lang="fr-CH" dirty="0">
+                <a:solidFill>
+                  <a:srgbClr val="003300"/>
+                </a:solidFill>
+              </a:rPr>
+              <a:t> </a:t>
+            </a:r>
+            <a:r>
+              <a:rPr lang="fr-CH" dirty="0" err="1">
+                <a:solidFill>
+                  <a:srgbClr val="003300"/>
+                </a:solidFill>
+              </a:rPr>
+              <a:t>deletion</a:t>
+            </a:r>
+            <a:r>
+              <a:rPr lang="fr-CH" dirty="0">
+                <a:solidFill>
+                  <a:srgbClr val="003300"/>
+                </a:solidFill>
+              </a:rPr>
+              <a:t> </a:t>
+            </a:r>
+            <a:r>
+              <a:rPr lang="fr-CH" dirty="0" err="1">
+                <a:solidFill>
+                  <a:srgbClr val="003300"/>
+                </a:solidFill>
+              </a:rPr>
+              <a:t>that</a:t>
+            </a:r>
+            <a:r>
+              <a:rPr lang="fr-CH" dirty="0">
+                <a:solidFill>
+                  <a:srgbClr val="003300"/>
+                </a:solidFill>
+              </a:rPr>
+              <a:t> affects the </a:t>
+            </a:r>
+            <a:r>
+              <a:rPr lang="fr-CH" dirty="0" err="1">
+                <a:solidFill>
+                  <a:srgbClr val="003300"/>
+                </a:solidFill>
+              </a:rPr>
+              <a:t>entire</a:t>
+            </a:r>
+            <a:r>
+              <a:rPr lang="fr-CH" dirty="0">
+                <a:solidFill>
+                  <a:srgbClr val="003300"/>
+                </a:solidFill>
+              </a:rPr>
+              <a:t> </a:t>
+            </a:r>
+            <a:r>
+              <a:rPr lang="fr-CH" dirty="0" err="1">
+                <a:solidFill>
+                  <a:srgbClr val="003300"/>
+                </a:solidFill>
+              </a:rPr>
+              <a:t>protein</a:t>
+            </a:r>
+            <a:r>
+              <a:rPr lang="fr-CH" dirty="0">
+                <a:solidFill>
+                  <a:srgbClr val="003300"/>
+                </a:solidFill>
+              </a:rPr>
+              <a:t> – DELLA </a:t>
+            </a:r>
+            <a:r>
+              <a:rPr lang="fr-CH" dirty="0" err="1">
+                <a:solidFill>
+                  <a:srgbClr val="003300"/>
+                </a:solidFill>
+              </a:rPr>
+              <a:t>cannot</a:t>
+            </a:r>
+            <a:r>
+              <a:rPr lang="fr-CH" dirty="0">
+                <a:solidFill>
+                  <a:srgbClr val="003300"/>
+                </a:solidFill>
+              </a:rPr>
+              <a:t> </a:t>
+            </a:r>
+            <a:r>
+              <a:rPr lang="fr-CH" dirty="0" err="1">
+                <a:solidFill>
+                  <a:srgbClr val="003300"/>
+                </a:solidFill>
+              </a:rPr>
+              <a:t>repress</a:t>
+            </a:r>
+            <a:r>
+              <a:rPr lang="fr-CH" dirty="0">
+                <a:solidFill>
+                  <a:srgbClr val="003300"/>
+                </a:solidFill>
+              </a:rPr>
+              <a:t> -&gt; </a:t>
+            </a:r>
+            <a:r>
+              <a:rPr lang="fr-CH" dirty="0" err="1">
+                <a:solidFill>
+                  <a:srgbClr val="003300"/>
+                </a:solidFill>
+              </a:rPr>
+              <a:t>growth</a:t>
+            </a:r>
+            <a:endParaRPr lang="fr-CH" dirty="0">
+              <a:solidFill>
+                <a:srgbClr val="003300"/>
+              </a:solidFill>
+            </a:endParaRPr>
+          </a:p>
+          <a:p>
+            <a:endParaRPr lang="fr-CH" dirty="0">
+              <a:solidFill>
+                <a:srgbClr val="003300"/>
+              </a:solidFill>
+            </a:endParaRPr>
+          </a:p>
+          <a:p>
+            <a:r>
+              <a:rPr lang="fr-CH" dirty="0">
+                <a:solidFill>
+                  <a:srgbClr val="003300"/>
+                </a:solidFill>
+              </a:rPr>
+              <a:t>Gar13: </a:t>
+            </a:r>
+          </a:p>
+          <a:p>
+            <a:endParaRPr lang="fr-CH" dirty="0">
+              <a:solidFill>
+                <a:srgbClr val="003300"/>
+              </a:solidFill>
+            </a:endParaRPr>
+          </a:p>
+          <a:p>
+            <a:r>
+              <a:rPr lang="fr-CH" dirty="0">
+                <a:solidFill>
+                  <a:srgbClr val="003300"/>
+                </a:solidFill>
+              </a:rPr>
+              <a:t>Original 51bp </a:t>
+            </a:r>
+            <a:r>
+              <a:rPr lang="fr-CH" dirty="0" err="1">
+                <a:solidFill>
+                  <a:srgbClr val="003300"/>
+                </a:solidFill>
+              </a:rPr>
+              <a:t>deletion</a:t>
+            </a:r>
+            <a:endParaRPr lang="fr-CH" dirty="0">
+              <a:solidFill>
+                <a:srgbClr val="003300"/>
+              </a:solidFill>
+            </a:endParaRPr>
+          </a:p>
+          <a:p>
+            <a:r>
+              <a:rPr lang="fr-CH" dirty="0" err="1">
+                <a:solidFill>
+                  <a:srgbClr val="003300"/>
+                </a:solidFill>
+              </a:rPr>
+              <a:t>Frameshift</a:t>
+            </a:r>
+            <a:r>
+              <a:rPr lang="fr-CH" dirty="0">
+                <a:solidFill>
+                  <a:srgbClr val="003300"/>
+                </a:solidFill>
+              </a:rPr>
+              <a:t> </a:t>
+            </a:r>
+            <a:r>
+              <a:rPr lang="fr-CH" dirty="0" err="1">
+                <a:solidFill>
+                  <a:srgbClr val="003300"/>
+                </a:solidFill>
+              </a:rPr>
+              <a:t>deletion</a:t>
+            </a:r>
+            <a:r>
+              <a:rPr lang="fr-CH" dirty="0">
+                <a:solidFill>
+                  <a:srgbClr val="003300"/>
+                </a:solidFill>
+              </a:rPr>
+              <a:t> in GRAS-</a:t>
+            </a:r>
+            <a:r>
+              <a:rPr lang="fr-CH" dirty="0" err="1">
+                <a:solidFill>
+                  <a:srgbClr val="003300"/>
+                </a:solidFill>
+              </a:rPr>
+              <a:t>domain</a:t>
+            </a:r>
+            <a:endParaRPr lang="fr-CH" dirty="0">
+              <a:solidFill>
+                <a:srgbClr val="003300"/>
+              </a:solidFill>
+            </a:endParaRPr>
+          </a:p>
+          <a:p>
+            <a:endParaRPr lang="fr-CH" dirty="0">
+              <a:solidFill>
+                <a:srgbClr val="003300"/>
+              </a:solidFill>
+            </a:endParaRPr>
+          </a:p>
+          <a:p>
+            <a:r>
+              <a:rPr lang="fr-CH" dirty="0">
+                <a:solidFill>
+                  <a:srgbClr val="003300"/>
+                </a:solidFill>
+              </a:rPr>
+              <a:t>Gar12 &amp; Gar13:</a:t>
+            </a:r>
+          </a:p>
+          <a:p>
+            <a:r>
+              <a:rPr lang="fr-CH" dirty="0">
+                <a:solidFill>
+                  <a:srgbClr val="003300"/>
+                </a:solidFill>
+              </a:rPr>
+              <a:t>One </a:t>
+            </a:r>
+            <a:r>
+              <a:rPr lang="fr-CH" dirty="0" err="1">
+                <a:solidFill>
+                  <a:srgbClr val="003300"/>
+                </a:solidFill>
+              </a:rPr>
+              <a:t>missense</a:t>
+            </a:r>
+            <a:r>
+              <a:rPr lang="fr-CH" dirty="0">
+                <a:solidFill>
+                  <a:srgbClr val="003300"/>
+                </a:solidFill>
+              </a:rPr>
+              <a:t> mutation in </a:t>
+            </a:r>
+            <a:r>
+              <a:rPr lang="fr-CH" i="1" dirty="0">
+                <a:solidFill>
+                  <a:srgbClr val="003300"/>
+                </a:solidFill>
+              </a:rPr>
+              <a:t>SPY</a:t>
+            </a:r>
+            <a:r>
+              <a:rPr lang="fr-CH" dirty="0">
+                <a:solidFill>
+                  <a:srgbClr val="003300"/>
+                </a:solidFill>
+              </a:rPr>
+              <a:t>  </a:t>
+            </a:r>
+          </a:p>
+          <a:p>
+            <a:r>
+              <a:rPr lang="fr-CH" dirty="0" err="1">
+                <a:solidFill>
+                  <a:srgbClr val="003300"/>
+                </a:solidFill>
+              </a:rPr>
+              <a:t>Inframe</a:t>
+            </a:r>
+            <a:r>
+              <a:rPr lang="fr-CH" dirty="0">
+                <a:solidFill>
+                  <a:srgbClr val="003300"/>
+                </a:solidFill>
+              </a:rPr>
+              <a:t> 3bp </a:t>
+            </a:r>
+            <a:r>
+              <a:rPr lang="fr-CH" dirty="0" err="1">
+                <a:solidFill>
+                  <a:srgbClr val="003300"/>
+                </a:solidFill>
+              </a:rPr>
+              <a:t>deletion</a:t>
+            </a:r>
+            <a:r>
+              <a:rPr lang="fr-CH" dirty="0">
+                <a:solidFill>
+                  <a:srgbClr val="003300"/>
+                </a:solidFill>
+              </a:rPr>
+              <a:t> in DELLA</a:t>
+            </a:r>
+          </a:p>
+        </p:txBody>
+      </p:sp>
+      <p:pic>
+        <p:nvPicPr>
+          <p:cNvPr id="6" name="Image 5">
+            <a:extLst>
+              <a:ext uri="{FF2B5EF4-FFF2-40B4-BE49-F238E27FC236}">
+                <a16:creationId xmlns:a16="http://schemas.microsoft.com/office/drawing/2014/main" id="{EFBBF628-02FD-450E-973B-173B40509587}"/>
+              </a:ext>
+            </a:extLst>
+          </p:cNvPr>
+          <p:cNvPicPr>
+            <a:picLocks noChangeAspect="1"/>
+          </p:cNvPicPr>
+          <p:nvPr/>
+        </p:nvPicPr>
+        <p:blipFill>
+          <a:blip r:embed="rId3">
+            <a:clrChange>
+              <a:clrFrom>
+                <a:srgbClr val="FFFFFF"/>
+              </a:clrFrom>
+              <a:clrTo>
+                <a:srgbClr val="FFFFFF">
+                  <a:alpha val="0"/>
+                </a:srgbClr>
+              </a:clrTo>
+            </a:clrChange>
+          </a:blip>
+          <a:stretch>
+            <a:fillRect/>
+          </a:stretch>
+        </p:blipFill>
+        <p:spPr>
+          <a:xfrm>
+            <a:off x="6555903" y="3824679"/>
+            <a:ext cx="5403364" cy="2750803"/>
+          </a:xfrm>
+          <a:prstGeom prst="rect">
+            <a:avLst/>
+          </a:prstGeom>
+        </p:spPr>
+      </p:pic>
+      <p:pic>
+        <p:nvPicPr>
+          <p:cNvPr id="8" name="Image 7">
+            <a:extLst>
+              <a:ext uri="{FF2B5EF4-FFF2-40B4-BE49-F238E27FC236}">
+                <a16:creationId xmlns:a16="http://schemas.microsoft.com/office/drawing/2014/main" id="{696148F9-1317-4AA3-B931-3BC7C4933A6B}"/>
+              </a:ext>
+            </a:extLst>
+          </p:cNvPr>
+          <p:cNvPicPr>
+            <a:picLocks noChangeAspect="1"/>
+          </p:cNvPicPr>
+          <p:nvPr/>
+        </p:nvPicPr>
+        <p:blipFill>
+          <a:blip r:embed="rId4">
+            <a:clrChange>
+              <a:clrFrom>
+                <a:srgbClr val="FFFFFF"/>
+              </a:clrFrom>
+              <a:clrTo>
+                <a:srgbClr val="FFFFFF">
+                  <a:alpha val="0"/>
+                </a:srgbClr>
+              </a:clrTo>
+            </a:clrChange>
+          </a:blip>
+          <a:stretch>
+            <a:fillRect/>
+          </a:stretch>
+        </p:blipFill>
+        <p:spPr>
+          <a:xfrm>
+            <a:off x="6399833" y="1265036"/>
+            <a:ext cx="5792167" cy="2638425"/>
+          </a:xfrm>
+          <a:prstGeom prst="rect">
+            <a:avLst/>
+          </a:prstGeom>
+        </p:spPr>
+      </p:pic>
+    </p:spTree>
+    <p:extLst>
+      <p:ext uri="{BB962C8B-B14F-4D97-AF65-F5344CB8AC3E}">
+        <p14:creationId xmlns:p14="http://schemas.microsoft.com/office/powerpoint/2010/main" val="3430050712"/>
+      </p:ext>
+    </p:extLst>
+  </p:cSld>
+  <p:clrMapOvr>
+    <a:masterClrMapping/>
+  </p:clrMapOvr>
+</p:sld>
+</file>
+
 <file path=ppt/theme/theme1.xml><?xml version="1.0" encoding="utf-8"?>
+<a:theme xmlns:a="http://schemas.openxmlformats.org/drawingml/2006/main" name="Thème Office">
+  <a:themeElements>
+    <a:clrScheme name="Bleu vert">
+      <a:dk1>
+        <a:sysClr val="windowText" lastClr="000000"/>
+      </a:dk1>
+      <a:lt1>
+        <a:sysClr val="window" lastClr="FFFFFF"/>
+      </a:lt1>
+      <a:dk2>
+        <a:srgbClr val="373545"/>
+      </a:dk2>
+      <a:lt2>
+        <a:srgbClr val="CEDBE6"/>
+      </a:lt2>
+      <a:accent1>
+        <a:srgbClr val="3494BA"/>
+      </a:accent1>
+      <a:accent2>
+        <a:srgbClr val="58B6C0"/>
+      </a:accent2>
+      <a:accent3>
+        <a:srgbClr val="75BDA7"/>
+      </a:accent3>
+      <a:accent4>
+        <a:srgbClr val="7A8C8E"/>
+      </a:accent4>
+      <a:accent5>
+        <a:srgbClr val="84ACB6"/>
+      </a:accent5>
+      <a:accent6>
+        <a:srgbClr val="2683C6"/>
+      </a:accent6>
+      <a:hlink>
+        <a:srgbClr val="6B9F25"/>
+      </a:hlink>
+      <a:folHlink>
+        <a:srgbClr val="9F6715"/>
+      </a:folHlink>
+    </a:clrScheme>
+    <a:fontScheme name="Office">
+      <a:majorFont>
+        <a:latin typeface="Calibri Light" panose="020F0302020204030204"/>
+        <a:ea typeface=""/>
+        <a:cs typeface=""/>
+        <a:font script="Jpan" typeface="游ゴシック Light"/>
+        <a:font script="Hang" typeface="맑은 고딕"/>
+        <a:font script="Hans" typeface="等线 Light"/>
+        <a:font script="Hant" typeface="新細明體"/>
+        <a:font script="Arab" typeface="Times New Roman"/>
+        <a:font script="Hebr" typeface="Times New Roman"/>
+        <a:font script="Thai" typeface="Angsana New"/>
+        <a:font script="Ethi" typeface="Nyala"/>
+        <a:font script="Beng" typeface="Vrinda"/>
+        <a:font script="Gujr" typeface="Shruti"/>
+        <a:font script="Khmr" typeface="MoolBoran"/>
+        <a:font script="Knda" typeface="Tunga"/>
+        <a:font script="Guru" typeface="Raavi"/>
+        <a:font script="Cans" typeface="Euphemia"/>
+        <a:font script="Cher" typeface="Plantagenet Cherokee"/>
+        <a:font script="Yiii" typeface="Microsoft Yi Baiti"/>
+        <a:font script="Tibt" typeface="Microsoft Himalaya"/>
+        <a:font script="Thaa" typeface="MV Boli"/>
+        <a:font script="Deva" typeface="Mangal"/>
+        <a:font script="Telu" typeface="Gautami"/>
+        <a:font script="Taml" typeface="Latha"/>
+        <a:font script="Syrc" typeface="Estrangelo Edessa"/>
+        <a:font script="Orya" typeface="Kalinga"/>
+        <a:font script="Mlym" typeface="Kartika"/>
+        <a:font script="Laoo" typeface="DokChampa"/>
+        <a:font script="Sinh" typeface="Iskoola Pota"/>
+        <a:font script="Mong" typeface="Mongolian Baiti"/>
+        <a:font script="Viet" typeface="Times New Roman"/>
+        <a:font script="Uigh" typeface="Microsoft Uighur"/>
+        <a:font script="Geor" typeface="Sylfaen"/>
+        <a:font script="Armn" typeface="Arial"/>
+        <a:font script="Bugi" typeface="Leelawadee UI"/>
+        <a:font script="Bopo" typeface="Microsoft JhengHei"/>
+        <a:font script="Java" typeface="Javanese Text"/>
+        <a:font script="Lisu" typeface="Segoe UI"/>
+        <a:font script="Mymr" typeface="Myanmar Text"/>
+        <a:font script="Nkoo" typeface="Ebrima"/>
+        <a:font script="Olck" typeface="Nirmala UI"/>
+        <a:font script="Osma" typeface="Ebrima"/>
+        <a:font script="Phag" typeface="Phagspa"/>
+        <a:font script="Syrn" typeface="Estrangelo Edessa"/>
+        <a:font script="Syrj" typeface="Estrangelo Edessa"/>
+        <a:font script="Syre" typeface="Estrangelo Edessa"/>
+        <a:font script="Sora" typeface="Nirmala UI"/>
+        <a:font script="Tale" typeface="Microsoft Tai Le"/>
+        <a:font script="Talu" typeface="Microsoft New Tai Lue"/>
+        <a:font script="Tfng" typeface="Ebrima"/>
+      </a:majorFont>
+      <a:minorFont>
+        <a:latin typeface="Calibri" panose="020F0502020204030204"/>
+        <a:ea typeface=""/>
+        <a:cs typeface=""/>
+        <a:font script="Jpan" typeface="游ゴシック"/>
+        <a:font script="Hang" typeface="맑은 고딕"/>
+        <a:font script="Hans" typeface="等线"/>
+        <a:font script="Hant" typeface="新細明體"/>
+        <a:font script="Arab" typeface="Arial"/>
+        <a:font script="Hebr" typeface="Arial"/>
+        <a:font script="Thai" typeface="Cordia New"/>
+        <a:font script="Ethi" typeface="Nyala"/>
+        <a:font script="Beng" typeface="Vrinda"/>
+        <a:font script="Gujr" typeface="Shruti"/>
+        <a:font script="Khmr" typeface="DaunPenh"/>
+        <a:font script="Knda" typeface="Tunga"/>
+        <a:font script="Guru" typeface="Raavi"/>
+        <a:font script="Cans" typeface="Euphemia"/>
+        <a:font script="Cher" typeface="Plantagenet Cherokee"/>
+        <a:font script="Yiii" typeface="Microsoft Yi Baiti"/>
+        <a:font script="Tibt" typeface="Microsoft Himalaya"/>
+        <a:font script="Thaa" typeface="MV Boli"/>
+        <a:font script="Deva" typeface="Mangal"/>
+        <a:font script="Telu" typeface="Gautami"/>
+        <a:font script="Taml" typeface="Latha"/>
+        <a:font script="Syrc" typeface="Estrangelo Edessa"/>
+        <a:font script="Orya" typeface="Kalinga"/>
+        <a:font script="Mlym" typeface="Kartika"/>
+        <a:font script="Laoo" typeface="DokChampa"/>
+        <a:font script="Sinh" typeface="Iskoola Pota"/>
+        <a:font script="Mong" typeface="Mongolian Baiti"/>
+        <a:font script="Viet" typeface="Arial"/>
+        <a:font script="Uigh" typeface="Microsoft Uighur"/>
+        <a:font script="Geor" typeface="Sylfaen"/>
+        <a:font script="Armn" typeface="Arial"/>
+        <a:font script="Bugi" typeface="Leelawadee UI"/>
+        <a:font script="Bopo" typeface="Microsoft JhengHei"/>
+        <a:font script="Java" typeface="Javanese Text"/>
+        <a:font script="Lisu" typeface="Segoe UI"/>
+        <a:font script="Mymr" typeface="Myanmar Text"/>
+        <a:font script="Nkoo" typeface="Ebrima"/>
+        <a:font script="Olck" typeface="Nirmala UI"/>
+        <a:font script="Osma" typeface="Ebrima"/>
+        <a:font script="Phag" typeface="Phagspa"/>
+        <a:font script="Syrn" typeface="Estrangelo Edessa"/>
+        <a:font script="Syrj" typeface="Estrangelo Edessa"/>
+        <a:font script="Syre" typeface="Estrangelo Edessa"/>
+        <a:font script="Sora" typeface="Nirmala UI"/>
+        <a:font script="Tale" typeface="Microsoft Tai Le"/>
+        <a:font script="Talu" typeface="Microsoft New Tai Lue"/>
+        <a:font script="Tfng" typeface="Ebrima"/>
+      </a:minorFont>
+    </a:fontScheme>
+    <a:fmtScheme name="Office">
+      <a:fillStyleLst>
+        <a:solidFill>
+          <a:schemeClr val="phClr"/>
+        </a:solidFill>
+        <a:gradFill rotWithShape="1">
+          <a:gsLst>
+            <a:gs pos="0">
+              <a:schemeClr val="phClr">
+                <a:lumMod val="110000"/>
+                <a:satMod val="105000"/>
+                <a:tint val="67000"/>
+              </a:schemeClr>
+            </a:gs>
+            <a:gs pos="50000">
+              <a:schemeClr val="phClr">
+                <a:lumMod val="105000"/>
+                <a:satMod val="103000"/>
+                <a:tint val="73000"/>
+              </a:schemeClr>
+            </a:gs>
+            <a:gs pos="100000">
+              <a:schemeClr val="phClr">
+                <a:lumMod val="105000"/>
+                <a:satMod val="109000"/>
+                <a:tint val="81000"/>
+              </a:schemeClr>
+            </a:gs>
+          </a:gsLst>
+          <a:lin ang="5400000" scaled="0"/>
+        </a:gradFill>
+        <a:gradFill rotWithShape="1">
+          <a:gsLst>
+            <a:gs pos="0">
+              <a:schemeClr val="phClr">
+                <a:satMod val="103000"/>
+                <a:lumMod val="102000"/>
+                <a:tint val="94000"/>
+              </a:schemeClr>
+            </a:gs>
+            <a:gs pos="50000">
+              <a:schemeClr val="phClr">
+                <a:satMod val="110000"/>
+                <a:lumMod val="100000"/>
+                <a:shade val="100000"/>
+              </a:schemeClr>
+            </a:gs>
+            <a:gs pos="100000">
+              <a:schemeClr val="phClr">
+                <a:lumMod val="99000"/>
+                <a:satMod val="120000"/>
+                <a:shade val="78000"/>
+              </a:schemeClr>
+            </a:gs>
+          </a:gsLst>
+          <a:lin ang="5400000" scaled="0"/>
+        </a:gradFill>
+      </a:fillStyleLst>
+      <a:lnStyleLst>
+        <a:ln w="6350" cap="flat" cmpd="sng" algn="ctr">
+          <a:solidFill>
+            <a:schemeClr val="phClr"/>
+          </a:solidFill>
+          <a:prstDash val="solid"/>
+          <a:miter lim="800000"/>
+        </a:ln>
+        <a:ln w="12700" cap="flat" cmpd="sng" algn="ctr">
+          <a:solidFill>
+            <a:schemeClr val="phClr"/>
+          </a:solidFill>
+          <a:prstDash val="solid"/>
+          <a:miter lim="800000"/>
+        </a:ln>
+        <a:ln w="19050" cap="flat" cmpd="sng" algn="ctr">
+          <a:solidFill>
+            <a:schemeClr val="phClr"/>
+          </a:solidFill>
+          <a:prstDash val="solid"/>
+          <a:miter lim="800000"/>
+        </a:ln>
+      </a:lnStyleLst>
+      <a:effectStyleLst>
+        <a:effectStyle>
+          <a:effectLst/>
+        </a:effectStyle>
+        <a:effectStyle>
+          <a:effectLst/>
+        </a:effectStyle>
+        <a:effectStyle>
+          <a:effectLst>
+            <a:outerShdw blurRad="57150" dist="19050" dir="5400000" algn="ctr" rotWithShape="0">
+              <a:srgbClr val="000000">
+                <a:alpha val="63000"/>
+              </a:srgbClr>
+            </a:outerShdw>
+          </a:effectLst>
+        </a:effectStyle>
+      </a:effectStyleLst>
+      <a:bgFillStyleLst>
+        <a:solidFill>
+          <a:schemeClr val="phClr"/>
+        </a:solidFill>
+        <a:solidFill>
+          <a:schemeClr val="phClr">
+            <a:tint val="95000"/>
+            <a:satMod val="170000"/>
+          </a:schemeClr>
+        </a:solidFill>
+        <a:gradFill rotWithShape="1">
+          <a:gsLst>
+            <a:gs pos="0">
+              <a:schemeClr val="phClr">
+                <a:tint val="93000"/>
+                <a:satMod val="150000"/>
+                <a:shade val="98000"/>
+                <a:lumMod val="102000"/>
+              </a:schemeClr>
+            </a:gs>
+            <a:gs pos="50000">
+              <a:schemeClr val="phClr">
+                <a:tint val="98000"/>
+                <a:satMod val="130000"/>
+                <a:shade val="90000"/>
+                <a:lumMod val="103000"/>
+              </a:schemeClr>
+            </a:gs>
+            <a:gs pos="100000">
+              <a:schemeClr val="phClr">
+                <a:shade val="63000"/>
+                <a:satMod val="120000"/>
+              </a:schemeClr>
+            </a:gs>
+          </a:gsLst>
+          <a:lin ang="5400000" scaled="0"/>
+        </a:gradFill>
+      </a:bgFillStyleLst>
+    </a:fmtScheme>
+  </a:themeElements>
+  <a:objectDefaults/>
+  <a:extraClrSchemeLst/>
+  <a:extLst>
+    <a:ext uri="{05A4C25C-085E-4340-85A3-A5531E510DB2}">
+      <thm15:themeFamily xmlns:thm15="http://schemas.microsoft.com/office/thememl/2012/main" name="Office Theme" id="{62F939B6-93AF-4DB8-9C6B-D6C7DFDC589F}" vid="{4A3C46E8-61CC-4603-A589-7422A47A8E4A}"/>
+    </a:ext>
+  </a:extLst>
+</a:theme>
+</file>
+
+<file path=ppt/theme/theme2.xml><?xml version="1.0" encoding="utf-8"?>
 <a:theme xmlns:a="http://schemas.openxmlformats.org/drawingml/2006/main" name="Thème Office">
   <a:themeElements>
     <a:clrScheme name="Office">

--- a/Presentation/BC7107_Schowing.pptx
+++ b/Presentation/BC7107_Schowing.pptx
@@ -5,11 +5,12 @@
     <p:sldMasterId id="2147483648" r:id="rId1"/>
   </p:sldMasterIdLst>
   <p:notesMasterIdLst>
-    <p:notesMasterId r:id="rId4"/>
+    <p:notesMasterId r:id="rId5"/>
   </p:notesMasterIdLst>
   <p:sldIdLst>
     <p:sldId id="256" r:id="rId2"/>
     <p:sldId id="257" r:id="rId3"/>
+    <p:sldId id="258" r:id="rId4"/>
   </p:sldIdLst>
   <p:sldSz cx="12192000" cy="6858000"/>
   <p:notesSz cx="6858000" cy="9144000"/>
@@ -6202,7 +6203,7 @@
         <p:spPr>
           <a:xfrm>
             <a:off x="123825" y="1619250"/>
-            <a:ext cx="5972175" cy="4801314"/>
+            <a:ext cx="5668343" cy="5078313"/>
           </a:xfrm>
           <a:prstGeom prst="rect">
             <a:avLst/>
@@ -6786,10 +6787,10 @@
       </p:pic>
       <p:pic>
         <p:nvPicPr>
-          <p:cNvPr id="8" name="Image 7">
-            <a:extLst>
-              <a:ext uri="{FF2B5EF4-FFF2-40B4-BE49-F238E27FC236}">
-                <a16:creationId xmlns:a16="http://schemas.microsoft.com/office/drawing/2014/main" id="{696148F9-1317-4AA3-B931-3BC7C4933A6B}"/>
+          <p:cNvPr id="3" name="Image 2">
+            <a:extLst>
+              <a:ext uri="{FF2B5EF4-FFF2-40B4-BE49-F238E27FC236}">
+                <a16:creationId xmlns:a16="http://schemas.microsoft.com/office/drawing/2014/main" id="{98491F01-477B-4A36-9B0F-6EA4F790DE82}"/>
               </a:ext>
             </a:extLst>
           </p:cNvPr>
@@ -6817,8 +6818,109 @@
         </p:blipFill>
         <p:spPr>
           <a:xfrm>
-            <a:off x="6399833" y="1265036"/>
-            <a:ext cx="5792167" cy="2638425"/>
+            <a:off x="3231890" y="5557420"/>
+            <a:ext cx="384656" cy="512034"/>
+          </a:xfrm>
+          <a:prstGeom prst="rect">
+            <a:avLst/>
+          </a:prstGeom>
+        </p:spPr>
+      </p:pic>
+      <p:pic>
+        <p:nvPicPr>
+          <p:cNvPr id="5" name="Image 4">
+            <a:extLst>
+              <a:ext uri="{FF2B5EF4-FFF2-40B4-BE49-F238E27FC236}">
+                <a16:creationId xmlns:a16="http://schemas.microsoft.com/office/drawing/2014/main" id="{59B2F1DB-B6B2-4962-954F-C53F88CFAB23}"/>
+              </a:ext>
+            </a:extLst>
+          </p:cNvPr>
+          <p:cNvPicPr>
+            <a:picLocks noChangeAspect="1"/>
+          </p:cNvPicPr>
+          <p:nvPr/>
+        </p:nvPicPr>
+        <p:blipFill>
+          <a:blip r:embed="rId5"/>
+          <a:stretch>
+            <a:fillRect/>
+          </a:stretch>
+        </p:blipFill>
+        <p:spPr>
+          <a:xfrm>
+            <a:off x="5585373" y="3000653"/>
+            <a:ext cx="646324" cy="1310196"/>
+          </a:xfrm>
+          <a:prstGeom prst="rect">
+            <a:avLst/>
+          </a:prstGeom>
+        </p:spPr>
+      </p:pic>
+      <p:pic>
+        <p:nvPicPr>
+          <p:cNvPr id="7" name="Image 6">
+            <a:extLst>
+              <a:ext uri="{FF2B5EF4-FFF2-40B4-BE49-F238E27FC236}">
+                <a16:creationId xmlns:a16="http://schemas.microsoft.com/office/drawing/2014/main" id="{7CBA276E-577B-4F96-A4A6-785018CAC5AC}"/>
+              </a:ext>
+            </a:extLst>
+          </p:cNvPr>
+          <p:cNvPicPr>
+            <a:picLocks noChangeAspect="1"/>
+          </p:cNvPicPr>
+          <p:nvPr/>
+        </p:nvPicPr>
+        <p:blipFill>
+          <a:blip r:embed="rId6"/>
+          <a:stretch>
+            <a:fillRect/>
+          </a:stretch>
+        </p:blipFill>
+        <p:spPr>
+          <a:xfrm>
+            <a:off x="5590602" y="4382056"/>
+            <a:ext cx="591511" cy="1310196"/>
+          </a:xfrm>
+          <a:prstGeom prst="rect">
+            <a:avLst/>
+          </a:prstGeom>
+        </p:spPr>
+      </p:pic>
+      <p:pic>
+        <p:nvPicPr>
+          <p:cNvPr id="9" name="Image 8">
+            <a:extLst>
+              <a:ext uri="{FF2B5EF4-FFF2-40B4-BE49-F238E27FC236}">
+                <a16:creationId xmlns:a16="http://schemas.microsoft.com/office/drawing/2014/main" id="{98F88ACD-D336-44F0-B195-A50DED55648D}"/>
+              </a:ext>
+            </a:extLst>
+          </p:cNvPr>
+          <p:cNvPicPr>
+            <a:picLocks noChangeAspect="1"/>
+          </p:cNvPicPr>
+          <p:nvPr/>
+        </p:nvPicPr>
+        <p:blipFill>
+          <a:blip r:embed="rId7">
+            <a:clrChange>
+              <a:clrFrom>
+                <a:srgbClr val="FFFFFF"/>
+              </a:clrFrom>
+              <a:clrTo>
+                <a:srgbClr val="FFFFFF">
+                  <a:alpha val="0"/>
+                </a:srgbClr>
+              </a:clrTo>
+            </a:clrChange>
+          </a:blip>
+          <a:stretch>
+            <a:fillRect/>
+          </a:stretch>
+        </p:blipFill>
+        <p:spPr>
+          <a:xfrm>
+            <a:off x="6432071" y="1254443"/>
+            <a:ext cx="5651027" cy="2659612"/>
           </a:xfrm>
           <a:prstGeom prst="rect">
             <a:avLst/>
@@ -6829,6 +6931,775 @@
     <p:extLst>
       <p:ext uri="{BB962C8B-B14F-4D97-AF65-F5344CB8AC3E}">
         <p14:creationId xmlns:p14="http://schemas.microsoft.com/office/powerpoint/2010/main" val="3430050712"/>
+      </p:ext>
+    </p:extLst>
+  </p:cSld>
+  <p:clrMapOvr>
+    <a:masterClrMapping/>
+  </p:clrMapOvr>
+</p:sld>
+</file>
+
+<file path=ppt/slides/slide3.xml><?xml version="1.0" encoding="utf-8"?>
+<p:sld xmlns:a="http://schemas.openxmlformats.org/drawingml/2006/main" xmlns:r="http://schemas.openxmlformats.org/officeDocument/2006/relationships" xmlns:p="http://schemas.openxmlformats.org/presentationml/2006/main">
+  <p:cSld>
+    <p:bg>
+      <p:bgPr>
+        <a:gradFill>
+          <a:gsLst>
+            <a:gs pos="0">
+              <a:schemeClr val="accent1">
+                <a:lumMod val="5000"/>
+                <a:lumOff val="95000"/>
+              </a:schemeClr>
+            </a:gs>
+            <a:gs pos="64000">
+              <a:srgbClr val="AFFFC4"/>
+            </a:gs>
+            <a:gs pos="100000">
+              <a:schemeClr val="accent1">
+                <a:lumMod val="20000"/>
+                <a:lumOff val="80000"/>
+              </a:schemeClr>
+            </a:gs>
+          </a:gsLst>
+          <a:lin ang="5400000" scaled="1"/>
+        </a:gradFill>
+        <a:effectLst/>
+      </p:bgPr>
+    </p:bg>
+    <p:spTree>
+      <p:nvGrpSpPr>
+        <p:cNvPr id="1" name=""/>
+        <p:cNvGrpSpPr/>
+        <p:nvPr/>
+      </p:nvGrpSpPr>
+      <p:grpSpPr>
+        <a:xfrm>
+          <a:off x="0" y="0"/>
+          <a:ext cx="0" cy="0"/>
+          <a:chOff x="0" y="0"/>
+          <a:chExt cx="0" cy="0"/>
+        </a:xfrm>
+      </p:grpSpPr>
+      <p:sp>
+        <p:nvSpPr>
+          <p:cNvPr id="4" name="Titre 1">
+            <a:extLst>
+              <a:ext uri="{FF2B5EF4-FFF2-40B4-BE49-F238E27FC236}">
+                <a16:creationId xmlns:a16="http://schemas.microsoft.com/office/drawing/2014/main" id="{56F5F4B4-6CFD-4EDD-B039-59558692A526}"/>
+              </a:ext>
+            </a:extLst>
+          </p:cNvPr>
+          <p:cNvSpPr>
+            <a:spLocks noGrp="1"/>
+          </p:cNvSpPr>
+          <p:nvPr>
+            <p:ph type="title"/>
+          </p:nvPr>
+        </p:nvSpPr>
+        <p:spPr>
+          <a:xfrm>
+            <a:off x="838200" y="18255"/>
+            <a:ext cx="10515600" cy="1325563"/>
+          </a:xfrm>
+        </p:spPr>
+        <p:txBody>
+          <a:bodyPr>
+            <a:normAutofit/>
+          </a:bodyPr>
+          <a:lstStyle/>
+          <a:p>
+            <a:pPr algn="ctr"/>
+            <a:r>
+              <a:rPr lang="pt-BR" sz="3600" i="1" dirty="0"/>
+              <a:t>Lactobacillus heleveticus </a:t>
+            </a:r>
+            <a:r>
+              <a:rPr lang="pt-BR" sz="3600" dirty="0"/>
+              <a:t>Genome De Novo Assembly</a:t>
+            </a:r>
+            <a:endParaRPr lang="fr-CH" sz="2800" i="1" dirty="0"/>
+          </a:p>
+        </p:txBody>
+      </p:sp>
+      <p:pic>
+        <p:nvPicPr>
+          <p:cNvPr id="5" name="Image 4">
+            <a:extLst>
+              <a:ext uri="{FF2B5EF4-FFF2-40B4-BE49-F238E27FC236}">
+                <a16:creationId xmlns:a16="http://schemas.microsoft.com/office/drawing/2014/main" id="{0576B460-8C4E-4890-BBCD-A295FFDDCE46}"/>
+              </a:ext>
+            </a:extLst>
+          </p:cNvPr>
+          <p:cNvPicPr>
+            <a:picLocks noChangeAspect="1"/>
+          </p:cNvPicPr>
+          <p:nvPr/>
+        </p:nvPicPr>
+        <p:blipFill>
+          <a:blip r:embed="rId2">
+            <a:clrChange>
+              <a:clrFrom>
+                <a:srgbClr val="FFFFFF"/>
+              </a:clrFrom>
+              <a:clrTo>
+                <a:srgbClr val="FFFFFF">
+                  <a:alpha val="0"/>
+                </a:srgbClr>
+              </a:clrTo>
+            </a:clrChange>
+          </a:blip>
+          <a:stretch>
+            <a:fillRect/>
+          </a:stretch>
+        </p:blipFill>
+        <p:spPr>
+          <a:xfrm>
+            <a:off x="447676" y="1132608"/>
+            <a:ext cx="4584046" cy="2401167"/>
+          </a:xfrm>
+          <a:prstGeom prst="rect">
+            <a:avLst/>
+          </a:prstGeom>
+        </p:spPr>
+      </p:pic>
+      <p:cxnSp>
+        <p:nvCxnSpPr>
+          <p:cNvPr id="7" name="Connecteur droit 6">
+            <a:extLst>
+              <a:ext uri="{FF2B5EF4-FFF2-40B4-BE49-F238E27FC236}">
+                <a16:creationId xmlns:a16="http://schemas.microsoft.com/office/drawing/2014/main" id="{CCA79F0E-EA00-400F-AC57-7F00E17B2CB6}"/>
+              </a:ext>
+            </a:extLst>
+          </p:cNvPr>
+          <p:cNvCxnSpPr>
+            <a:cxnSpLocks/>
+          </p:cNvCxnSpPr>
+          <p:nvPr/>
+        </p:nvCxnSpPr>
+        <p:spPr>
+          <a:xfrm flipV="1">
+            <a:off x="4638675" y="2628902"/>
+            <a:ext cx="497681" cy="1"/>
+          </a:xfrm>
+          <a:prstGeom prst="line">
+            <a:avLst/>
+          </a:prstGeom>
+          <a:ln w="12700">
+            <a:solidFill>
+              <a:schemeClr val="accent1"/>
+            </a:solidFill>
+          </a:ln>
+        </p:spPr>
+        <p:style>
+          <a:lnRef idx="1">
+            <a:schemeClr val="accent2"/>
+          </a:lnRef>
+          <a:fillRef idx="0">
+            <a:schemeClr val="accent2"/>
+          </a:fillRef>
+          <a:effectRef idx="0">
+            <a:schemeClr val="accent2"/>
+          </a:effectRef>
+          <a:fontRef idx="minor">
+            <a:schemeClr val="tx1"/>
+          </a:fontRef>
+        </p:style>
+      </p:cxnSp>
+      <p:cxnSp>
+        <p:nvCxnSpPr>
+          <p:cNvPr id="11" name="Connecteur droit 10">
+            <a:extLst>
+              <a:ext uri="{FF2B5EF4-FFF2-40B4-BE49-F238E27FC236}">
+                <a16:creationId xmlns:a16="http://schemas.microsoft.com/office/drawing/2014/main" id="{7D98AD68-D649-4B61-8284-7A65853B4054}"/>
+              </a:ext>
+            </a:extLst>
+          </p:cNvPr>
+          <p:cNvCxnSpPr>
+            <a:cxnSpLocks/>
+          </p:cNvCxnSpPr>
+          <p:nvPr/>
+        </p:nvCxnSpPr>
+        <p:spPr>
+          <a:xfrm flipV="1">
+            <a:off x="5136356" y="2228851"/>
+            <a:ext cx="292894" cy="400051"/>
+          </a:xfrm>
+          <a:prstGeom prst="line">
+            <a:avLst/>
+          </a:prstGeom>
+          <a:ln w="12700"/>
+        </p:spPr>
+        <p:style>
+          <a:lnRef idx="1">
+            <a:schemeClr val="accent1"/>
+          </a:lnRef>
+          <a:fillRef idx="0">
+            <a:schemeClr val="accent1"/>
+          </a:fillRef>
+          <a:effectRef idx="0">
+            <a:schemeClr val="accent1"/>
+          </a:effectRef>
+          <a:fontRef idx="minor">
+            <a:schemeClr val="tx1"/>
+          </a:fontRef>
+        </p:style>
+      </p:cxnSp>
+      <p:cxnSp>
+        <p:nvCxnSpPr>
+          <p:cNvPr id="13" name="Connecteur droit 12">
+            <a:extLst>
+              <a:ext uri="{FF2B5EF4-FFF2-40B4-BE49-F238E27FC236}">
+                <a16:creationId xmlns:a16="http://schemas.microsoft.com/office/drawing/2014/main" id="{0C4116E1-1547-4BF4-97F4-BBC1A94E7DF5}"/>
+              </a:ext>
+            </a:extLst>
+          </p:cNvPr>
+          <p:cNvCxnSpPr/>
+          <p:nvPr/>
+        </p:nvCxnSpPr>
+        <p:spPr>
+          <a:xfrm>
+            <a:off x="5429250" y="2228850"/>
+            <a:ext cx="1638300" cy="0"/>
+          </a:xfrm>
+          <a:prstGeom prst="line">
+            <a:avLst/>
+          </a:prstGeom>
+          <a:ln w="12700"/>
+        </p:spPr>
+        <p:style>
+          <a:lnRef idx="1">
+            <a:schemeClr val="accent1"/>
+          </a:lnRef>
+          <a:fillRef idx="0">
+            <a:schemeClr val="accent1"/>
+          </a:fillRef>
+          <a:effectRef idx="0">
+            <a:schemeClr val="accent1"/>
+          </a:effectRef>
+          <a:fontRef idx="minor">
+            <a:schemeClr val="tx1"/>
+          </a:fontRef>
+        </p:style>
+      </p:cxnSp>
+      <p:sp>
+        <p:nvSpPr>
+          <p:cNvPr id="14" name="ZoneTexte 13">
+            <a:extLst>
+              <a:ext uri="{FF2B5EF4-FFF2-40B4-BE49-F238E27FC236}">
+                <a16:creationId xmlns:a16="http://schemas.microsoft.com/office/drawing/2014/main" id="{913A58B2-138C-4FD1-8E82-B262F825E690}"/>
+              </a:ext>
+            </a:extLst>
+          </p:cNvPr>
+          <p:cNvSpPr txBox="1"/>
+          <p:nvPr/>
+        </p:nvSpPr>
+        <p:spPr>
+          <a:xfrm>
+            <a:off x="7160280" y="2044184"/>
+            <a:ext cx="4543424" cy="369332"/>
+          </a:xfrm>
+          <a:prstGeom prst="rect">
+            <a:avLst/>
+          </a:prstGeom>
+          <a:noFill/>
+        </p:spPr>
+        <p:txBody>
+          <a:bodyPr wrap="square" rtlCol="0">
+            <a:spAutoFit/>
+          </a:bodyPr>
+          <a:lstStyle/>
+          <a:p>
+            <a:r>
+              <a:rPr lang="en-GB" dirty="0"/>
+              <a:t>3 strains show a specific PGH activity, 3 do not.  </a:t>
+            </a:r>
+          </a:p>
+        </p:txBody>
+      </p:sp>
+      <p:sp>
+        <p:nvSpPr>
+          <p:cNvPr id="16" name="ZoneTexte 15">
+            <a:extLst>
+              <a:ext uri="{FF2B5EF4-FFF2-40B4-BE49-F238E27FC236}">
+                <a16:creationId xmlns:a16="http://schemas.microsoft.com/office/drawing/2014/main" id="{B61E0F37-FE66-47AC-8115-04F89C56207A}"/>
+              </a:ext>
+            </a:extLst>
+          </p:cNvPr>
+          <p:cNvSpPr txBox="1"/>
+          <p:nvPr/>
+        </p:nvSpPr>
+        <p:spPr>
+          <a:xfrm>
+            <a:off x="5429250" y="1669711"/>
+            <a:ext cx="6572250" cy="369332"/>
+          </a:xfrm>
+          <a:prstGeom prst="rect">
+            <a:avLst/>
+          </a:prstGeom>
+          <a:noFill/>
+        </p:spPr>
+        <p:txBody>
+          <a:bodyPr wrap="square" rtlCol="0">
+            <a:spAutoFit/>
+          </a:bodyPr>
+          <a:lstStyle/>
+          <a:p>
+            <a:r>
+              <a:rPr lang="fr-CH" dirty="0" err="1"/>
+              <a:t>Peptidoglycan</a:t>
+            </a:r>
+            <a:r>
+              <a:rPr lang="fr-CH" dirty="0"/>
+              <a:t> hydrolases (</a:t>
+            </a:r>
+            <a:r>
+              <a:rPr lang="fr-CH" dirty="0" err="1"/>
+              <a:t>PGHs</a:t>
+            </a:r>
+            <a:r>
+              <a:rPr lang="fr-CH" dirty="0"/>
+              <a:t>): enzymes </a:t>
+            </a:r>
+            <a:r>
+              <a:rPr lang="fr-CH" dirty="0" err="1"/>
+              <a:t>used</a:t>
+            </a:r>
+            <a:r>
+              <a:rPr lang="fr-CH" dirty="0"/>
+              <a:t> in </a:t>
+            </a:r>
+            <a:r>
+              <a:rPr lang="fr-CH" dirty="0" err="1"/>
+              <a:t>cheese</a:t>
+            </a:r>
+            <a:r>
+              <a:rPr lang="fr-CH" dirty="0"/>
+              <a:t> </a:t>
+            </a:r>
+            <a:r>
+              <a:rPr lang="fr-CH" dirty="0" err="1"/>
+              <a:t>ripening</a:t>
+            </a:r>
+            <a:endParaRPr lang="fr-CH" dirty="0"/>
+          </a:p>
+        </p:txBody>
+      </p:sp>
+      <p:pic>
+        <p:nvPicPr>
+          <p:cNvPr id="17" name="Image 16">
+            <a:extLst>
+              <a:ext uri="{FF2B5EF4-FFF2-40B4-BE49-F238E27FC236}">
+                <a16:creationId xmlns:a16="http://schemas.microsoft.com/office/drawing/2014/main" id="{732D0C61-9B20-4659-AC60-46D2798F80C4}"/>
+              </a:ext>
+            </a:extLst>
+          </p:cNvPr>
+          <p:cNvPicPr>
+            <a:picLocks noChangeAspect="1"/>
+          </p:cNvPicPr>
+          <p:nvPr/>
+        </p:nvPicPr>
+        <p:blipFill>
+          <a:blip r:embed="rId3"/>
+          <a:stretch>
+            <a:fillRect/>
+          </a:stretch>
+        </p:blipFill>
+        <p:spPr>
+          <a:xfrm>
+            <a:off x="735846" y="3671898"/>
+            <a:ext cx="976230" cy="976230"/>
+          </a:xfrm>
+          <a:prstGeom prst="rect">
+            <a:avLst/>
+          </a:prstGeom>
+        </p:spPr>
+      </p:pic>
+      <p:pic>
+        <p:nvPicPr>
+          <p:cNvPr id="18" name="Image 17">
+            <a:extLst>
+              <a:ext uri="{FF2B5EF4-FFF2-40B4-BE49-F238E27FC236}">
+                <a16:creationId xmlns:a16="http://schemas.microsoft.com/office/drawing/2014/main" id="{6A174524-EF97-47A8-A030-014B2C91C1C2}"/>
+              </a:ext>
+            </a:extLst>
+          </p:cNvPr>
+          <p:cNvPicPr>
+            <a:picLocks noChangeAspect="1"/>
+          </p:cNvPicPr>
+          <p:nvPr/>
+        </p:nvPicPr>
+        <p:blipFill>
+          <a:blip r:embed="rId4"/>
+          <a:stretch>
+            <a:fillRect/>
+          </a:stretch>
+        </p:blipFill>
+        <p:spPr>
+          <a:xfrm>
+            <a:off x="735846" y="4749162"/>
+            <a:ext cx="976230" cy="976230"/>
+          </a:xfrm>
+          <a:prstGeom prst="rect">
+            <a:avLst/>
+          </a:prstGeom>
+        </p:spPr>
+      </p:pic>
+      <p:sp>
+        <p:nvSpPr>
+          <p:cNvPr id="19" name="ZoneTexte 18">
+            <a:extLst>
+              <a:ext uri="{FF2B5EF4-FFF2-40B4-BE49-F238E27FC236}">
+                <a16:creationId xmlns:a16="http://schemas.microsoft.com/office/drawing/2014/main" id="{BD434ACE-4D77-4A6D-985F-5AEF701E94DD}"/>
+              </a:ext>
+            </a:extLst>
+          </p:cNvPr>
+          <p:cNvSpPr txBox="1"/>
+          <p:nvPr/>
+        </p:nvSpPr>
+        <p:spPr>
+          <a:xfrm>
+            <a:off x="5429250" y="2818710"/>
+            <a:ext cx="5807730" cy="369332"/>
+          </a:xfrm>
+          <a:prstGeom prst="rect">
+            <a:avLst/>
+          </a:prstGeom>
+          <a:noFill/>
+        </p:spPr>
+        <p:txBody>
+          <a:bodyPr wrap="square" rtlCol="0">
+            <a:spAutoFit/>
+          </a:bodyPr>
+          <a:lstStyle/>
+          <a:p>
+            <a:r>
+              <a:rPr lang="fr-CH" dirty="0"/>
+              <a:t>New </a:t>
+            </a:r>
+            <a:r>
+              <a:rPr lang="fr-CH" dirty="0" err="1"/>
+              <a:t>gene</a:t>
+            </a:r>
+            <a:r>
+              <a:rPr lang="fr-CH" dirty="0"/>
+              <a:t> in a group or </a:t>
+            </a:r>
+            <a:r>
+              <a:rPr lang="fr-CH" dirty="0" err="1"/>
+              <a:t>loss</a:t>
+            </a:r>
+            <a:r>
+              <a:rPr lang="fr-CH" dirty="0"/>
+              <a:t> of </a:t>
+            </a:r>
+            <a:r>
+              <a:rPr lang="fr-CH" dirty="0" err="1"/>
+              <a:t>gene</a:t>
+            </a:r>
+            <a:r>
+              <a:rPr lang="fr-CH" dirty="0"/>
+              <a:t> </a:t>
+            </a:r>
+            <a:r>
+              <a:rPr lang="fr-CH" dirty="0" err="1"/>
+              <a:t>product</a:t>
+            </a:r>
+            <a:r>
+              <a:rPr lang="fr-CH" dirty="0"/>
+              <a:t> in the </a:t>
+            </a:r>
+            <a:r>
+              <a:rPr lang="fr-CH" dirty="0" err="1"/>
+              <a:t>other</a:t>
+            </a:r>
+            <a:r>
+              <a:rPr lang="fr-CH" dirty="0"/>
+              <a:t> ?</a:t>
+            </a:r>
+          </a:p>
+        </p:txBody>
+      </p:sp>
+      <p:sp>
+        <p:nvSpPr>
+          <p:cNvPr id="20" name="ZoneTexte 19">
+            <a:extLst>
+              <a:ext uri="{FF2B5EF4-FFF2-40B4-BE49-F238E27FC236}">
+                <a16:creationId xmlns:a16="http://schemas.microsoft.com/office/drawing/2014/main" id="{236502B9-600A-4E1E-98F3-D2AF7E1A8F44}"/>
+              </a:ext>
+            </a:extLst>
+          </p:cNvPr>
+          <p:cNvSpPr txBox="1"/>
+          <p:nvPr/>
+        </p:nvSpPr>
+        <p:spPr>
+          <a:xfrm>
+            <a:off x="4562764" y="2413516"/>
+            <a:ext cx="738833" cy="261610"/>
+          </a:xfrm>
+          <a:prstGeom prst="rect">
+            <a:avLst/>
+          </a:prstGeom>
+          <a:noFill/>
+        </p:spPr>
+        <p:txBody>
+          <a:bodyPr wrap="square" rtlCol="0">
+            <a:spAutoFit/>
+          </a:bodyPr>
+          <a:lstStyle/>
+          <a:p>
+            <a:r>
+              <a:rPr lang="fr-CH" sz="1100" dirty="0"/>
+              <a:t>~30 kDa</a:t>
+            </a:r>
+          </a:p>
+        </p:txBody>
+      </p:sp>
+      <p:sp>
+        <p:nvSpPr>
+          <p:cNvPr id="27" name="ZoneTexte 26">
+            <a:extLst>
+              <a:ext uri="{FF2B5EF4-FFF2-40B4-BE49-F238E27FC236}">
+                <a16:creationId xmlns:a16="http://schemas.microsoft.com/office/drawing/2014/main" id="{3535C362-498C-4389-8285-D8E21C7DE29E}"/>
+              </a:ext>
+            </a:extLst>
+          </p:cNvPr>
+          <p:cNvSpPr txBox="1"/>
+          <p:nvPr/>
+        </p:nvSpPr>
+        <p:spPr>
+          <a:xfrm>
+            <a:off x="4619120" y="2609901"/>
+            <a:ext cx="738833" cy="261610"/>
+          </a:xfrm>
+          <a:prstGeom prst="rect">
+            <a:avLst/>
+          </a:prstGeom>
+          <a:noFill/>
+        </p:spPr>
+        <p:txBody>
+          <a:bodyPr wrap="square" rtlCol="0">
+            <a:spAutoFit/>
+          </a:bodyPr>
+          <a:lstStyle/>
+          <a:p>
+            <a:r>
+              <a:rPr lang="fr-CH" sz="1100" dirty="0"/>
+              <a:t>810 </a:t>
+            </a:r>
+            <a:r>
+              <a:rPr lang="fr-CH" sz="1100" dirty="0" err="1"/>
+              <a:t>bp</a:t>
+            </a:r>
+            <a:endParaRPr lang="fr-CH" sz="1100" dirty="0"/>
+          </a:p>
+        </p:txBody>
+      </p:sp>
+      <p:sp>
+        <p:nvSpPr>
+          <p:cNvPr id="25" name="ZoneTexte 24">
+            <a:extLst>
+              <a:ext uri="{FF2B5EF4-FFF2-40B4-BE49-F238E27FC236}">
+                <a16:creationId xmlns:a16="http://schemas.microsoft.com/office/drawing/2014/main" id="{2CE85DCB-0259-4C60-95EE-4D3974A84A42}"/>
+              </a:ext>
+            </a:extLst>
+          </p:cNvPr>
+          <p:cNvSpPr txBox="1"/>
+          <p:nvPr/>
+        </p:nvSpPr>
+        <p:spPr>
+          <a:xfrm>
+            <a:off x="5429250" y="3758441"/>
+            <a:ext cx="6108155" cy="2031325"/>
+          </a:xfrm>
+          <a:prstGeom prst="rect">
+            <a:avLst/>
+          </a:prstGeom>
+          <a:noFill/>
+        </p:spPr>
+        <p:txBody>
+          <a:bodyPr wrap="square" rtlCol="0">
+            <a:spAutoFit/>
+          </a:bodyPr>
+          <a:lstStyle/>
+          <a:p>
+            <a:r>
+              <a:rPr lang="fr-CH" dirty="0"/>
+              <a:t>One </a:t>
+            </a:r>
+            <a:r>
+              <a:rPr lang="fr-CH" dirty="0" err="1"/>
+              <a:t>gene</a:t>
+            </a:r>
+            <a:r>
+              <a:rPr lang="fr-CH" dirty="0"/>
+              <a:t> </a:t>
+            </a:r>
+            <a:r>
+              <a:rPr lang="fr-CH" dirty="0" err="1"/>
+              <a:t>matching</a:t>
+            </a:r>
+            <a:r>
+              <a:rPr lang="fr-CH" dirty="0"/>
+              <a:t> group and size: </a:t>
+            </a:r>
+          </a:p>
+          <a:p>
+            <a:endParaRPr lang="fr-CH" dirty="0"/>
+          </a:p>
+          <a:p>
+            <a:r>
+              <a:rPr lang="fr-CH" dirty="0"/>
+              <a:t>Lhv_2053, </a:t>
+            </a:r>
+            <a:r>
+              <a:rPr lang="fr-CH" dirty="0" err="1"/>
+              <a:t>Lysin</a:t>
+            </a:r>
+            <a:r>
+              <a:rPr lang="fr-CH" dirty="0"/>
+              <a:t>, </a:t>
+            </a:r>
+            <a:r>
+              <a:rPr lang="fr-CH" dirty="0" err="1"/>
+              <a:t>pseudogene</a:t>
+            </a:r>
+            <a:r>
+              <a:rPr lang="fr-CH" dirty="0"/>
+              <a:t> in </a:t>
+            </a:r>
+            <a:r>
+              <a:rPr lang="fr-CH" i="1" dirty="0"/>
+              <a:t>L. </a:t>
+            </a:r>
+            <a:r>
+              <a:rPr lang="fr-CH" i="1" dirty="0" err="1"/>
+              <a:t>helveticus</a:t>
+            </a:r>
+            <a:r>
+              <a:rPr lang="fr-CH" dirty="0"/>
+              <a:t>. </a:t>
+            </a:r>
+          </a:p>
+          <a:p>
+            <a:r>
+              <a:rPr lang="fr-CH" dirty="0"/>
+              <a:t>893 </a:t>
+            </a:r>
+            <a:r>
+              <a:rPr lang="fr-CH" dirty="0" err="1"/>
+              <a:t>bp</a:t>
+            </a:r>
+            <a:r>
+              <a:rPr lang="fr-CH" dirty="0"/>
+              <a:t> / 33 kDa</a:t>
+            </a:r>
+          </a:p>
+          <a:p>
+            <a:endParaRPr lang="fr-CH" dirty="0"/>
+          </a:p>
+          <a:p>
+            <a:endParaRPr lang="fr-CH" dirty="0"/>
+          </a:p>
+          <a:p>
+            <a:r>
+              <a:rPr lang="fr-CH" dirty="0"/>
+              <a:t>Provenance: </a:t>
+            </a:r>
+            <a:r>
+              <a:rPr lang="fr-CH" dirty="0" err="1"/>
+              <a:t>Bacteriophage</a:t>
+            </a:r>
+            <a:r>
+              <a:rPr lang="fr-CH" dirty="0"/>
+              <a:t> Cp-1 </a:t>
+            </a:r>
+          </a:p>
+        </p:txBody>
+      </p:sp>
+      <p:pic>
+        <p:nvPicPr>
+          <p:cNvPr id="28" name="Image 27">
+            <a:extLst>
+              <a:ext uri="{FF2B5EF4-FFF2-40B4-BE49-F238E27FC236}">
+                <a16:creationId xmlns:a16="http://schemas.microsoft.com/office/drawing/2014/main" id="{AF57A512-657A-4CC6-B651-59E47FE9D90C}"/>
+              </a:ext>
+            </a:extLst>
+          </p:cNvPr>
+          <p:cNvPicPr>
+            <a:picLocks noChangeAspect="1"/>
+          </p:cNvPicPr>
+          <p:nvPr/>
+        </p:nvPicPr>
+        <p:blipFill>
+          <a:blip r:embed="rId5"/>
+          <a:stretch>
+            <a:fillRect/>
+          </a:stretch>
+        </p:blipFill>
+        <p:spPr>
+          <a:xfrm>
+            <a:off x="8965325" y="4865350"/>
+            <a:ext cx="933333" cy="1523810"/>
+          </a:xfrm>
+          <a:prstGeom prst="rect">
+            <a:avLst/>
+          </a:prstGeom>
+        </p:spPr>
+      </p:pic>
+      <p:sp>
+        <p:nvSpPr>
+          <p:cNvPr id="29" name="ZoneTexte 28">
+            <a:extLst>
+              <a:ext uri="{FF2B5EF4-FFF2-40B4-BE49-F238E27FC236}">
+                <a16:creationId xmlns:a16="http://schemas.microsoft.com/office/drawing/2014/main" id="{22544A37-9D30-4155-ADA3-AAA1475CF92C}"/>
+              </a:ext>
+            </a:extLst>
+          </p:cNvPr>
+          <p:cNvSpPr txBox="1"/>
+          <p:nvPr/>
+        </p:nvSpPr>
+        <p:spPr>
+          <a:xfrm>
+            <a:off x="2356211" y="4186463"/>
+            <a:ext cx="2780145" cy="923330"/>
+          </a:xfrm>
+          <a:prstGeom prst="rect">
+            <a:avLst/>
+          </a:prstGeom>
+          <a:noFill/>
+        </p:spPr>
+        <p:txBody>
+          <a:bodyPr wrap="square" rtlCol="0">
+            <a:spAutoFit/>
+          </a:bodyPr>
+          <a:lstStyle/>
+          <a:p>
+            <a:r>
+              <a:rPr lang="fr-CH" dirty="0"/>
+              <a:t>Assemble</a:t>
+            </a:r>
+          </a:p>
+          <a:p>
+            <a:r>
+              <a:rPr lang="fr-CH" dirty="0" err="1"/>
+              <a:t>Annotate</a:t>
+            </a:r>
+            <a:endParaRPr lang="fr-CH" dirty="0"/>
+          </a:p>
+          <a:p>
+            <a:r>
+              <a:rPr lang="fr-CH" dirty="0"/>
+              <a:t>Compare</a:t>
+            </a:r>
+          </a:p>
+        </p:txBody>
+      </p:sp>
+    </p:spTree>
+    <p:extLst>
+      <p:ext uri="{BB962C8B-B14F-4D97-AF65-F5344CB8AC3E}">
+        <p14:creationId xmlns:p14="http://schemas.microsoft.com/office/powerpoint/2010/main" val="1551224904"/>
       </p:ext>
     </p:extLst>
   </p:cSld>

--- a/Presentation/BC7107_Schowing.pptx
+++ b/Presentation/BC7107_Schowing.pptx
@@ -199,7 +199,7 @@
           <a:p>
             <a:fld id="{837851E2-4F80-458A-82DA-3FEE6873B106}" type="datetimeFigureOut">
               <a:rPr lang="fr-CH" smtClean="0"/>
-              <a:t>11.01.2020</a:t>
+              <a:t>21.01.2020</a:t>
             </a:fld>
             <a:endParaRPr lang="fr-CH"/>
           </a:p>
@@ -708,52 +708,6 @@
           <a:p>
             <a:r>
               <a:rPr lang="fr-CH" dirty="0"/>
-              <a:t>GAI – </a:t>
-            </a:r>
-            <a:r>
-              <a:rPr lang="fr-CH" dirty="0" err="1"/>
-              <a:t>Giberellic</a:t>
-            </a:r>
-            <a:r>
-              <a:rPr lang="fr-CH" dirty="0"/>
-              <a:t> Acid </a:t>
-            </a:r>
-            <a:r>
-              <a:rPr lang="fr-CH" dirty="0" err="1"/>
-              <a:t>Insensitive</a:t>
-            </a:r>
-            <a:r>
-              <a:rPr lang="fr-CH" dirty="0"/>
-              <a:t> – Plants </a:t>
-            </a:r>
-            <a:r>
-              <a:rPr lang="fr-CH" dirty="0" err="1"/>
-              <a:t>deficients</a:t>
-            </a:r>
-            <a:r>
-              <a:rPr lang="fr-CH" dirty="0"/>
-              <a:t> in </a:t>
-            </a:r>
-            <a:r>
-              <a:rPr lang="fr-CH" dirty="0" err="1"/>
-              <a:t>biosynthesis</a:t>
-            </a:r>
-            <a:r>
-              <a:rPr lang="fr-CH" dirty="0"/>
-              <a:t> of </a:t>
-            </a:r>
-            <a:r>
-              <a:rPr lang="fr-CH" dirty="0" err="1"/>
-              <a:t>Giberellic</a:t>
-            </a:r>
-            <a:r>
-              <a:rPr lang="fr-CH" dirty="0"/>
-              <a:t> Acid </a:t>
-            </a:r>
-          </a:p>
-          <a:p>
-            <a:r>
-              <a:rPr lang="fr-CH" dirty="0"/>
               <a:t>Modulation of plant </a:t>
             </a:r>
             <a:r>
@@ -778,11 +732,200 @@
             </a:r>
             <a:r>
               <a:rPr lang="fr-CH" dirty="0"/>
-              <a:t> to GA</a:t>
-            </a:r>
-          </a:p>
-          <a:p>
+              <a:t> to GA </a:t>
+            </a:r>
+            <a:r>
+              <a:rPr lang="fr-CH" b="1" dirty="0"/>
+              <a:t>(GA </a:t>
+            </a:r>
+            <a:r>
+              <a:rPr lang="fr-CH" b="1" dirty="0" err="1"/>
+              <a:t>promotes</a:t>
+            </a:r>
+            <a:r>
+              <a:rPr lang="fr-CH" b="1" dirty="0"/>
+              <a:t> </a:t>
+            </a:r>
+            <a:r>
+              <a:rPr lang="fr-CH" b="1" dirty="0" err="1"/>
+              <a:t>growth</a:t>
+            </a:r>
+            <a:r>
+              <a:rPr lang="fr-CH" b="1" dirty="0"/>
+              <a:t>)</a:t>
+            </a:r>
+            <a:r>
+              <a:rPr lang="fr-CH" b="0" dirty="0"/>
+              <a:t> </a:t>
+            </a:r>
+            <a:endParaRPr lang="fr-CH" b="1" dirty="0"/>
+          </a:p>
+          <a:p>
+            <a:r>
+              <a:rPr lang="fr-CH" dirty="0"/>
+              <a:t>Mutation in DELLA-</a:t>
+            </a:r>
+            <a:r>
+              <a:rPr lang="fr-CH" dirty="0" err="1"/>
+              <a:t>domain</a:t>
+            </a:r>
+            <a:r>
+              <a:rPr lang="fr-CH" dirty="0"/>
+              <a:t> </a:t>
+            </a:r>
+            <a:r>
+              <a:rPr lang="fr-CH" dirty="0" err="1"/>
+              <a:t>prevents</a:t>
+            </a:r>
+            <a:r>
+              <a:rPr lang="fr-CH" dirty="0"/>
+              <a:t> DELLA </a:t>
+            </a:r>
+            <a:r>
+              <a:rPr lang="fr-CH" dirty="0" err="1"/>
+              <a:t>from</a:t>
+            </a:r>
+            <a:r>
+              <a:rPr lang="fr-CH" dirty="0"/>
+              <a:t> binding to GA-</a:t>
+            </a:r>
+            <a:r>
+              <a:rPr lang="fr-CH" dirty="0" err="1"/>
+              <a:t>loaded</a:t>
+            </a:r>
+            <a:r>
+              <a:rPr lang="fr-CH" dirty="0"/>
+              <a:t> GID1 and </a:t>
+            </a:r>
+            <a:r>
+              <a:rPr lang="fr-CH" dirty="0" err="1"/>
+              <a:t>renders</a:t>
+            </a:r>
+            <a:r>
+              <a:rPr lang="fr-CH" dirty="0"/>
+              <a:t> </a:t>
+            </a:r>
+            <a:r>
+              <a:rPr lang="fr-CH" dirty="0" err="1"/>
+              <a:t>it</a:t>
+            </a:r>
+            <a:r>
+              <a:rPr lang="fr-CH" dirty="0"/>
+              <a:t> </a:t>
+            </a:r>
+            <a:r>
+              <a:rPr lang="fr-CH" dirty="0" err="1"/>
+              <a:t>resistant</a:t>
+            </a:r>
+            <a:r>
+              <a:rPr lang="fr-CH" dirty="0"/>
+              <a:t> to </a:t>
+            </a:r>
+            <a:r>
+              <a:rPr lang="fr-CH" dirty="0" err="1"/>
+              <a:t>degradation</a:t>
+            </a:r>
+            <a:r>
+              <a:rPr lang="fr-CH" dirty="0"/>
+              <a:t> -&gt; </a:t>
+            </a:r>
+            <a:r>
+              <a:rPr lang="fr-CH" b="1" dirty="0"/>
+              <a:t>gain-of-</a:t>
+            </a:r>
+            <a:r>
+              <a:rPr lang="fr-CH" b="1" dirty="0" err="1"/>
+              <a:t>function</a:t>
+            </a:r>
+            <a:r>
+              <a:rPr lang="fr-CH" b="0" dirty="0"/>
+              <a:t>, </a:t>
+            </a:r>
             <a:endParaRPr lang="fr-CH" dirty="0"/>
+          </a:p>
+          <a:p>
+            <a:r>
+              <a:rPr lang="fr-CH" dirty="0"/>
+              <a:t>Mutation in GRAS-</a:t>
+            </a:r>
+            <a:r>
+              <a:rPr lang="fr-CH" dirty="0" err="1"/>
+              <a:t>domain</a:t>
+            </a:r>
+            <a:r>
+              <a:rPr lang="fr-CH" dirty="0"/>
+              <a:t> </a:t>
+            </a:r>
+            <a:r>
+              <a:rPr lang="fr-CH" dirty="0" err="1"/>
+              <a:t>may</a:t>
+            </a:r>
+            <a:r>
+              <a:rPr lang="fr-CH" dirty="0"/>
+              <a:t> lead to an inactive </a:t>
+            </a:r>
+            <a:r>
+              <a:rPr lang="fr-CH" dirty="0" err="1"/>
+              <a:t>protein</a:t>
+            </a:r>
+            <a:r>
+              <a:rPr lang="fr-CH" dirty="0"/>
+              <a:t>, </a:t>
+            </a:r>
+            <a:r>
+              <a:rPr lang="fr-CH" dirty="0" err="1"/>
+              <a:t>cannot</a:t>
+            </a:r>
+            <a:r>
+              <a:rPr lang="fr-CH" dirty="0"/>
+              <a:t> </a:t>
+            </a:r>
+            <a:r>
+              <a:rPr lang="fr-CH" dirty="0" err="1"/>
+              <a:t>repress</a:t>
+            </a:r>
+            <a:r>
+              <a:rPr lang="fr-CH" dirty="0"/>
+              <a:t> TF -&gt; </a:t>
+            </a:r>
+            <a:r>
+              <a:rPr lang="fr-CH" b="1" dirty="0" err="1"/>
+              <a:t>loss</a:t>
+            </a:r>
+            <a:r>
+              <a:rPr lang="fr-CH" b="1" dirty="0"/>
+              <a:t> of </a:t>
+            </a:r>
+            <a:r>
+              <a:rPr lang="fr-CH" b="1" dirty="0" err="1"/>
+              <a:t>function</a:t>
+            </a:r>
+            <a:endParaRPr lang="fr-CH" dirty="0"/>
+          </a:p>
+          <a:p>
+            <a:endParaRPr lang="fr-CH" dirty="0"/>
+          </a:p>
+          <a:p>
+            <a:r>
+              <a:rPr lang="fr-CH" dirty="0"/>
+              <a:t>Inactive or </a:t>
+            </a:r>
+            <a:r>
+              <a:rPr lang="fr-CH" dirty="0" err="1"/>
+              <a:t>resistent</a:t>
+            </a:r>
+            <a:r>
+              <a:rPr lang="fr-CH" dirty="0"/>
+              <a:t> to </a:t>
+            </a:r>
+            <a:r>
+              <a:rPr lang="fr-CH" dirty="0" err="1"/>
+              <a:t>degradation</a:t>
+            </a:r>
+            <a:r>
+              <a:rPr lang="fr-CH" dirty="0"/>
+              <a:t> </a:t>
+            </a:r>
           </a:p>
         </p:txBody>
       </p:sp>
@@ -813,6 +956,105 @@
     <p:extLst>
       <p:ext uri="{BB962C8B-B14F-4D97-AF65-F5344CB8AC3E}">
         <p14:creationId xmlns:p14="http://schemas.microsoft.com/office/powerpoint/2010/main" val="3783833451"/>
+      </p:ext>
+    </p:extLst>
+  </p:cSld>
+  <p:clrMapOvr>
+    <a:masterClrMapping/>
+  </p:clrMapOvr>
+</p:notes>
+</file>
+
+<file path=ppt/notesSlides/notesSlide3.xml><?xml version="1.0" encoding="utf-8"?>
+<p:notes xmlns:a="http://schemas.openxmlformats.org/drawingml/2006/main" xmlns:r="http://schemas.openxmlformats.org/officeDocument/2006/relationships" xmlns:p="http://schemas.openxmlformats.org/presentationml/2006/main">
+  <p:cSld>
+    <p:spTree>
+      <p:nvGrpSpPr>
+        <p:cNvPr id="1" name=""/>
+        <p:cNvGrpSpPr/>
+        <p:nvPr/>
+      </p:nvGrpSpPr>
+      <p:grpSpPr>
+        <a:xfrm>
+          <a:off x="0" y="0"/>
+          <a:ext cx="0" cy="0"/>
+          <a:chOff x="0" y="0"/>
+          <a:chExt cx="0" cy="0"/>
+        </a:xfrm>
+      </p:grpSpPr>
+      <p:sp>
+        <p:nvSpPr>
+          <p:cNvPr id="2" name="Espace réservé de l'image des diapositives 1"/>
+          <p:cNvSpPr>
+            <a:spLocks noGrp="1" noRot="1" noChangeAspect="1"/>
+          </p:cNvSpPr>
+          <p:nvPr>
+            <p:ph type="sldImg"/>
+          </p:nvPr>
+        </p:nvSpPr>
+        <p:spPr/>
+      </p:sp>
+      <p:sp>
+        <p:nvSpPr>
+          <p:cNvPr id="3" name="Espace réservé des notes 2"/>
+          <p:cNvSpPr>
+            <a:spLocks noGrp="1"/>
+          </p:cNvSpPr>
+          <p:nvPr>
+            <p:ph type="body" idx="1"/>
+          </p:nvPr>
+        </p:nvSpPr>
+        <p:spPr/>
+        <p:txBody>
+          <a:bodyPr/>
+          <a:lstStyle/>
+          <a:p>
+            <a:r>
+              <a:rPr lang="en-GB" dirty="0"/>
+              <a:t>Here we try to find what causes the activity shown in the zymography. </a:t>
+            </a:r>
+          </a:p>
+          <a:p>
+            <a:r>
+              <a:rPr lang="en-GB" dirty="0"/>
+              <a:t>After having sequenced, assembled and annotated their genome, we compared them and found that the strains showing the activity possess a Lysin pseudogene that might produce a protein with a matching molecular weight. </a:t>
+            </a:r>
+          </a:p>
+          <a:p>
+            <a:endParaRPr lang="en-GB" dirty="0"/>
+          </a:p>
+          <a:p>
+            <a:endParaRPr lang="en-GB" dirty="0"/>
+          </a:p>
+        </p:txBody>
+      </p:sp>
+      <p:sp>
+        <p:nvSpPr>
+          <p:cNvPr id="4" name="Espace réservé du numéro de diapositive 3"/>
+          <p:cNvSpPr>
+            <a:spLocks noGrp="1"/>
+          </p:cNvSpPr>
+          <p:nvPr>
+            <p:ph type="sldNum" sz="quarter" idx="5"/>
+          </p:nvPr>
+        </p:nvSpPr>
+        <p:spPr/>
+        <p:txBody>
+          <a:bodyPr/>
+          <a:lstStyle/>
+          <a:p>
+            <a:fld id="{D6139E6F-7A80-4686-83D5-3D60AE3F6DD8}" type="slidenum">
+              <a:rPr lang="fr-CH" smtClean="0"/>
+              <a:t>3</a:t>
+            </a:fld>
+            <a:endParaRPr lang="fr-CH"/>
+          </a:p>
+        </p:txBody>
+      </p:sp>
+    </p:spTree>
+    <p:extLst>
+      <p:ext uri="{BB962C8B-B14F-4D97-AF65-F5344CB8AC3E}">
+        <p14:creationId xmlns:p14="http://schemas.microsoft.com/office/powerpoint/2010/main" val="2452225864"/>
       </p:ext>
     </p:extLst>
   </p:cSld>
@@ -971,7 +1213,7 @@
           <a:p>
             <a:fld id="{8AC31CE9-DC4A-423F-9343-8758E8045185}" type="datetimeFigureOut">
               <a:rPr lang="en-GB" smtClean="0"/>
-              <a:t>11/01/2020</a:t>
+              <a:t>21/01/2020</a:t>
             </a:fld>
             <a:endParaRPr lang="en-GB"/>
           </a:p>
@@ -1171,7 +1413,7 @@
           <a:p>
             <a:fld id="{8AC31CE9-DC4A-423F-9343-8758E8045185}" type="datetimeFigureOut">
               <a:rPr lang="en-GB" smtClean="0"/>
-              <a:t>11/01/2020</a:t>
+              <a:t>21/01/2020</a:t>
             </a:fld>
             <a:endParaRPr lang="en-GB"/>
           </a:p>
@@ -1381,7 +1623,7 @@
           <a:p>
             <a:fld id="{8AC31CE9-DC4A-423F-9343-8758E8045185}" type="datetimeFigureOut">
               <a:rPr lang="en-GB" smtClean="0"/>
-              <a:t>11/01/2020</a:t>
+              <a:t>21/01/2020</a:t>
             </a:fld>
             <a:endParaRPr lang="en-GB"/>
           </a:p>
@@ -1581,7 +1823,7 @@
           <a:p>
             <a:fld id="{8AC31CE9-DC4A-423F-9343-8758E8045185}" type="datetimeFigureOut">
               <a:rPr lang="en-GB" smtClean="0"/>
-              <a:t>11/01/2020</a:t>
+              <a:t>21/01/2020</a:t>
             </a:fld>
             <a:endParaRPr lang="en-GB"/>
           </a:p>
@@ -1857,7 +2099,7 @@
           <a:p>
             <a:fld id="{8AC31CE9-DC4A-423F-9343-8758E8045185}" type="datetimeFigureOut">
               <a:rPr lang="en-GB" smtClean="0"/>
-              <a:t>11/01/2020</a:t>
+              <a:t>21/01/2020</a:t>
             </a:fld>
             <a:endParaRPr lang="en-GB"/>
           </a:p>
@@ -2125,7 +2367,7 @@
           <a:p>
             <a:fld id="{8AC31CE9-DC4A-423F-9343-8758E8045185}" type="datetimeFigureOut">
               <a:rPr lang="en-GB" smtClean="0"/>
-              <a:t>11/01/2020</a:t>
+              <a:t>21/01/2020</a:t>
             </a:fld>
             <a:endParaRPr lang="en-GB"/>
           </a:p>
@@ -2540,7 +2782,7 @@
           <a:p>
             <a:fld id="{8AC31CE9-DC4A-423F-9343-8758E8045185}" type="datetimeFigureOut">
               <a:rPr lang="en-GB" smtClean="0"/>
-              <a:t>11/01/2020</a:t>
+              <a:t>21/01/2020</a:t>
             </a:fld>
             <a:endParaRPr lang="en-GB"/>
           </a:p>
@@ -2682,7 +2924,7 @@
           <a:p>
             <a:fld id="{8AC31CE9-DC4A-423F-9343-8758E8045185}" type="datetimeFigureOut">
               <a:rPr lang="en-GB" smtClean="0"/>
-              <a:t>11/01/2020</a:t>
+              <a:t>21/01/2020</a:t>
             </a:fld>
             <a:endParaRPr lang="en-GB"/>
           </a:p>
@@ -2795,7 +3037,7 @@
           <a:p>
             <a:fld id="{8AC31CE9-DC4A-423F-9343-8758E8045185}" type="datetimeFigureOut">
               <a:rPr lang="en-GB" smtClean="0"/>
-              <a:t>11/01/2020</a:t>
+              <a:t>21/01/2020</a:t>
             </a:fld>
             <a:endParaRPr lang="en-GB"/>
           </a:p>
@@ -3108,7 +3350,7 @@
           <a:p>
             <a:fld id="{8AC31CE9-DC4A-423F-9343-8758E8045185}" type="datetimeFigureOut">
               <a:rPr lang="en-GB" smtClean="0"/>
-              <a:t>11/01/2020</a:t>
+              <a:t>21/01/2020</a:t>
             </a:fld>
             <a:endParaRPr lang="en-GB"/>
           </a:p>
@@ -3397,7 +3639,7 @@
           <a:p>
             <a:fld id="{8AC31CE9-DC4A-423F-9343-8758E8045185}" type="datetimeFigureOut">
               <a:rPr lang="en-GB" smtClean="0"/>
-              <a:t>11/01/2020</a:t>
+              <a:t>21/01/2020</a:t>
             </a:fld>
             <a:endParaRPr lang="en-GB"/>
           </a:p>
@@ -3640,7 +3882,7 @@
           <a:p>
             <a:fld id="{8AC31CE9-DC4A-423F-9343-8758E8045185}" type="datetimeFigureOut">
               <a:rPr lang="en-GB" smtClean="0"/>
-              <a:t>11/01/2020</a:t>
+              <a:t>21/01/2020</a:t>
             </a:fld>
             <a:endParaRPr lang="en-GB"/>
           </a:p>
@@ -4202,13 +4444,7 @@
           <a:prstGeom prst="line">
             <a:avLst/>
           </a:prstGeom>
-          <a:ln w="12700">
-            <a:solidFill>
-              <a:schemeClr val="accent3">
-                <a:lumMod val="75000"/>
-              </a:schemeClr>
-            </a:solidFill>
-          </a:ln>
+          <a:ln/>
         </p:spPr>
         <p:style>
           <a:lnRef idx="1">
@@ -6089,6 +6325,41 @@
               <a:t>genes</a:t>
             </a:r>
             <a:endParaRPr lang="fr-CH" dirty="0"/>
+          </a:p>
+        </p:txBody>
+      </p:sp>
+      <p:sp>
+        <p:nvSpPr>
+          <p:cNvPr id="3" name="ZoneTexte 2">
+            <a:extLst>
+              <a:ext uri="{FF2B5EF4-FFF2-40B4-BE49-F238E27FC236}">
+                <a16:creationId xmlns:a16="http://schemas.microsoft.com/office/drawing/2014/main" id="{EC17A7A6-8E25-4C76-A206-EC4D11CF2FF1}"/>
+              </a:ext>
+            </a:extLst>
+          </p:cNvPr>
+          <p:cNvSpPr txBox="1"/>
+          <p:nvPr/>
+        </p:nvSpPr>
+        <p:spPr>
+          <a:xfrm>
+            <a:off x="9668449" y="6517778"/>
+            <a:ext cx="2523551" cy="276999"/>
+          </a:xfrm>
+          <a:prstGeom prst="rect">
+            <a:avLst/>
+          </a:prstGeom>
+          <a:noFill/>
+        </p:spPr>
+        <p:txBody>
+          <a:bodyPr wrap="square" rtlCol="0">
+            <a:spAutoFit/>
+          </a:bodyPr>
+          <a:lstStyle/>
+          <a:p>
+            <a:r>
+              <a:rPr lang="en-GB" sz="1200" dirty="0"/>
+              <a:t>Thibault Schowing, BC.7107, HS2019</a:t>
+            </a:r>
           </a:p>
         </p:txBody>
       </p:sp>
@@ -6174,12 +6445,8 @@
           <a:p>
             <a:pPr algn="ctr"/>
             <a:r>
-              <a:rPr lang="en-US" sz="3600" dirty="0" err="1"/>
-              <a:t>Identication</a:t>
-            </a:r>
-            <a:r>
               <a:rPr lang="en-US" sz="3600" dirty="0"/>
-              <a:t> of gai phenotype revertant mutations in </a:t>
+              <a:t>Identification of gai phenotype revertant mutations in </a:t>
             </a:r>
             <a:r>
               <a:rPr lang="fr-CH" sz="3600" i="1" dirty="0"/>
@@ -6202,8 +6469,8 @@
         </p:nvSpPr>
         <p:spPr>
           <a:xfrm>
-            <a:off x="123825" y="1619250"/>
-            <a:ext cx="5668343" cy="5078313"/>
+            <a:off x="123825" y="1600200"/>
+            <a:ext cx="5781675" cy="5170646"/>
           </a:xfrm>
           <a:prstGeom prst="rect">
             <a:avLst/>
@@ -6365,7 +6632,24 @@
             </a:endParaRPr>
           </a:p>
           <a:p>
-            <a:endParaRPr lang="fr-CH" u="sng" dirty="0">
+            <a:endParaRPr lang="en-GB" u="sng" dirty="0">
+              <a:solidFill>
+                <a:srgbClr val="003300"/>
+              </a:solidFill>
+            </a:endParaRPr>
+          </a:p>
+          <a:p>
+            <a:r>
+              <a:rPr lang="fr-CH" sz="2000" b="1" dirty="0">
+                <a:solidFill>
+                  <a:srgbClr val="003300"/>
+                </a:solidFill>
+              </a:rPr>
+              <a:t>Gar12</a:t>
+            </a:r>
+          </a:p>
+          <a:p>
+            <a:endParaRPr lang="fr-CH" dirty="0">
               <a:solidFill>
                 <a:srgbClr val="003300"/>
               </a:solidFill>
@@ -6378,24 +6662,7 @@
                   <a:srgbClr val="003300"/>
                 </a:solidFill>
               </a:rPr>
-              <a:t>Gar12: </a:t>
-            </a:r>
-          </a:p>
-          <a:p>
-            <a:endParaRPr lang="fr-CH" dirty="0">
-              <a:solidFill>
-                <a:srgbClr val="003300"/>
-              </a:solidFill>
-            </a:endParaRPr>
-          </a:p>
-          <a:p>
-            <a:r>
-              <a:rPr lang="fr-CH" dirty="0">
-                <a:solidFill>
-                  <a:srgbClr val="003300"/>
-                </a:solidFill>
-              </a:rPr>
-              <a:t>Original </a:t>
+              <a:t>• Original </a:t>
             </a:r>
             <a:r>
               <a:rPr lang="fr-CH" dirty="0" err="1">
@@ -6427,7 +6694,7 @@
                   <a:srgbClr val="003300"/>
                 </a:solidFill>
               </a:rPr>
-              <a:t> -&gt; </a:t>
+              <a:t>: </a:t>
             </a:r>
             <a:r>
               <a:rPr lang="fr-CH" dirty="0" err="1">
@@ -6539,7 +6806,7 @@
                   <a:srgbClr val="003300"/>
                 </a:solidFill>
               </a:rPr>
-              <a:t> -&gt; </a:t>
+              <a:t>         </a:t>
             </a:r>
             <a:r>
               <a:rPr lang="fr-CH" dirty="0" err="1">
@@ -6556,6 +6823,23 @@
             </a:endParaRPr>
           </a:p>
           <a:p>
+            <a:endParaRPr lang="en-GB" dirty="0">
+              <a:solidFill>
+                <a:srgbClr val="003300"/>
+              </a:solidFill>
+            </a:endParaRPr>
+          </a:p>
+          <a:p>
+            <a:r>
+              <a:rPr lang="fr-CH" sz="2000" b="1" dirty="0">
+                <a:solidFill>
+                  <a:srgbClr val="003300"/>
+                </a:solidFill>
+              </a:rPr>
+              <a:t>Gar13</a:t>
+            </a:r>
+          </a:p>
+          <a:p>
             <a:endParaRPr lang="fr-CH" dirty="0">
               <a:solidFill>
                 <a:srgbClr val="003300"/>
@@ -6569,24 +6853,7 @@
                   <a:srgbClr val="003300"/>
                 </a:solidFill>
               </a:rPr>
-              <a:t>Gar13: </a:t>
-            </a:r>
-          </a:p>
-          <a:p>
-            <a:endParaRPr lang="fr-CH" dirty="0">
-              <a:solidFill>
-                <a:srgbClr val="003300"/>
-              </a:solidFill>
-            </a:endParaRPr>
-          </a:p>
-          <a:p>
-            <a:r>
-              <a:rPr lang="fr-CH" dirty="0">
-                <a:solidFill>
-                  <a:srgbClr val="003300"/>
-                </a:solidFill>
-              </a:rPr>
-              <a:t>Original 51bp </a:t>
+              <a:t>• Original 51bp </a:t>
             </a:r>
             <a:r>
               <a:rPr lang="fr-CH" dirty="0" err="1">
@@ -6604,6 +6871,14 @@
           </a:p>
           <a:p>
             <a:r>
+              <a:rPr lang="fr-CH" dirty="0">
+                <a:solidFill>
+                  <a:srgbClr val="003300"/>
+                </a:solidFill>
+              </a:rPr>
+              <a:t>• </a:t>
+            </a:r>
+            <a:r>
               <a:rPr lang="fr-CH" dirty="0" err="1">
                 <a:solidFill>
                   <a:srgbClr val="003300"/>
@@ -6643,6 +6918,22 @@
               </a:rPr>
               <a:t>domain</a:t>
             </a:r>
+            <a:r>
+              <a:rPr lang="fr-CH" dirty="0">
+                <a:solidFill>
+                  <a:srgbClr val="003300"/>
+                </a:solidFill>
+              </a:rPr>
+              <a:t>         </a:t>
+            </a:r>
+            <a:r>
+              <a:rPr lang="fr-CH" dirty="0" err="1">
+                <a:solidFill>
+                  <a:srgbClr val="003300"/>
+                </a:solidFill>
+              </a:rPr>
+              <a:t>growth</a:t>
+            </a:r>
             <a:endParaRPr lang="fr-CH" dirty="0">
               <a:solidFill>
                 <a:srgbClr val="003300"/>
@@ -6658,12 +6949,12 @@
           </a:p>
           <a:p>
             <a:r>
-              <a:rPr lang="fr-CH" dirty="0">
+              <a:rPr lang="fr-CH" sz="2000" b="1" dirty="0">
                 <a:solidFill>
                   <a:srgbClr val="003300"/>
                 </a:solidFill>
               </a:rPr>
-              <a:t>Gar12 &amp; Gar13:</a:t>
+              <a:t>Gar12 &amp; Gar13</a:t>
             </a:r>
           </a:p>
           <a:p>
@@ -6818,8 +7109,8 @@
         </p:blipFill>
         <p:spPr>
           <a:xfrm>
-            <a:off x="3231890" y="5557420"/>
-            <a:ext cx="384656" cy="512034"/>
+            <a:off x="3033107" y="6004317"/>
+            <a:ext cx="284660" cy="378924"/>
           </a:xfrm>
           <a:prstGeom prst="rect">
             <a:avLst/>
@@ -6848,7 +7139,7 @@
         </p:blipFill>
         <p:spPr>
           <a:xfrm>
-            <a:off x="5585373" y="3000653"/>
+            <a:off x="5625129" y="3033783"/>
             <a:ext cx="646324" cy="1310196"/>
           </a:xfrm>
           <a:prstGeom prst="rect">
@@ -6878,8 +7169,8 @@
         </p:blipFill>
         <p:spPr>
           <a:xfrm>
-            <a:off x="5590602" y="4382056"/>
-            <a:ext cx="591511" cy="1310196"/>
+            <a:off x="5676741" y="4448316"/>
+            <a:ext cx="531902" cy="1178161"/>
           </a:xfrm>
           <a:prstGeom prst="rect">
             <a:avLst/>
@@ -6927,6 +7218,284 @@
           </a:prstGeom>
         </p:spPr>
       </p:pic>
+      <p:sp>
+        <p:nvSpPr>
+          <p:cNvPr id="8" name="Rectangle 7">
+            <a:extLst>
+              <a:ext uri="{FF2B5EF4-FFF2-40B4-BE49-F238E27FC236}">
+                <a16:creationId xmlns:a16="http://schemas.microsoft.com/office/drawing/2014/main" id="{CE51349F-5FA6-4055-BEBE-6450BB8BB82D}"/>
+              </a:ext>
+            </a:extLst>
+          </p:cNvPr>
+          <p:cNvSpPr/>
+          <p:nvPr/>
+        </p:nvSpPr>
+        <p:spPr>
+          <a:xfrm>
+            <a:off x="123825" y="3000653"/>
+            <a:ext cx="6184415" cy="1381403"/>
+          </a:xfrm>
+          <a:prstGeom prst="rect">
+            <a:avLst/>
+          </a:prstGeom>
+          <a:noFill/>
+        </p:spPr>
+        <p:style>
+          <a:lnRef idx="2">
+            <a:schemeClr val="accent1">
+              <a:shade val="50000"/>
+            </a:schemeClr>
+          </a:lnRef>
+          <a:fillRef idx="1">
+            <a:schemeClr val="accent1"/>
+          </a:fillRef>
+          <a:effectRef idx="0">
+            <a:schemeClr val="accent1"/>
+          </a:effectRef>
+          <a:fontRef idx="minor">
+            <a:schemeClr val="lt1"/>
+          </a:fontRef>
+        </p:style>
+        <p:txBody>
+          <a:bodyPr rtlCol="0" anchor="ctr"/>
+          <a:lstStyle/>
+          <a:p>
+            <a:pPr algn="ctr"/>
+            <a:endParaRPr lang="en-GB"/>
+          </a:p>
+        </p:txBody>
+      </p:sp>
+      <p:sp>
+        <p:nvSpPr>
+          <p:cNvPr id="10" name="Rectangle 9">
+            <a:extLst>
+              <a:ext uri="{FF2B5EF4-FFF2-40B4-BE49-F238E27FC236}">
+                <a16:creationId xmlns:a16="http://schemas.microsoft.com/office/drawing/2014/main" id="{BB3D78BA-8042-432B-97E0-54A09272467C}"/>
+              </a:ext>
+            </a:extLst>
+          </p:cNvPr>
+          <p:cNvSpPr/>
+          <p:nvPr/>
+        </p:nvSpPr>
+        <p:spPr>
+          <a:xfrm>
+            <a:off x="126430" y="4415186"/>
+            <a:ext cx="6184415" cy="1310196"/>
+          </a:xfrm>
+          <a:prstGeom prst="rect">
+            <a:avLst/>
+          </a:prstGeom>
+          <a:noFill/>
+          <a:ln>
+            <a:solidFill>
+              <a:srgbClr val="00B050"/>
+            </a:solidFill>
+          </a:ln>
+        </p:spPr>
+        <p:style>
+          <a:lnRef idx="2">
+            <a:schemeClr val="accent1">
+              <a:shade val="50000"/>
+            </a:schemeClr>
+          </a:lnRef>
+          <a:fillRef idx="1">
+            <a:schemeClr val="accent1"/>
+          </a:fillRef>
+          <a:effectRef idx="0">
+            <a:schemeClr val="accent1"/>
+          </a:effectRef>
+          <a:fontRef idx="minor">
+            <a:schemeClr val="lt1"/>
+          </a:fontRef>
+        </p:style>
+        <p:txBody>
+          <a:bodyPr rtlCol="0" anchor="ctr"/>
+          <a:lstStyle/>
+          <a:p>
+            <a:pPr algn="ctr"/>
+            <a:endParaRPr lang="en-GB"/>
+          </a:p>
+        </p:txBody>
+      </p:sp>
+      <p:sp>
+        <p:nvSpPr>
+          <p:cNvPr id="11" name="Rectangle 10">
+            <a:extLst>
+              <a:ext uri="{FF2B5EF4-FFF2-40B4-BE49-F238E27FC236}">
+                <a16:creationId xmlns:a16="http://schemas.microsoft.com/office/drawing/2014/main" id="{13768C2C-8CA0-4E0D-A205-161C6C6F9EF1}"/>
+              </a:ext>
+            </a:extLst>
+          </p:cNvPr>
+          <p:cNvSpPr/>
+          <p:nvPr/>
+        </p:nvSpPr>
+        <p:spPr>
+          <a:xfrm>
+            <a:off x="123824" y="5746524"/>
+            <a:ext cx="6184415" cy="1007387"/>
+          </a:xfrm>
+          <a:prstGeom prst="rect">
+            <a:avLst/>
+          </a:prstGeom>
+          <a:noFill/>
+          <a:ln>
+            <a:solidFill>
+              <a:schemeClr val="accent3"/>
+            </a:solidFill>
+          </a:ln>
+        </p:spPr>
+        <p:style>
+          <a:lnRef idx="2">
+            <a:schemeClr val="accent1">
+              <a:shade val="50000"/>
+            </a:schemeClr>
+          </a:lnRef>
+          <a:fillRef idx="1">
+            <a:schemeClr val="accent1"/>
+          </a:fillRef>
+          <a:effectRef idx="0">
+            <a:schemeClr val="accent1"/>
+          </a:effectRef>
+          <a:fontRef idx="minor">
+            <a:schemeClr val="lt1"/>
+          </a:fontRef>
+        </p:style>
+        <p:txBody>
+          <a:bodyPr rtlCol="0" anchor="ctr"/>
+          <a:lstStyle/>
+          <a:p>
+            <a:pPr algn="ctr"/>
+            <a:endParaRPr lang="en-GB"/>
+          </a:p>
+        </p:txBody>
+      </p:sp>
+      <p:sp>
+        <p:nvSpPr>
+          <p:cNvPr id="13" name="Flèche : droite rayée 12">
+            <a:extLst>
+              <a:ext uri="{FF2B5EF4-FFF2-40B4-BE49-F238E27FC236}">
+                <a16:creationId xmlns:a16="http://schemas.microsoft.com/office/drawing/2014/main" id="{B89C35C0-7C9A-4900-87BA-D73BE1859EE1}"/>
+              </a:ext>
+            </a:extLst>
+          </p:cNvPr>
+          <p:cNvSpPr/>
+          <p:nvPr/>
+        </p:nvSpPr>
+        <p:spPr>
+          <a:xfrm>
+            <a:off x="4161472" y="3931359"/>
+            <a:ext cx="320040" cy="216058"/>
+          </a:xfrm>
+          <a:prstGeom prst="stripedRightArrow">
+            <a:avLst/>
+          </a:prstGeom>
+        </p:spPr>
+        <p:style>
+          <a:lnRef idx="2">
+            <a:schemeClr val="accent3">
+              <a:shade val="50000"/>
+            </a:schemeClr>
+          </a:lnRef>
+          <a:fillRef idx="1">
+            <a:schemeClr val="accent3"/>
+          </a:fillRef>
+          <a:effectRef idx="0">
+            <a:schemeClr val="accent3"/>
+          </a:effectRef>
+          <a:fontRef idx="minor">
+            <a:schemeClr val="lt1"/>
+          </a:fontRef>
+        </p:style>
+        <p:txBody>
+          <a:bodyPr rtlCol="0" anchor="ctr"/>
+          <a:lstStyle/>
+          <a:p>
+            <a:pPr algn="ctr"/>
+            <a:endParaRPr lang="en-GB"/>
+          </a:p>
+        </p:txBody>
+      </p:sp>
+      <p:sp>
+        <p:nvSpPr>
+          <p:cNvPr id="14" name="Flèche : droite rayée 13">
+            <a:extLst>
+              <a:ext uri="{FF2B5EF4-FFF2-40B4-BE49-F238E27FC236}">
+                <a16:creationId xmlns:a16="http://schemas.microsoft.com/office/drawing/2014/main" id="{F25CAFBE-8F85-4B93-8F04-DAF9D8EB3C90}"/>
+              </a:ext>
+            </a:extLst>
+          </p:cNvPr>
+          <p:cNvSpPr/>
+          <p:nvPr/>
+        </p:nvSpPr>
+        <p:spPr>
+          <a:xfrm>
+            <a:off x="3841432" y="5324705"/>
+            <a:ext cx="320040" cy="216058"/>
+          </a:xfrm>
+          <a:prstGeom prst="stripedRightArrow">
+            <a:avLst/>
+          </a:prstGeom>
+        </p:spPr>
+        <p:style>
+          <a:lnRef idx="2">
+            <a:schemeClr val="accent3">
+              <a:shade val="50000"/>
+            </a:schemeClr>
+          </a:lnRef>
+          <a:fillRef idx="1">
+            <a:schemeClr val="accent3"/>
+          </a:fillRef>
+          <a:effectRef idx="0">
+            <a:schemeClr val="accent3"/>
+          </a:effectRef>
+          <a:fontRef idx="minor">
+            <a:schemeClr val="lt1"/>
+          </a:fontRef>
+        </p:style>
+        <p:txBody>
+          <a:bodyPr rtlCol="0" anchor="ctr"/>
+          <a:lstStyle/>
+          <a:p>
+            <a:pPr algn="ctr"/>
+            <a:endParaRPr lang="en-GB"/>
+          </a:p>
+        </p:txBody>
+      </p:sp>
+      <p:sp>
+        <p:nvSpPr>
+          <p:cNvPr id="15" name="ZoneTexte 14">
+            <a:extLst>
+              <a:ext uri="{FF2B5EF4-FFF2-40B4-BE49-F238E27FC236}">
+                <a16:creationId xmlns:a16="http://schemas.microsoft.com/office/drawing/2014/main" id="{090AB612-E68D-4886-854C-95500237641C}"/>
+              </a:ext>
+            </a:extLst>
+          </p:cNvPr>
+          <p:cNvSpPr txBox="1"/>
+          <p:nvPr/>
+        </p:nvSpPr>
+        <p:spPr>
+          <a:xfrm>
+            <a:off x="9668449" y="6517778"/>
+            <a:ext cx="2523551" cy="276999"/>
+          </a:xfrm>
+          <a:prstGeom prst="rect">
+            <a:avLst/>
+          </a:prstGeom>
+          <a:noFill/>
+        </p:spPr>
+        <p:txBody>
+          <a:bodyPr wrap="square" rtlCol="0">
+            <a:spAutoFit/>
+          </a:bodyPr>
+          <a:lstStyle/>
+          <a:p>
+            <a:r>
+              <a:rPr lang="en-GB" sz="1200" dirty="0"/>
+              <a:t>Thibault Schowing, BC.7107, HS2019</a:t>
+            </a:r>
+          </a:p>
+        </p:txBody>
+      </p:sp>
     </p:spTree>
     <p:extLst>
       <p:ext uri="{BB962C8B-B14F-4D97-AF65-F5344CB8AC3E}">
@@ -7038,7 +7607,7 @@
           <p:nvPr/>
         </p:nvPicPr>
         <p:blipFill>
-          <a:blip r:embed="rId2">
+          <a:blip r:embed="rId3">
             <a:clrChange>
               <a:clrFrom>
                 <a:srgbClr val="FFFFFF"/>
@@ -7263,7 +7832,7 @@
               <a:t>): enzymes </a:t>
             </a:r>
             <a:r>
-              <a:rPr lang="fr-CH" dirty="0" err="1"/>
+              <a:rPr lang="en-GB" dirty="0"/>
               <a:t>used</a:t>
             </a:r>
             <a:r>
@@ -7271,7 +7840,7 @@
               <a:t> in </a:t>
             </a:r>
             <a:r>
-              <a:rPr lang="fr-CH" dirty="0" err="1"/>
+              <a:rPr lang="en-GB" dirty="0"/>
               <a:t>cheese</a:t>
             </a:r>
             <a:r>
@@ -7292,36 +7861,6 @@
             <a:extLst>
               <a:ext uri="{FF2B5EF4-FFF2-40B4-BE49-F238E27FC236}">
                 <a16:creationId xmlns:a16="http://schemas.microsoft.com/office/drawing/2014/main" id="{732D0C61-9B20-4659-AC60-46D2798F80C4}"/>
-              </a:ext>
-            </a:extLst>
-          </p:cNvPr>
-          <p:cNvPicPr>
-            <a:picLocks noChangeAspect="1"/>
-          </p:cNvPicPr>
-          <p:nvPr/>
-        </p:nvPicPr>
-        <p:blipFill>
-          <a:blip r:embed="rId3"/>
-          <a:stretch>
-            <a:fillRect/>
-          </a:stretch>
-        </p:blipFill>
-        <p:spPr>
-          <a:xfrm>
-            <a:off x="735846" y="3671898"/>
-            <a:ext cx="976230" cy="976230"/>
-          </a:xfrm>
-          <a:prstGeom prst="rect">
-            <a:avLst/>
-          </a:prstGeom>
-        </p:spPr>
-      </p:pic>
-      <p:pic>
-        <p:nvPicPr>
-          <p:cNvPr id="18" name="Image 17">
-            <a:extLst>
-              <a:ext uri="{FF2B5EF4-FFF2-40B4-BE49-F238E27FC236}">
-                <a16:creationId xmlns:a16="http://schemas.microsoft.com/office/drawing/2014/main" id="{6A174524-EF97-47A8-A030-014B2C91C1C2}"/>
               </a:ext>
             </a:extLst>
           </p:cNvPr>
@@ -7338,7 +7877,7 @@
         </p:blipFill>
         <p:spPr>
           <a:xfrm>
-            <a:off x="735846" y="4749162"/>
+            <a:off x="1878846" y="4207736"/>
             <a:ext cx="976230" cy="976230"/>
           </a:xfrm>
           <a:prstGeom prst="rect">
@@ -7346,284 +7885,12 @@
           </a:prstGeom>
         </p:spPr>
       </p:pic>
-      <p:sp>
-        <p:nvSpPr>
-          <p:cNvPr id="19" name="ZoneTexte 18">
-            <a:extLst>
-              <a:ext uri="{FF2B5EF4-FFF2-40B4-BE49-F238E27FC236}">
-                <a16:creationId xmlns:a16="http://schemas.microsoft.com/office/drawing/2014/main" id="{BD434ACE-4D77-4A6D-985F-5AEF701E94DD}"/>
-              </a:ext>
-            </a:extLst>
-          </p:cNvPr>
-          <p:cNvSpPr txBox="1"/>
-          <p:nvPr/>
-        </p:nvSpPr>
-        <p:spPr>
-          <a:xfrm>
-            <a:off x="5429250" y="2818710"/>
-            <a:ext cx="5807730" cy="369332"/>
-          </a:xfrm>
-          <a:prstGeom prst="rect">
-            <a:avLst/>
-          </a:prstGeom>
-          <a:noFill/>
-        </p:spPr>
-        <p:txBody>
-          <a:bodyPr wrap="square" rtlCol="0">
-            <a:spAutoFit/>
-          </a:bodyPr>
-          <a:lstStyle/>
-          <a:p>
-            <a:r>
-              <a:rPr lang="fr-CH" dirty="0"/>
-              <a:t>New </a:t>
-            </a:r>
-            <a:r>
-              <a:rPr lang="fr-CH" dirty="0" err="1"/>
-              <a:t>gene</a:t>
-            </a:r>
-            <a:r>
-              <a:rPr lang="fr-CH" dirty="0"/>
-              <a:t> in a group or </a:t>
-            </a:r>
-            <a:r>
-              <a:rPr lang="fr-CH" dirty="0" err="1"/>
-              <a:t>loss</a:t>
-            </a:r>
-            <a:r>
-              <a:rPr lang="fr-CH" dirty="0"/>
-              <a:t> of </a:t>
-            </a:r>
-            <a:r>
-              <a:rPr lang="fr-CH" dirty="0" err="1"/>
-              <a:t>gene</a:t>
-            </a:r>
-            <a:r>
-              <a:rPr lang="fr-CH" dirty="0"/>
-              <a:t> </a:t>
-            </a:r>
-            <a:r>
-              <a:rPr lang="fr-CH" dirty="0" err="1"/>
-              <a:t>product</a:t>
-            </a:r>
-            <a:r>
-              <a:rPr lang="fr-CH" dirty="0"/>
-              <a:t> in the </a:t>
-            </a:r>
-            <a:r>
-              <a:rPr lang="fr-CH" dirty="0" err="1"/>
-              <a:t>other</a:t>
-            </a:r>
-            <a:r>
-              <a:rPr lang="fr-CH" dirty="0"/>
-              <a:t> ?</a:t>
-            </a:r>
-          </a:p>
-        </p:txBody>
-      </p:sp>
-      <p:sp>
-        <p:nvSpPr>
-          <p:cNvPr id="20" name="ZoneTexte 19">
-            <a:extLst>
-              <a:ext uri="{FF2B5EF4-FFF2-40B4-BE49-F238E27FC236}">
-                <a16:creationId xmlns:a16="http://schemas.microsoft.com/office/drawing/2014/main" id="{236502B9-600A-4E1E-98F3-D2AF7E1A8F44}"/>
-              </a:ext>
-            </a:extLst>
-          </p:cNvPr>
-          <p:cNvSpPr txBox="1"/>
-          <p:nvPr/>
-        </p:nvSpPr>
-        <p:spPr>
-          <a:xfrm>
-            <a:off x="4562764" y="2413516"/>
-            <a:ext cx="738833" cy="261610"/>
-          </a:xfrm>
-          <a:prstGeom prst="rect">
-            <a:avLst/>
-          </a:prstGeom>
-          <a:noFill/>
-        </p:spPr>
-        <p:txBody>
-          <a:bodyPr wrap="square" rtlCol="0">
-            <a:spAutoFit/>
-          </a:bodyPr>
-          <a:lstStyle/>
-          <a:p>
-            <a:r>
-              <a:rPr lang="fr-CH" sz="1100" dirty="0"/>
-              <a:t>~30 kDa</a:t>
-            </a:r>
-          </a:p>
-        </p:txBody>
-      </p:sp>
-      <p:sp>
-        <p:nvSpPr>
-          <p:cNvPr id="27" name="ZoneTexte 26">
-            <a:extLst>
-              <a:ext uri="{FF2B5EF4-FFF2-40B4-BE49-F238E27FC236}">
-                <a16:creationId xmlns:a16="http://schemas.microsoft.com/office/drawing/2014/main" id="{3535C362-498C-4389-8285-D8E21C7DE29E}"/>
-              </a:ext>
-            </a:extLst>
-          </p:cNvPr>
-          <p:cNvSpPr txBox="1"/>
-          <p:nvPr/>
-        </p:nvSpPr>
-        <p:spPr>
-          <a:xfrm>
-            <a:off x="4619120" y="2609901"/>
-            <a:ext cx="738833" cy="261610"/>
-          </a:xfrm>
-          <a:prstGeom prst="rect">
-            <a:avLst/>
-          </a:prstGeom>
-          <a:noFill/>
-        </p:spPr>
-        <p:txBody>
-          <a:bodyPr wrap="square" rtlCol="0">
-            <a:spAutoFit/>
-          </a:bodyPr>
-          <a:lstStyle/>
-          <a:p>
-            <a:r>
-              <a:rPr lang="fr-CH" sz="1100" dirty="0"/>
-              <a:t>810 </a:t>
-            </a:r>
-            <a:r>
-              <a:rPr lang="fr-CH" sz="1100" dirty="0" err="1"/>
-              <a:t>bp</a:t>
-            </a:r>
-            <a:endParaRPr lang="fr-CH" sz="1100" dirty="0"/>
-          </a:p>
-        </p:txBody>
-      </p:sp>
-      <p:sp>
-        <p:nvSpPr>
-          <p:cNvPr id="25" name="ZoneTexte 24">
-            <a:extLst>
-              <a:ext uri="{FF2B5EF4-FFF2-40B4-BE49-F238E27FC236}">
-                <a16:creationId xmlns:a16="http://schemas.microsoft.com/office/drawing/2014/main" id="{2CE85DCB-0259-4C60-95EE-4D3974A84A42}"/>
-              </a:ext>
-            </a:extLst>
-          </p:cNvPr>
-          <p:cNvSpPr txBox="1"/>
-          <p:nvPr/>
-        </p:nvSpPr>
-        <p:spPr>
-          <a:xfrm>
-            <a:off x="5429250" y="3758441"/>
-            <a:ext cx="6108155" cy="2031325"/>
-          </a:xfrm>
-          <a:prstGeom prst="rect">
-            <a:avLst/>
-          </a:prstGeom>
-          <a:noFill/>
-        </p:spPr>
-        <p:txBody>
-          <a:bodyPr wrap="square" rtlCol="0">
-            <a:spAutoFit/>
-          </a:bodyPr>
-          <a:lstStyle/>
-          <a:p>
-            <a:r>
-              <a:rPr lang="fr-CH" dirty="0"/>
-              <a:t>One </a:t>
-            </a:r>
-            <a:r>
-              <a:rPr lang="fr-CH" dirty="0" err="1"/>
-              <a:t>gene</a:t>
-            </a:r>
-            <a:r>
-              <a:rPr lang="fr-CH" dirty="0"/>
-              <a:t> </a:t>
-            </a:r>
-            <a:r>
-              <a:rPr lang="fr-CH" dirty="0" err="1"/>
-              <a:t>matching</a:t>
-            </a:r>
-            <a:r>
-              <a:rPr lang="fr-CH" dirty="0"/>
-              <a:t> group and size: </a:t>
-            </a:r>
-          </a:p>
-          <a:p>
-            <a:endParaRPr lang="fr-CH" dirty="0"/>
-          </a:p>
-          <a:p>
-            <a:r>
-              <a:rPr lang="fr-CH" dirty="0"/>
-              <a:t>Lhv_2053, </a:t>
-            </a:r>
-            <a:r>
-              <a:rPr lang="fr-CH" dirty="0" err="1"/>
-              <a:t>Lysin</a:t>
-            </a:r>
-            <a:r>
-              <a:rPr lang="fr-CH" dirty="0"/>
-              <a:t>, </a:t>
-            </a:r>
-            <a:r>
-              <a:rPr lang="fr-CH" dirty="0" err="1"/>
-              <a:t>pseudogene</a:t>
-            </a:r>
-            <a:r>
-              <a:rPr lang="fr-CH" dirty="0"/>
-              <a:t> in </a:t>
-            </a:r>
-            <a:r>
-              <a:rPr lang="fr-CH" i="1" dirty="0"/>
-              <a:t>L. </a:t>
-            </a:r>
-            <a:r>
-              <a:rPr lang="fr-CH" i="1" dirty="0" err="1"/>
-              <a:t>helveticus</a:t>
-            </a:r>
-            <a:r>
-              <a:rPr lang="fr-CH" dirty="0"/>
-              <a:t>. </a:t>
-            </a:r>
-          </a:p>
-          <a:p>
-            <a:r>
-              <a:rPr lang="fr-CH" dirty="0"/>
-              <a:t>893 </a:t>
-            </a:r>
-            <a:r>
-              <a:rPr lang="fr-CH" dirty="0" err="1"/>
-              <a:t>bp</a:t>
-            </a:r>
-            <a:r>
-              <a:rPr lang="fr-CH" dirty="0"/>
-              <a:t> / 33 kDa</a:t>
-            </a:r>
-          </a:p>
-          <a:p>
-            <a:endParaRPr lang="fr-CH" dirty="0"/>
-          </a:p>
-          <a:p>
-            <a:endParaRPr lang="fr-CH" dirty="0"/>
-          </a:p>
-          <a:p>
-            <a:r>
-              <a:rPr lang="fr-CH" dirty="0"/>
-              <a:t>Provenance: </a:t>
-            </a:r>
-            <a:r>
-              <a:rPr lang="fr-CH" dirty="0" err="1"/>
-              <a:t>Bacteriophage</a:t>
-            </a:r>
-            <a:r>
-              <a:rPr lang="fr-CH" dirty="0"/>
-              <a:t> Cp-1 </a:t>
-            </a:r>
-          </a:p>
-        </p:txBody>
-      </p:sp>
       <p:pic>
         <p:nvPicPr>
-          <p:cNvPr id="28" name="Image 27">
-            <a:extLst>
-              <a:ext uri="{FF2B5EF4-FFF2-40B4-BE49-F238E27FC236}">
-                <a16:creationId xmlns:a16="http://schemas.microsoft.com/office/drawing/2014/main" id="{AF57A512-657A-4CC6-B651-59E47FE9D90C}"/>
+          <p:cNvPr id="18" name="Image 17">
+            <a:extLst>
+              <a:ext uri="{FF2B5EF4-FFF2-40B4-BE49-F238E27FC236}">
+                <a16:creationId xmlns:a16="http://schemas.microsoft.com/office/drawing/2014/main" id="{6A174524-EF97-47A8-A030-014B2C91C1C2}"/>
               </a:ext>
             </a:extLst>
           </p:cNvPr>
@@ -7640,8 +7907,8 @@
         </p:blipFill>
         <p:spPr>
           <a:xfrm>
-            <a:off x="8965325" y="4865350"/>
-            <a:ext cx="933333" cy="1523810"/>
+            <a:off x="1878846" y="5285000"/>
+            <a:ext cx="976230" cy="976230"/>
           </a:xfrm>
           <a:prstGeom prst="rect">
             <a:avLst/>
@@ -7650,10 +7917,10 @@
       </p:pic>
       <p:sp>
         <p:nvSpPr>
-          <p:cNvPr id="29" name="ZoneTexte 28">
-            <a:extLst>
-              <a:ext uri="{FF2B5EF4-FFF2-40B4-BE49-F238E27FC236}">
-                <a16:creationId xmlns:a16="http://schemas.microsoft.com/office/drawing/2014/main" id="{22544A37-9D30-4155-ADA3-AAA1475CF92C}"/>
+          <p:cNvPr id="20" name="ZoneTexte 19">
+            <a:extLst>
+              <a:ext uri="{FF2B5EF4-FFF2-40B4-BE49-F238E27FC236}">
+                <a16:creationId xmlns:a16="http://schemas.microsoft.com/office/drawing/2014/main" id="{236502B9-600A-4E1E-98F3-D2AF7E1A8F44}"/>
               </a:ext>
             </a:extLst>
           </p:cNvPr>
@@ -7662,8 +7929,8 @@
         </p:nvSpPr>
         <p:spPr>
           <a:xfrm>
-            <a:off x="2356211" y="4186463"/>
-            <a:ext cx="2780145" cy="923330"/>
+            <a:off x="4562764" y="2413516"/>
+            <a:ext cx="738833" cy="261610"/>
           </a:xfrm>
           <a:prstGeom prst="rect">
             <a:avLst/>
@@ -7677,21 +7944,863 @@
           <a:lstStyle/>
           <a:p>
             <a:r>
-              <a:rPr lang="fr-CH" dirty="0"/>
-              <a:t>Assemble</a:t>
-            </a:r>
-          </a:p>
-          <a:p>
-            <a:r>
-              <a:rPr lang="fr-CH" dirty="0" err="1"/>
-              <a:t>Annotate</a:t>
-            </a:r>
-            <a:endParaRPr lang="fr-CH" dirty="0"/>
-          </a:p>
-          <a:p>
-            <a:r>
-              <a:rPr lang="fr-CH" dirty="0"/>
-              <a:t>Compare</a:t>
+              <a:rPr lang="fr-CH" sz="1100" dirty="0"/>
+              <a:t>~30 kDa</a:t>
+            </a:r>
+          </a:p>
+        </p:txBody>
+      </p:sp>
+      <p:sp>
+        <p:nvSpPr>
+          <p:cNvPr id="27" name="ZoneTexte 26">
+            <a:extLst>
+              <a:ext uri="{FF2B5EF4-FFF2-40B4-BE49-F238E27FC236}">
+                <a16:creationId xmlns:a16="http://schemas.microsoft.com/office/drawing/2014/main" id="{3535C362-498C-4389-8285-D8E21C7DE29E}"/>
+              </a:ext>
+            </a:extLst>
+          </p:cNvPr>
+          <p:cNvSpPr txBox="1"/>
+          <p:nvPr/>
+        </p:nvSpPr>
+        <p:spPr>
+          <a:xfrm>
+            <a:off x="4619120" y="2609901"/>
+            <a:ext cx="738833" cy="261610"/>
+          </a:xfrm>
+          <a:prstGeom prst="rect">
+            <a:avLst/>
+          </a:prstGeom>
+          <a:noFill/>
+        </p:spPr>
+        <p:txBody>
+          <a:bodyPr wrap="square" rtlCol="0">
+            <a:spAutoFit/>
+          </a:bodyPr>
+          <a:lstStyle/>
+          <a:p>
+            <a:r>
+              <a:rPr lang="fr-CH" sz="1100" dirty="0"/>
+              <a:t>810 </a:t>
+            </a:r>
+            <a:r>
+              <a:rPr lang="fr-CH" sz="1100" dirty="0" err="1"/>
+              <a:t>bp</a:t>
+            </a:r>
+            <a:endParaRPr lang="fr-CH" sz="1100" dirty="0"/>
+          </a:p>
+        </p:txBody>
+      </p:sp>
+      <p:sp>
+        <p:nvSpPr>
+          <p:cNvPr id="25" name="ZoneTexte 24">
+            <a:extLst>
+              <a:ext uri="{FF2B5EF4-FFF2-40B4-BE49-F238E27FC236}">
+                <a16:creationId xmlns:a16="http://schemas.microsoft.com/office/drawing/2014/main" id="{2CE85DCB-0259-4C60-95EE-4D3974A84A42}"/>
+              </a:ext>
+            </a:extLst>
+          </p:cNvPr>
+          <p:cNvSpPr txBox="1"/>
+          <p:nvPr/>
+        </p:nvSpPr>
+        <p:spPr>
+          <a:xfrm>
+            <a:off x="6572250" y="4294279"/>
+            <a:ext cx="6108155" cy="2031325"/>
+          </a:xfrm>
+          <a:prstGeom prst="rect">
+            <a:avLst/>
+          </a:prstGeom>
+          <a:noFill/>
+        </p:spPr>
+        <p:txBody>
+          <a:bodyPr wrap="square" rtlCol="0">
+            <a:spAutoFit/>
+          </a:bodyPr>
+          <a:lstStyle/>
+          <a:p>
+            <a:r>
+              <a:rPr lang="en-GB" dirty="0"/>
+              <a:t>One gene matching group and size: </a:t>
+            </a:r>
+          </a:p>
+          <a:p>
+            <a:endParaRPr lang="en-GB" dirty="0"/>
+          </a:p>
+          <a:p>
+            <a:r>
+              <a:rPr lang="fr-CH" dirty="0">
+                <a:solidFill>
+                  <a:srgbClr val="003300"/>
+                </a:solidFill>
+              </a:rPr>
+              <a:t>• </a:t>
+            </a:r>
+            <a:r>
+              <a:rPr lang="en-GB" dirty="0"/>
+              <a:t>Lhv_2053, Lysin, pseudogene in </a:t>
+            </a:r>
+            <a:r>
+              <a:rPr lang="en-GB" i="1" dirty="0"/>
+              <a:t>L. </a:t>
+            </a:r>
+            <a:r>
+              <a:rPr lang="en-GB" i="1" dirty="0" err="1"/>
+              <a:t>helveticus</a:t>
+            </a:r>
+            <a:r>
+              <a:rPr lang="en-GB" dirty="0"/>
+              <a:t>. </a:t>
+            </a:r>
+          </a:p>
+          <a:p>
+            <a:r>
+              <a:rPr lang="fr-CH" dirty="0">
+                <a:solidFill>
+                  <a:srgbClr val="003300"/>
+                </a:solidFill>
+              </a:rPr>
+              <a:t>• </a:t>
+            </a:r>
+            <a:r>
+              <a:rPr lang="en-GB" dirty="0"/>
+              <a:t>893 bp / 33 </a:t>
+            </a:r>
+            <a:r>
+              <a:rPr lang="en-GB" dirty="0" err="1"/>
+              <a:t>kDa</a:t>
+            </a:r>
+            <a:endParaRPr lang="en-GB" dirty="0"/>
+          </a:p>
+          <a:p>
+            <a:endParaRPr lang="en-GB" dirty="0"/>
+          </a:p>
+          <a:p>
+            <a:endParaRPr lang="en-GB" dirty="0"/>
+          </a:p>
+          <a:p>
+            <a:r>
+              <a:rPr lang="en-GB" dirty="0"/>
+              <a:t>Provenance: Bacteriophage Cp-1 </a:t>
+            </a:r>
+          </a:p>
+        </p:txBody>
+      </p:sp>
+      <p:pic>
+        <p:nvPicPr>
+          <p:cNvPr id="28" name="Image 27">
+            <a:extLst>
+              <a:ext uri="{FF2B5EF4-FFF2-40B4-BE49-F238E27FC236}">
+                <a16:creationId xmlns:a16="http://schemas.microsoft.com/office/drawing/2014/main" id="{AF57A512-657A-4CC6-B651-59E47FE9D90C}"/>
+              </a:ext>
+            </a:extLst>
+          </p:cNvPr>
+          <p:cNvPicPr>
+            <a:picLocks noChangeAspect="1"/>
+          </p:cNvPicPr>
+          <p:nvPr/>
+        </p:nvPicPr>
+        <p:blipFill>
+          <a:blip r:embed="rId6"/>
+          <a:stretch>
+            <a:fillRect/>
+          </a:stretch>
+        </p:blipFill>
+        <p:spPr>
+          <a:xfrm>
+            <a:off x="5712164" y="3045576"/>
+            <a:ext cx="1011821" cy="1651954"/>
+          </a:xfrm>
+          <a:prstGeom prst="rect">
+            <a:avLst/>
+          </a:prstGeom>
+        </p:spPr>
+      </p:pic>
+      <p:sp>
+        <p:nvSpPr>
+          <p:cNvPr id="24" name="Flèche : droite rayée 23">
+            <a:extLst>
+              <a:ext uri="{FF2B5EF4-FFF2-40B4-BE49-F238E27FC236}">
+                <a16:creationId xmlns:a16="http://schemas.microsoft.com/office/drawing/2014/main" id="{A32CA056-1FC8-4C0D-99B0-57915B9D72AF}"/>
+              </a:ext>
+            </a:extLst>
+          </p:cNvPr>
+          <p:cNvSpPr/>
+          <p:nvPr/>
+        </p:nvSpPr>
+        <p:spPr>
+          <a:xfrm>
+            <a:off x="2908300" y="5027490"/>
+            <a:ext cx="3008651" cy="216058"/>
+          </a:xfrm>
+          <a:prstGeom prst="stripedRightArrow">
+            <a:avLst/>
+          </a:prstGeom>
+        </p:spPr>
+        <p:style>
+          <a:lnRef idx="2">
+            <a:schemeClr val="accent1">
+              <a:shade val="50000"/>
+            </a:schemeClr>
+          </a:lnRef>
+          <a:fillRef idx="1">
+            <a:schemeClr val="accent1"/>
+          </a:fillRef>
+          <a:effectRef idx="0">
+            <a:schemeClr val="accent1"/>
+          </a:effectRef>
+          <a:fontRef idx="minor">
+            <a:schemeClr val="lt1"/>
+          </a:fontRef>
+        </p:style>
+        <p:txBody>
+          <a:bodyPr rtlCol="0" anchor="ctr"/>
+          <a:lstStyle/>
+          <a:p>
+            <a:pPr algn="ctr"/>
+            <a:endParaRPr lang="en-GB"/>
+          </a:p>
+        </p:txBody>
+      </p:sp>
+      <p:grpSp>
+        <p:nvGrpSpPr>
+          <p:cNvPr id="26" name="Groupe 25">
+            <a:extLst>
+              <a:ext uri="{FF2B5EF4-FFF2-40B4-BE49-F238E27FC236}">
+                <a16:creationId xmlns:a16="http://schemas.microsoft.com/office/drawing/2014/main" id="{11A959D3-2674-49F0-B2F2-0B3FAEFC124C}"/>
+              </a:ext>
+            </a:extLst>
+          </p:cNvPr>
+          <p:cNvGrpSpPr/>
+          <p:nvPr/>
+        </p:nvGrpSpPr>
+        <p:grpSpPr>
+          <a:xfrm>
+            <a:off x="3356133" y="4433998"/>
+            <a:ext cx="2124573" cy="1403042"/>
+            <a:chOff x="4335494" y="2847225"/>
+            <a:chExt cx="3521011" cy="2360591"/>
+          </a:xfrm>
+        </p:grpSpPr>
+        <p:grpSp>
+          <p:nvGrpSpPr>
+            <p:cNvPr id="30" name="Groupe 29">
+              <a:extLst>
+                <a:ext uri="{FF2B5EF4-FFF2-40B4-BE49-F238E27FC236}">
+                  <a16:creationId xmlns:a16="http://schemas.microsoft.com/office/drawing/2014/main" id="{AA8EE1AA-F487-4F73-B2D4-58622E6C9D5D}"/>
+                </a:ext>
+              </a:extLst>
+            </p:cNvPr>
+            <p:cNvGrpSpPr/>
+            <p:nvPr/>
+          </p:nvGrpSpPr>
+          <p:grpSpPr>
+            <a:xfrm>
+              <a:off x="5421372" y="2847225"/>
+              <a:ext cx="1349255" cy="1163549"/>
+              <a:chOff x="2917790" y="320534"/>
+              <a:chExt cx="1349255" cy="1163549"/>
+            </a:xfrm>
+          </p:grpSpPr>
+          <p:sp>
+            <p:nvSpPr>
+              <p:cNvPr id="40" name="Hexagone 39">
+                <a:extLst>
+                  <a:ext uri="{FF2B5EF4-FFF2-40B4-BE49-F238E27FC236}">
+                    <a16:creationId xmlns:a16="http://schemas.microsoft.com/office/drawing/2014/main" id="{8A969A83-0FC2-4A45-997B-07038DFF1B52}"/>
+                  </a:ext>
+                </a:extLst>
+              </p:cNvPr>
+              <p:cNvSpPr/>
+              <p:nvPr/>
+            </p:nvSpPr>
+            <p:spPr>
+              <a:xfrm>
+                <a:off x="2917790" y="320534"/>
+                <a:ext cx="1349255" cy="1163549"/>
+              </a:xfrm>
+              <a:prstGeom prst="hexagon">
+                <a:avLst>
+                  <a:gd name="adj" fmla="val 25000"/>
+                  <a:gd name="vf" fmla="val 115470"/>
+                </a:avLst>
+              </a:prstGeom>
+            </p:spPr>
+            <p:style>
+              <a:lnRef idx="2">
+                <a:schemeClr val="accent5"/>
+              </a:lnRef>
+              <a:fillRef idx="1">
+                <a:schemeClr val="lt1"/>
+              </a:fillRef>
+              <a:effectRef idx="0">
+                <a:schemeClr val="accent5"/>
+              </a:effectRef>
+              <a:fontRef idx="minor">
+                <a:schemeClr val="dk1"/>
+              </a:fontRef>
+            </p:style>
+          </p:sp>
+          <p:sp>
+            <p:nvSpPr>
+              <p:cNvPr id="41" name="Hexagone 4">
+                <a:extLst>
+                  <a:ext uri="{FF2B5EF4-FFF2-40B4-BE49-F238E27FC236}">
+                    <a16:creationId xmlns:a16="http://schemas.microsoft.com/office/drawing/2014/main" id="{2324953F-7CD1-4EAF-A373-287FB9024ECC}"/>
+                  </a:ext>
+                </a:extLst>
+              </p:cNvPr>
+              <p:cNvSpPr txBox="1"/>
+              <p:nvPr/>
+            </p:nvSpPr>
+            <p:spPr>
+              <a:xfrm>
+                <a:off x="3127190" y="501113"/>
+                <a:ext cx="930455" cy="802391"/>
+              </a:xfrm>
+              <a:prstGeom prst="rect">
+                <a:avLst/>
+              </a:prstGeom>
+            </p:spPr>
+            <p:style>
+              <a:lnRef idx="0">
+                <a:scrgbClr r="0" g="0" b="0"/>
+              </a:lnRef>
+              <a:fillRef idx="0">
+                <a:scrgbClr r="0" g="0" b="0"/>
+              </a:fillRef>
+              <a:effectRef idx="0">
+                <a:scrgbClr r="0" g="0" b="0"/>
+              </a:effectRef>
+              <a:fontRef idx="minor">
+                <a:schemeClr val="lt1"/>
+              </a:fontRef>
+            </p:style>
+            <p:txBody>
+              <a:bodyPr spcFirstLastPara="0" vert="horz" wrap="square" lIns="0" tIns="22860" rIns="0" bIns="22860" numCol="1" spcCol="1270" anchor="ctr" anchorCtr="0">
+                <a:noAutofit/>
+              </a:bodyPr>
+              <a:lstStyle/>
+              <a:p>
+                <a:pPr marL="0" lvl="0" indent="0" algn="ctr" defTabSz="800100">
+                  <a:lnSpc>
+                    <a:spcPct val="90000"/>
+                  </a:lnSpc>
+                  <a:spcBef>
+                    <a:spcPct val="0"/>
+                  </a:spcBef>
+                  <a:spcAft>
+                    <a:spcPct val="35000"/>
+                  </a:spcAft>
+                  <a:buNone/>
+                </a:pPr>
+                <a:r>
+                  <a:rPr lang="en-GB" sz="1100" kern="1200" dirty="0">
+                    <a:solidFill>
+                      <a:schemeClr val="tx1"/>
+                    </a:solidFill>
+                  </a:rPr>
+                  <a:t>Assemble</a:t>
+                </a:r>
+              </a:p>
+            </p:txBody>
+          </p:sp>
+        </p:grpSp>
+        <p:grpSp>
+          <p:nvGrpSpPr>
+            <p:cNvPr id="31" name="Groupe 30">
+              <a:extLst>
+                <a:ext uri="{FF2B5EF4-FFF2-40B4-BE49-F238E27FC236}">
+                  <a16:creationId xmlns:a16="http://schemas.microsoft.com/office/drawing/2014/main" id="{C422B0AC-6260-42B9-9107-B5C23F8EED4B}"/>
+                </a:ext>
+              </a:extLst>
+            </p:cNvPr>
+            <p:cNvGrpSpPr/>
+            <p:nvPr/>
+          </p:nvGrpSpPr>
+          <p:grpSpPr>
+            <a:xfrm>
+              <a:off x="5421372" y="4044267"/>
+              <a:ext cx="1349255" cy="1163549"/>
+              <a:chOff x="2917790" y="320534"/>
+              <a:chExt cx="1349255" cy="1163549"/>
+            </a:xfrm>
+          </p:grpSpPr>
+          <p:sp>
+            <p:nvSpPr>
+              <p:cNvPr id="38" name="Hexagone 37">
+                <a:extLst>
+                  <a:ext uri="{FF2B5EF4-FFF2-40B4-BE49-F238E27FC236}">
+                    <a16:creationId xmlns:a16="http://schemas.microsoft.com/office/drawing/2014/main" id="{22CE0BA1-AEA9-4587-8927-5CFFADF3B069}"/>
+                  </a:ext>
+                </a:extLst>
+              </p:cNvPr>
+              <p:cNvSpPr/>
+              <p:nvPr/>
+            </p:nvSpPr>
+            <p:spPr>
+              <a:xfrm>
+                <a:off x="2917790" y="320534"/>
+                <a:ext cx="1349255" cy="1163549"/>
+              </a:xfrm>
+              <a:prstGeom prst="hexagon">
+                <a:avLst>
+                  <a:gd name="adj" fmla="val 25000"/>
+                  <a:gd name="vf" fmla="val 115470"/>
+                </a:avLst>
+              </a:prstGeom>
+              <a:ln/>
+            </p:spPr>
+            <p:style>
+              <a:lnRef idx="2">
+                <a:schemeClr val="accent6"/>
+              </a:lnRef>
+              <a:fillRef idx="1">
+                <a:schemeClr val="lt1"/>
+              </a:fillRef>
+              <a:effectRef idx="0">
+                <a:schemeClr val="accent6"/>
+              </a:effectRef>
+              <a:fontRef idx="minor">
+                <a:schemeClr val="dk1"/>
+              </a:fontRef>
+            </p:style>
+          </p:sp>
+          <p:sp>
+            <p:nvSpPr>
+              <p:cNvPr id="39" name="Hexagone 4">
+                <a:extLst>
+                  <a:ext uri="{FF2B5EF4-FFF2-40B4-BE49-F238E27FC236}">
+                    <a16:creationId xmlns:a16="http://schemas.microsoft.com/office/drawing/2014/main" id="{F4D4971C-3742-498A-8CD8-9E22AD16FA05}"/>
+                  </a:ext>
+                </a:extLst>
+              </p:cNvPr>
+              <p:cNvSpPr txBox="1"/>
+              <p:nvPr/>
+            </p:nvSpPr>
+            <p:spPr>
+              <a:xfrm>
+                <a:off x="3127190" y="501113"/>
+                <a:ext cx="930455" cy="802391"/>
+              </a:xfrm>
+              <a:prstGeom prst="rect">
+                <a:avLst/>
+              </a:prstGeom>
+              <a:ln>
+                <a:noFill/>
+              </a:ln>
+            </p:spPr>
+            <p:style>
+              <a:lnRef idx="2">
+                <a:schemeClr val="accent6"/>
+              </a:lnRef>
+              <a:fillRef idx="1">
+                <a:schemeClr val="lt1"/>
+              </a:fillRef>
+              <a:effectRef idx="0">
+                <a:schemeClr val="accent6"/>
+              </a:effectRef>
+              <a:fontRef idx="minor">
+                <a:schemeClr val="dk1"/>
+              </a:fontRef>
+            </p:style>
+            <p:txBody>
+              <a:bodyPr spcFirstLastPara="0" vert="horz" wrap="square" lIns="0" tIns="22860" rIns="0" bIns="22860" numCol="1" spcCol="1270" anchor="ctr" anchorCtr="0">
+                <a:noAutofit/>
+              </a:bodyPr>
+              <a:lstStyle/>
+              <a:p>
+                <a:pPr marL="0" lvl="0" indent="0" algn="ctr" defTabSz="800100">
+                  <a:lnSpc>
+                    <a:spcPct val="90000"/>
+                  </a:lnSpc>
+                  <a:spcBef>
+                    <a:spcPct val="0"/>
+                  </a:spcBef>
+                  <a:spcAft>
+                    <a:spcPct val="35000"/>
+                  </a:spcAft>
+                  <a:buNone/>
+                </a:pPr>
+                <a:r>
+                  <a:rPr lang="en-GB" sz="1100" kern="1200" dirty="0"/>
+                  <a:t>Annotate</a:t>
+                </a:r>
+              </a:p>
+            </p:txBody>
+          </p:sp>
+        </p:grpSp>
+        <p:grpSp>
+          <p:nvGrpSpPr>
+            <p:cNvPr id="32" name="Groupe 31">
+              <a:extLst>
+                <a:ext uri="{FF2B5EF4-FFF2-40B4-BE49-F238E27FC236}">
+                  <a16:creationId xmlns:a16="http://schemas.microsoft.com/office/drawing/2014/main" id="{A5568495-AC49-42EA-8A28-73AC7288A27E}"/>
+                </a:ext>
+              </a:extLst>
+            </p:cNvPr>
+            <p:cNvGrpSpPr/>
+            <p:nvPr/>
+          </p:nvGrpSpPr>
+          <p:grpSpPr>
+            <a:xfrm>
+              <a:off x="4335494" y="3445746"/>
+              <a:ext cx="1349255" cy="1163549"/>
+              <a:chOff x="2917790" y="320534"/>
+              <a:chExt cx="1349255" cy="1163549"/>
+            </a:xfrm>
+            <a:solidFill>
+              <a:schemeClr val="accent3">
+                <a:lumMod val="40000"/>
+                <a:lumOff val="60000"/>
+              </a:schemeClr>
+            </a:solidFill>
+          </p:grpSpPr>
+          <p:sp>
+            <p:nvSpPr>
+              <p:cNvPr id="36" name="Hexagone 35">
+                <a:extLst>
+                  <a:ext uri="{FF2B5EF4-FFF2-40B4-BE49-F238E27FC236}">
+                    <a16:creationId xmlns:a16="http://schemas.microsoft.com/office/drawing/2014/main" id="{450B70A2-6C31-40F7-B4B9-A783AA46376C}"/>
+                  </a:ext>
+                </a:extLst>
+              </p:cNvPr>
+              <p:cNvSpPr/>
+              <p:nvPr/>
+            </p:nvSpPr>
+            <p:spPr>
+              <a:xfrm>
+                <a:off x="2917790" y="320534"/>
+                <a:ext cx="1349255" cy="1163549"/>
+              </a:xfrm>
+              <a:prstGeom prst="hexagon">
+                <a:avLst>
+                  <a:gd name="adj" fmla="val 25000"/>
+                  <a:gd name="vf" fmla="val 115470"/>
+                </a:avLst>
+              </a:prstGeom>
+              <a:solidFill>
+                <a:schemeClr val="accent3">
+                  <a:lumMod val="50000"/>
+                </a:schemeClr>
+              </a:solidFill>
+              <a:ln>
+                <a:solidFill>
+                  <a:schemeClr val="accent3">
+                    <a:lumMod val="75000"/>
+                  </a:schemeClr>
+                </a:solidFill>
+              </a:ln>
+            </p:spPr>
+            <p:style>
+              <a:lnRef idx="2">
+                <a:schemeClr val="accent1">
+                  <a:hueOff val="0"/>
+                  <a:satOff val="0"/>
+                  <a:lumOff val="0"/>
+                  <a:alphaOff val="0"/>
+                </a:schemeClr>
+              </a:lnRef>
+              <a:fillRef idx="1">
+                <a:schemeClr val="accent1">
+                  <a:hueOff val="0"/>
+                  <a:satOff val="0"/>
+                  <a:lumOff val="0"/>
+                  <a:alphaOff val="0"/>
+                </a:schemeClr>
+              </a:fillRef>
+              <a:effectRef idx="0">
+                <a:schemeClr val="accent1">
+                  <a:hueOff val="0"/>
+                  <a:satOff val="0"/>
+                  <a:lumOff val="0"/>
+                  <a:alphaOff val="0"/>
+                </a:schemeClr>
+              </a:effectRef>
+              <a:fontRef idx="minor">
+                <a:schemeClr val="lt1"/>
+              </a:fontRef>
+            </p:style>
+          </p:sp>
+          <p:sp>
+            <p:nvSpPr>
+              <p:cNvPr id="37" name="Hexagone 4">
+                <a:extLst>
+                  <a:ext uri="{FF2B5EF4-FFF2-40B4-BE49-F238E27FC236}">
+                    <a16:creationId xmlns:a16="http://schemas.microsoft.com/office/drawing/2014/main" id="{1638ED84-8794-48E7-B76D-67E207352F95}"/>
+                  </a:ext>
+                </a:extLst>
+              </p:cNvPr>
+              <p:cNvSpPr txBox="1"/>
+              <p:nvPr/>
+            </p:nvSpPr>
+            <p:spPr>
+              <a:xfrm>
+                <a:off x="3127190" y="501113"/>
+                <a:ext cx="930455" cy="802391"/>
+              </a:xfrm>
+              <a:prstGeom prst="rect">
+                <a:avLst/>
+              </a:prstGeom>
+              <a:solidFill>
+                <a:schemeClr val="accent3">
+                  <a:lumMod val="50000"/>
+                </a:schemeClr>
+              </a:solidFill>
+              <a:ln>
+                <a:noFill/>
+              </a:ln>
+            </p:spPr>
+            <p:style>
+              <a:lnRef idx="0">
+                <a:scrgbClr r="0" g="0" b="0"/>
+              </a:lnRef>
+              <a:fillRef idx="0">
+                <a:scrgbClr r="0" g="0" b="0"/>
+              </a:fillRef>
+              <a:effectRef idx="0">
+                <a:scrgbClr r="0" g="0" b="0"/>
+              </a:effectRef>
+              <a:fontRef idx="minor">
+                <a:schemeClr val="lt1"/>
+              </a:fontRef>
+            </p:style>
+            <p:txBody>
+              <a:bodyPr spcFirstLastPara="0" vert="horz" wrap="square" lIns="0" tIns="22860" rIns="0" bIns="22860" numCol="1" spcCol="1270" anchor="ctr" anchorCtr="0">
+                <a:noAutofit/>
+              </a:bodyPr>
+              <a:lstStyle/>
+              <a:p>
+                <a:pPr marL="0" lvl="0" indent="0" algn="ctr" defTabSz="800100">
+                  <a:lnSpc>
+                    <a:spcPct val="90000"/>
+                  </a:lnSpc>
+                  <a:spcBef>
+                    <a:spcPct val="0"/>
+                  </a:spcBef>
+                  <a:spcAft>
+                    <a:spcPct val="35000"/>
+                  </a:spcAft>
+                  <a:buNone/>
+                </a:pPr>
+                <a:r>
+                  <a:rPr lang="en-GB" sz="1100" dirty="0"/>
+                  <a:t>Sequence</a:t>
+                </a:r>
+                <a:endParaRPr lang="en-GB" sz="1100" kern="1200" dirty="0"/>
+              </a:p>
+            </p:txBody>
+          </p:sp>
+        </p:grpSp>
+        <p:grpSp>
+          <p:nvGrpSpPr>
+            <p:cNvPr id="33" name="Groupe 32">
+              <a:extLst>
+                <a:ext uri="{FF2B5EF4-FFF2-40B4-BE49-F238E27FC236}">
+                  <a16:creationId xmlns:a16="http://schemas.microsoft.com/office/drawing/2014/main" id="{116524E3-591A-40E4-8E48-83DAD00679D7}"/>
+                </a:ext>
+              </a:extLst>
+            </p:cNvPr>
+            <p:cNvGrpSpPr/>
+            <p:nvPr/>
+          </p:nvGrpSpPr>
+          <p:grpSpPr>
+            <a:xfrm>
+              <a:off x="6507250" y="3445130"/>
+              <a:ext cx="1349255" cy="1163549"/>
+              <a:chOff x="2917790" y="320534"/>
+              <a:chExt cx="1349255" cy="1163549"/>
+            </a:xfrm>
+            <a:solidFill>
+              <a:schemeClr val="accent3">
+                <a:lumMod val="50000"/>
+              </a:schemeClr>
+            </a:solidFill>
+          </p:grpSpPr>
+          <p:sp>
+            <p:nvSpPr>
+              <p:cNvPr id="34" name="Hexagone 33">
+                <a:extLst>
+                  <a:ext uri="{FF2B5EF4-FFF2-40B4-BE49-F238E27FC236}">
+                    <a16:creationId xmlns:a16="http://schemas.microsoft.com/office/drawing/2014/main" id="{44391A65-9E00-4E56-89B4-A7D98AA2DAA2}"/>
+                  </a:ext>
+                </a:extLst>
+              </p:cNvPr>
+              <p:cNvSpPr/>
+              <p:nvPr/>
+            </p:nvSpPr>
+            <p:spPr>
+              <a:xfrm>
+                <a:off x="2917790" y="320534"/>
+                <a:ext cx="1349255" cy="1163549"/>
+              </a:xfrm>
+              <a:prstGeom prst="hexagon">
+                <a:avLst>
+                  <a:gd name="adj" fmla="val 25000"/>
+                  <a:gd name="vf" fmla="val 115470"/>
+                </a:avLst>
+              </a:prstGeom>
+              <a:grpFill/>
+            </p:spPr>
+            <p:style>
+              <a:lnRef idx="2">
+                <a:schemeClr val="accent1">
+                  <a:hueOff val="0"/>
+                  <a:satOff val="0"/>
+                  <a:lumOff val="0"/>
+                  <a:alphaOff val="0"/>
+                </a:schemeClr>
+              </a:lnRef>
+              <a:fillRef idx="1">
+                <a:schemeClr val="accent1">
+                  <a:hueOff val="0"/>
+                  <a:satOff val="0"/>
+                  <a:lumOff val="0"/>
+                  <a:alphaOff val="0"/>
+                </a:schemeClr>
+              </a:fillRef>
+              <a:effectRef idx="0">
+                <a:schemeClr val="accent1">
+                  <a:hueOff val="0"/>
+                  <a:satOff val="0"/>
+                  <a:lumOff val="0"/>
+                  <a:alphaOff val="0"/>
+                </a:schemeClr>
+              </a:effectRef>
+              <a:fontRef idx="minor">
+                <a:schemeClr val="lt1"/>
+              </a:fontRef>
+            </p:style>
+          </p:sp>
+          <p:sp>
+            <p:nvSpPr>
+              <p:cNvPr id="35" name="Hexagone 4">
+                <a:extLst>
+                  <a:ext uri="{FF2B5EF4-FFF2-40B4-BE49-F238E27FC236}">
+                    <a16:creationId xmlns:a16="http://schemas.microsoft.com/office/drawing/2014/main" id="{53716C27-8941-4230-BD75-29B7650BBFB2}"/>
+                  </a:ext>
+                </a:extLst>
+              </p:cNvPr>
+              <p:cNvSpPr txBox="1"/>
+              <p:nvPr/>
+            </p:nvSpPr>
+            <p:spPr>
+              <a:xfrm>
+                <a:off x="3127190" y="501113"/>
+                <a:ext cx="930455" cy="802391"/>
+              </a:xfrm>
+              <a:prstGeom prst="rect">
+                <a:avLst/>
+              </a:prstGeom>
+              <a:grpFill/>
+            </p:spPr>
+            <p:style>
+              <a:lnRef idx="0">
+                <a:scrgbClr r="0" g="0" b="0"/>
+              </a:lnRef>
+              <a:fillRef idx="0">
+                <a:scrgbClr r="0" g="0" b="0"/>
+              </a:fillRef>
+              <a:effectRef idx="0">
+                <a:scrgbClr r="0" g="0" b="0"/>
+              </a:effectRef>
+              <a:fontRef idx="minor">
+                <a:schemeClr val="lt1"/>
+              </a:fontRef>
+            </p:style>
+            <p:txBody>
+              <a:bodyPr spcFirstLastPara="0" vert="horz" wrap="square" lIns="0" tIns="22860" rIns="0" bIns="22860" numCol="1" spcCol="1270" anchor="ctr" anchorCtr="0">
+                <a:noAutofit/>
+              </a:bodyPr>
+              <a:lstStyle/>
+              <a:p>
+                <a:pPr marL="0" lvl="0" indent="0" algn="ctr" defTabSz="800100">
+                  <a:lnSpc>
+                    <a:spcPct val="90000"/>
+                  </a:lnSpc>
+                  <a:spcBef>
+                    <a:spcPct val="0"/>
+                  </a:spcBef>
+                  <a:spcAft>
+                    <a:spcPct val="35000"/>
+                  </a:spcAft>
+                  <a:buNone/>
+                </a:pPr>
+                <a:r>
+                  <a:rPr lang="en-GB" sz="1100" kern="1200" dirty="0"/>
+                  <a:t>Compare</a:t>
+                </a:r>
+              </a:p>
+            </p:txBody>
+          </p:sp>
+        </p:grpSp>
+      </p:grpSp>
+      <p:pic>
+        <p:nvPicPr>
+          <p:cNvPr id="42" name="Image 41">
+            <a:extLst>
+              <a:ext uri="{FF2B5EF4-FFF2-40B4-BE49-F238E27FC236}">
+                <a16:creationId xmlns:a16="http://schemas.microsoft.com/office/drawing/2014/main" id="{534BCBD6-FE7C-49D2-A7AD-6EE5BB9E24BE}"/>
+              </a:ext>
+            </a:extLst>
+          </p:cNvPr>
+          <p:cNvPicPr>
+            <a:picLocks noChangeAspect="1"/>
+          </p:cNvPicPr>
+          <p:nvPr/>
+        </p:nvPicPr>
+        <p:blipFill>
+          <a:blip r:embed="rId7">
+            <a:extLst>
+              <a:ext uri="{28A0092B-C50C-407E-A947-70E740481C1C}">
+                <a14:useLocalDpi xmlns:a14="http://schemas.microsoft.com/office/drawing/2010/main" val="0"/>
+              </a:ext>
+            </a:extLst>
+          </a:blip>
+          <a:stretch>
+            <a:fillRect/>
+          </a:stretch>
+        </p:blipFill>
+        <p:spPr>
+          <a:xfrm>
+            <a:off x="5299938" y="4180224"/>
+            <a:ext cx="1836274" cy="1709635"/>
+          </a:xfrm>
+          <a:prstGeom prst="rect">
+            <a:avLst/>
+          </a:prstGeom>
+        </p:spPr>
+      </p:pic>
+      <p:sp>
+        <p:nvSpPr>
+          <p:cNvPr id="43" name="ZoneTexte 42">
+            <a:extLst>
+              <a:ext uri="{FF2B5EF4-FFF2-40B4-BE49-F238E27FC236}">
+                <a16:creationId xmlns:a16="http://schemas.microsoft.com/office/drawing/2014/main" id="{2EB6F578-4ABA-4F41-89DD-C02DF67DA829}"/>
+              </a:ext>
+            </a:extLst>
+          </p:cNvPr>
+          <p:cNvSpPr txBox="1"/>
+          <p:nvPr/>
+        </p:nvSpPr>
+        <p:spPr>
+          <a:xfrm>
+            <a:off x="9668449" y="6517778"/>
+            <a:ext cx="2523551" cy="276999"/>
+          </a:xfrm>
+          <a:prstGeom prst="rect">
+            <a:avLst/>
+          </a:prstGeom>
+          <a:noFill/>
+        </p:spPr>
+        <p:txBody>
+          <a:bodyPr wrap="square" rtlCol="0">
+            <a:spAutoFit/>
+          </a:bodyPr>
+          <a:lstStyle/>
+          <a:p>
+            <a:r>
+              <a:rPr lang="en-GB" sz="1200" dirty="0"/>
+              <a:t>Thibault Schowing, BC.7107, HS2019</a:t>
             </a:r>
           </a:p>
         </p:txBody>

--- a/Presentation/BC7107_Schowing.pptx
+++ b/Presentation/BC7107_Schowing.pptx
@@ -199,7 +199,7 @@
           <a:p>
             <a:fld id="{837851E2-4F80-458A-82DA-3FEE6873B106}" type="datetimeFigureOut">
               <a:rPr lang="fr-CH" smtClean="0"/>
-              <a:t>21.01.2020</a:t>
+              <a:t>26.01.2020</a:t>
             </a:fld>
             <a:endParaRPr lang="fr-CH"/>
           </a:p>
@@ -1213,7 +1213,7 @@
           <a:p>
             <a:fld id="{8AC31CE9-DC4A-423F-9343-8758E8045185}" type="datetimeFigureOut">
               <a:rPr lang="en-GB" smtClean="0"/>
-              <a:t>21/01/2020</a:t>
+              <a:t>26/01/2020</a:t>
             </a:fld>
             <a:endParaRPr lang="en-GB"/>
           </a:p>
@@ -1413,7 +1413,7 @@
           <a:p>
             <a:fld id="{8AC31CE9-DC4A-423F-9343-8758E8045185}" type="datetimeFigureOut">
               <a:rPr lang="en-GB" smtClean="0"/>
-              <a:t>21/01/2020</a:t>
+              <a:t>26/01/2020</a:t>
             </a:fld>
             <a:endParaRPr lang="en-GB"/>
           </a:p>
@@ -1623,7 +1623,7 @@
           <a:p>
             <a:fld id="{8AC31CE9-DC4A-423F-9343-8758E8045185}" type="datetimeFigureOut">
               <a:rPr lang="en-GB" smtClean="0"/>
-              <a:t>21/01/2020</a:t>
+              <a:t>26/01/2020</a:t>
             </a:fld>
             <a:endParaRPr lang="en-GB"/>
           </a:p>
@@ -1823,7 +1823,7 @@
           <a:p>
             <a:fld id="{8AC31CE9-DC4A-423F-9343-8758E8045185}" type="datetimeFigureOut">
               <a:rPr lang="en-GB" smtClean="0"/>
-              <a:t>21/01/2020</a:t>
+              <a:t>26/01/2020</a:t>
             </a:fld>
             <a:endParaRPr lang="en-GB"/>
           </a:p>
@@ -2099,7 +2099,7 @@
           <a:p>
             <a:fld id="{8AC31CE9-DC4A-423F-9343-8758E8045185}" type="datetimeFigureOut">
               <a:rPr lang="en-GB" smtClean="0"/>
-              <a:t>21/01/2020</a:t>
+              <a:t>26/01/2020</a:t>
             </a:fld>
             <a:endParaRPr lang="en-GB"/>
           </a:p>
@@ -2367,7 +2367,7 @@
           <a:p>
             <a:fld id="{8AC31CE9-DC4A-423F-9343-8758E8045185}" type="datetimeFigureOut">
               <a:rPr lang="en-GB" smtClean="0"/>
-              <a:t>21/01/2020</a:t>
+              <a:t>26/01/2020</a:t>
             </a:fld>
             <a:endParaRPr lang="en-GB"/>
           </a:p>
@@ -2782,7 +2782,7 @@
           <a:p>
             <a:fld id="{8AC31CE9-DC4A-423F-9343-8758E8045185}" type="datetimeFigureOut">
               <a:rPr lang="en-GB" smtClean="0"/>
-              <a:t>21/01/2020</a:t>
+              <a:t>26/01/2020</a:t>
             </a:fld>
             <a:endParaRPr lang="en-GB"/>
           </a:p>
@@ -2924,7 +2924,7 @@
           <a:p>
             <a:fld id="{8AC31CE9-DC4A-423F-9343-8758E8045185}" type="datetimeFigureOut">
               <a:rPr lang="en-GB" smtClean="0"/>
-              <a:t>21/01/2020</a:t>
+              <a:t>26/01/2020</a:t>
             </a:fld>
             <a:endParaRPr lang="en-GB"/>
           </a:p>
@@ -3037,7 +3037,7 @@
           <a:p>
             <a:fld id="{8AC31CE9-DC4A-423F-9343-8758E8045185}" type="datetimeFigureOut">
               <a:rPr lang="en-GB" smtClean="0"/>
-              <a:t>21/01/2020</a:t>
+              <a:t>26/01/2020</a:t>
             </a:fld>
             <a:endParaRPr lang="en-GB"/>
           </a:p>
@@ -3350,7 +3350,7 @@
           <a:p>
             <a:fld id="{8AC31CE9-DC4A-423F-9343-8758E8045185}" type="datetimeFigureOut">
               <a:rPr lang="en-GB" smtClean="0"/>
-              <a:t>21/01/2020</a:t>
+              <a:t>26/01/2020</a:t>
             </a:fld>
             <a:endParaRPr lang="en-GB"/>
           </a:p>
@@ -3639,7 +3639,7 @@
           <a:p>
             <a:fld id="{8AC31CE9-DC4A-423F-9343-8758E8045185}" type="datetimeFigureOut">
               <a:rPr lang="en-GB" smtClean="0"/>
-              <a:t>21/01/2020</a:t>
+              <a:t>26/01/2020</a:t>
             </a:fld>
             <a:endParaRPr lang="en-GB"/>
           </a:p>
@@ -3882,7 +3882,7 @@
           <a:p>
             <a:fld id="{8AC31CE9-DC4A-423F-9343-8758E8045185}" type="datetimeFigureOut">
               <a:rPr lang="en-GB" smtClean="0"/>
-              <a:t>21/01/2020</a:t>
+              <a:t>26/01/2020</a:t>
             </a:fld>
             <a:endParaRPr lang="en-GB"/>
           </a:p>

--- a/Presentation/BC7107_Schowing.pptx
+++ b/Presentation/BC7107_Schowing.pptx
@@ -199,7 +199,7 @@
           <a:p>
             <a:fld id="{837851E2-4F80-458A-82DA-3FEE6873B106}" type="datetimeFigureOut">
               <a:rPr lang="fr-CH" smtClean="0"/>
-              <a:t>26.01.2020</a:t>
+              <a:t>27.01.2020</a:t>
             </a:fld>
             <a:endParaRPr lang="fr-CH"/>
           </a:p>
@@ -1213,7 +1213,7 @@
           <a:p>
             <a:fld id="{8AC31CE9-DC4A-423F-9343-8758E8045185}" type="datetimeFigureOut">
               <a:rPr lang="en-GB" smtClean="0"/>
-              <a:t>26/01/2020</a:t>
+              <a:t>27/01/2020</a:t>
             </a:fld>
             <a:endParaRPr lang="en-GB"/>
           </a:p>
@@ -1413,7 +1413,7 @@
           <a:p>
             <a:fld id="{8AC31CE9-DC4A-423F-9343-8758E8045185}" type="datetimeFigureOut">
               <a:rPr lang="en-GB" smtClean="0"/>
-              <a:t>26/01/2020</a:t>
+              <a:t>27/01/2020</a:t>
             </a:fld>
             <a:endParaRPr lang="en-GB"/>
           </a:p>
@@ -1623,7 +1623,7 @@
           <a:p>
             <a:fld id="{8AC31CE9-DC4A-423F-9343-8758E8045185}" type="datetimeFigureOut">
               <a:rPr lang="en-GB" smtClean="0"/>
-              <a:t>26/01/2020</a:t>
+              <a:t>27/01/2020</a:t>
             </a:fld>
             <a:endParaRPr lang="en-GB"/>
           </a:p>
@@ -1823,7 +1823,7 @@
           <a:p>
             <a:fld id="{8AC31CE9-DC4A-423F-9343-8758E8045185}" type="datetimeFigureOut">
               <a:rPr lang="en-GB" smtClean="0"/>
-              <a:t>26/01/2020</a:t>
+              <a:t>27/01/2020</a:t>
             </a:fld>
             <a:endParaRPr lang="en-GB"/>
           </a:p>
@@ -2099,7 +2099,7 @@
           <a:p>
             <a:fld id="{8AC31CE9-DC4A-423F-9343-8758E8045185}" type="datetimeFigureOut">
               <a:rPr lang="en-GB" smtClean="0"/>
-              <a:t>26/01/2020</a:t>
+              <a:t>27/01/2020</a:t>
             </a:fld>
             <a:endParaRPr lang="en-GB"/>
           </a:p>
@@ -2367,7 +2367,7 @@
           <a:p>
             <a:fld id="{8AC31CE9-DC4A-423F-9343-8758E8045185}" type="datetimeFigureOut">
               <a:rPr lang="en-GB" smtClean="0"/>
-              <a:t>26/01/2020</a:t>
+              <a:t>27/01/2020</a:t>
             </a:fld>
             <a:endParaRPr lang="en-GB"/>
           </a:p>
@@ -2782,7 +2782,7 @@
           <a:p>
             <a:fld id="{8AC31CE9-DC4A-423F-9343-8758E8045185}" type="datetimeFigureOut">
               <a:rPr lang="en-GB" smtClean="0"/>
-              <a:t>26/01/2020</a:t>
+              <a:t>27/01/2020</a:t>
             </a:fld>
             <a:endParaRPr lang="en-GB"/>
           </a:p>
@@ -2924,7 +2924,7 @@
           <a:p>
             <a:fld id="{8AC31CE9-DC4A-423F-9343-8758E8045185}" type="datetimeFigureOut">
               <a:rPr lang="en-GB" smtClean="0"/>
-              <a:t>26/01/2020</a:t>
+              <a:t>27/01/2020</a:t>
             </a:fld>
             <a:endParaRPr lang="en-GB"/>
           </a:p>
@@ -3037,7 +3037,7 @@
           <a:p>
             <a:fld id="{8AC31CE9-DC4A-423F-9343-8758E8045185}" type="datetimeFigureOut">
               <a:rPr lang="en-GB" smtClean="0"/>
-              <a:t>26/01/2020</a:t>
+              <a:t>27/01/2020</a:t>
             </a:fld>
             <a:endParaRPr lang="en-GB"/>
           </a:p>
@@ -3350,7 +3350,7 @@
           <a:p>
             <a:fld id="{8AC31CE9-DC4A-423F-9343-8758E8045185}" type="datetimeFigureOut">
               <a:rPr lang="en-GB" smtClean="0"/>
-              <a:t>26/01/2020</a:t>
+              <a:t>27/01/2020</a:t>
             </a:fld>
             <a:endParaRPr lang="en-GB"/>
           </a:p>
@@ -3639,7 +3639,7 @@
           <a:p>
             <a:fld id="{8AC31CE9-DC4A-423F-9343-8758E8045185}" type="datetimeFigureOut">
               <a:rPr lang="en-GB" smtClean="0"/>
-              <a:t>26/01/2020</a:t>
+              <a:t>27/01/2020</a:t>
             </a:fld>
             <a:endParaRPr lang="en-GB"/>
           </a:p>
@@ -3882,7 +3882,7 @@
           <a:p>
             <a:fld id="{8AC31CE9-DC4A-423F-9343-8758E8045185}" type="datetimeFigureOut">
               <a:rPr lang="en-GB" smtClean="0"/>
-              <a:t>26/01/2020</a:t>
+              <a:t>27/01/2020</a:t>
             </a:fld>
             <a:endParaRPr lang="en-GB"/>
           </a:p>
@@ -6469,8 +6469,8 @@
         </p:nvSpPr>
         <p:spPr>
           <a:xfrm>
-            <a:off x="123825" y="1600200"/>
-            <a:ext cx="5781675" cy="5170646"/>
+            <a:off x="108902" y="2691260"/>
+            <a:ext cx="5781675" cy="4062651"/>
           </a:xfrm>
           <a:prstGeom prst="rect">
             <a:avLst/>
@@ -6482,155 +6482,6 @@
             <a:spAutoFit/>
           </a:bodyPr>
           <a:lstStyle/>
-          <a:p>
-            <a:r>
-              <a:rPr lang="fr-CH" b="1" dirty="0">
-                <a:solidFill>
-                  <a:srgbClr val="003300"/>
-                </a:solidFill>
-              </a:rPr>
-              <a:t>gai </a:t>
-            </a:r>
-            <a:r>
-              <a:rPr lang="fr-CH" b="1" dirty="0" err="1">
-                <a:solidFill>
-                  <a:srgbClr val="003300"/>
-                </a:solidFill>
-              </a:rPr>
-              <a:t>phenotype</a:t>
-            </a:r>
-            <a:r>
-              <a:rPr lang="fr-CH" b="1" dirty="0">
-                <a:solidFill>
-                  <a:srgbClr val="003300"/>
-                </a:solidFill>
-              </a:rPr>
-              <a:t> </a:t>
-            </a:r>
-            <a:r>
-              <a:rPr lang="fr-CH" dirty="0">
-                <a:solidFill>
-                  <a:srgbClr val="003300"/>
-                </a:solidFill>
-              </a:rPr>
-              <a:t>: 51bp </a:t>
-            </a:r>
-            <a:r>
-              <a:rPr lang="fr-CH" dirty="0" err="1">
-                <a:solidFill>
-                  <a:srgbClr val="003300"/>
-                </a:solidFill>
-              </a:rPr>
-              <a:t>deletion</a:t>
-            </a:r>
-            <a:r>
-              <a:rPr lang="fr-CH" dirty="0">
-                <a:solidFill>
-                  <a:srgbClr val="003300"/>
-                </a:solidFill>
-              </a:rPr>
-              <a:t> in DELLA </a:t>
-            </a:r>
-            <a:r>
-              <a:rPr lang="fr-CH" dirty="0" err="1">
-                <a:solidFill>
-                  <a:srgbClr val="003300"/>
-                </a:solidFill>
-              </a:rPr>
-              <a:t>domain</a:t>
-            </a:r>
-            <a:r>
-              <a:rPr lang="fr-CH" dirty="0">
-                <a:solidFill>
-                  <a:srgbClr val="003300"/>
-                </a:solidFill>
-              </a:rPr>
-              <a:t> -&gt; </a:t>
-            </a:r>
-            <a:r>
-              <a:rPr lang="fr-CH" u="sng" dirty="0">
-                <a:solidFill>
-                  <a:srgbClr val="003300"/>
-                </a:solidFill>
-              </a:rPr>
-              <a:t>no </a:t>
-            </a:r>
-            <a:r>
-              <a:rPr lang="fr-CH" u="sng" dirty="0" err="1">
-                <a:solidFill>
-                  <a:srgbClr val="003300"/>
-                </a:solidFill>
-              </a:rPr>
-              <a:t>growth</a:t>
-            </a:r>
-            <a:endParaRPr lang="fr-CH" u="sng" dirty="0">
-              <a:solidFill>
-                <a:srgbClr val="003300"/>
-              </a:solidFill>
-            </a:endParaRPr>
-          </a:p>
-          <a:p>
-            <a:endParaRPr lang="fr-CH" dirty="0">
-              <a:solidFill>
-                <a:srgbClr val="003300"/>
-              </a:solidFill>
-            </a:endParaRPr>
-          </a:p>
-          <a:p>
-            <a:r>
-              <a:rPr lang="fr-CH" b="1" dirty="0" err="1">
-                <a:solidFill>
-                  <a:srgbClr val="003300"/>
-                </a:solidFill>
-              </a:rPr>
-              <a:t>gar</a:t>
-            </a:r>
-            <a:r>
-              <a:rPr lang="fr-CH" b="1" dirty="0">
-                <a:solidFill>
-                  <a:srgbClr val="003300"/>
-                </a:solidFill>
-              </a:rPr>
-              <a:t> (gai revertant)</a:t>
-            </a:r>
-            <a:r>
-              <a:rPr lang="fr-CH" dirty="0">
-                <a:solidFill>
-                  <a:srgbClr val="003300"/>
-                </a:solidFill>
-              </a:rPr>
-              <a:t>: have the 51bp </a:t>
-            </a:r>
-            <a:r>
-              <a:rPr lang="fr-CH" dirty="0" err="1">
-                <a:solidFill>
-                  <a:srgbClr val="003300"/>
-                </a:solidFill>
-              </a:rPr>
-              <a:t>deletion</a:t>
-            </a:r>
-            <a:r>
-              <a:rPr lang="fr-CH" dirty="0">
-                <a:solidFill>
-                  <a:srgbClr val="003300"/>
-                </a:solidFill>
-              </a:rPr>
-              <a:t> but </a:t>
-            </a:r>
-            <a:r>
-              <a:rPr lang="fr-CH" u="sng" dirty="0" err="1">
-                <a:solidFill>
-                  <a:srgbClr val="003300"/>
-                </a:solidFill>
-              </a:rPr>
-              <a:t>grow</a:t>
-            </a:r>
-            <a:endParaRPr lang="fr-CH" b="1" u="sng" dirty="0">
-              <a:solidFill>
-                <a:srgbClr val="003300"/>
-              </a:solidFill>
-            </a:endParaRPr>
-          </a:p>
           <a:p>
             <a:endParaRPr lang="en-GB" u="sng" dirty="0">
               <a:solidFill>
@@ -7493,6 +7344,187 @@
               <a:rPr lang="en-GB" sz="1200" dirty="0"/>
               <a:t>Thibault Schowing, BC.7107, HS2019</a:t>
             </a:r>
+          </a:p>
+        </p:txBody>
+      </p:sp>
+      <p:sp>
+        <p:nvSpPr>
+          <p:cNvPr id="12" name="ZoneTexte 11">
+            <a:extLst>
+              <a:ext uri="{FF2B5EF4-FFF2-40B4-BE49-F238E27FC236}">
+                <a16:creationId xmlns:a16="http://schemas.microsoft.com/office/drawing/2014/main" id="{827F5222-726A-4F15-ACBD-C8388CDB4BFC}"/>
+              </a:ext>
+            </a:extLst>
+          </p:cNvPr>
+          <p:cNvSpPr txBox="1"/>
+          <p:nvPr/>
+        </p:nvSpPr>
+        <p:spPr>
+          <a:xfrm>
+            <a:off x="236491" y="1701419"/>
+            <a:ext cx="6162551" cy="1200329"/>
+          </a:xfrm>
+          <a:prstGeom prst="rect">
+            <a:avLst/>
+          </a:prstGeom>
+          <a:noFill/>
+        </p:spPr>
+        <p:txBody>
+          <a:bodyPr wrap="square" rtlCol="0">
+            <a:spAutoFit/>
+          </a:bodyPr>
+          <a:lstStyle/>
+          <a:p>
+            <a:r>
+              <a:rPr lang="fr-CH" b="1" dirty="0">
+                <a:solidFill>
+                  <a:srgbClr val="003300"/>
+                </a:solidFill>
+              </a:rPr>
+              <a:t>gai </a:t>
+            </a:r>
+            <a:r>
+              <a:rPr lang="fr-CH" b="1" dirty="0" err="1">
+                <a:solidFill>
+                  <a:srgbClr val="003300"/>
+                </a:solidFill>
+              </a:rPr>
+              <a:t>phenotype</a:t>
+            </a:r>
+            <a:r>
+              <a:rPr lang="fr-CH" b="1" dirty="0">
+                <a:solidFill>
+                  <a:srgbClr val="003300"/>
+                </a:solidFill>
+              </a:rPr>
+              <a:t> </a:t>
+            </a:r>
+            <a:r>
+              <a:rPr lang="fr-CH" dirty="0">
+                <a:solidFill>
+                  <a:srgbClr val="003300"/>
+                </a:solidFill>
+              </a:rPr>
+              <a:t>: 51bp </a:t>
+            </a:r>
+            <a:r>
+              <a:rPr lang="fr-CH" dirty="0" err="1">
+                <a:solidFill>
+                  <a:srgbClr val="003300"/>
+                </a:solidFill>
+              </a:rPr>
+              <a:t>deletion</a:t>
+            </a:r>
+            <a:r>
+              <a:rPr lang="fr-CH" dirty="0">
+                <a:solidFill>
+                  <a:srgbClr val="003300"/>
+                </a:solidFill>
+              </a:rPr>
+              <a:t> in DELLA </a:t>
+            </a:r>
+            <a:r>
+              <a:rPr lang="fr-CH" dirty="0" err="1">
+                <a:solidFill>
+                  <a:srgbClr val="003300"/>
+                </a:solidFill>
+              </a:rPr>
+              <a:t>domain</a:t>
+            </a:r>
+            <a:r>
+              <a:rPr lang="fr-CH" dirty="0">
+                <a:solidFill>
+                  <a:srgbClr val="003300"/>
+                </a:solidFill>
+              </a:rPr>
+              <a:t> -&gt; </a:t>
+            </a:r>
+            <a:r>
+              <a:rPr lang="fr-CH" u="sng" dirty="0">
+                <a:solidFill>
+                  <a:srgbClr val="003300"/>
+                </a:solidFill>
+              </a:rPr>
+              <a:t>no </a:t>
+            </a:r>
+            <a:r>
+              <a:rPr lang="fr-CH" u="sng" dirty="0" err="1">
+                <a:solidFill>
+                  <a:srgbClr val="003300"/>
+                </a:solidFill>
+              </a:rPr>
+              <a:t>growth</a:t>
+            </a:r>
+            <a:endParaRPr lang="fr-CH" u="sng" dirty="0">
+              <a:solidFill>
+                <a:srgbClr val="003300"/>
+              </a:solidFill>
+            </a:endParaRPr>
+          </a:p>
+          <a:p>
+            <a:endParaRPr lang="fr-CH" dirty="0">
+              <a:solidFill>
+                <a:srgbClr val="003300"/>
+              </a:solidFill>
+            </a:endParaRPr>
+          </a:p>
+          <a:p>
+            <a:r>
+              <a:rPr lang="fr-CH" b="1" dirty="0" err="1">
+                <a:solidFill>
+                  <a:srgbClr val="003300"/>
+                </a:solidFill>
+              </a:rPr>
+              <a:t>gar</a:t>
+            </a:r>
+            <a:r>
+              <a:rPr lang="fr-CH" b="1" dirty="0">
+                <a:solidFill>
+                  <a:srgbClr val="003300"/>
+                </a:solidFill>
+              </a:rPr>
+              <a:t> (gai revertant)</a:t>
+            </a:r>
+            <a:r>
+              <a:rPr lang="fr-CH" dirty="0">
+                <a:solidFill>
+                  <a:srgbClr val="003300"/>
+                </a:solidFill>
+              </a:rPr>
+              <a:t>: have the 51bp </a:t>
+            </a:r>
+            <a:r>
+              <a:rPr lang="fr-CH" dirty="0" err="1">
+                <a:solidFill>
+                  <a:srgbClr val="003300"/>
+                </a:solidFill>
+              </a:rPr>
+              <a:t>deletion</a:t>
+            </a:r>
+            <a:r>
+              <a:rPr lang="fr-CH" dirty="0">
+                <a:solidFill>
+                  <a:srgbClr val="003300"/>
+                </a:solidFill>
+              </a:rPr>
+              <a:t> but </a:t>
+            </a:r>
+            <a:r>
+              <a:rPr lang="fr-CH" u="sng" dirty="0" err="1">
+                <a:solidFill>
+                  <a:srgbClr val="003300"/>
+                </a:solidFill>
+              </a:rPr>
+              <a:t>grow</a:t>
+            </a:r>
+            <a:endParaRPr lang="fr-CH" b="1" u="sng" dirty="0">
+              <a:solidFill>
+                <a:srgbClr val="003300"/>
+              </a:solidFill>
+            </a:endParaRPr>
+          </a:p>
+          <a:p>
+            <a:endParaRPr lang="fr-CH" dirty="0"/>
           </a:p>
         </p:txBody>
       </p:sp>
@@ -7876,8 +7908,8 @@
           </a:stretch>
         </p:blipFill>
         <p:spPr>
-          <a:xfrm>
-            <a:off x="1878846" y="4207736"/>
+          <a:xfrm rot="5400000">
+            <a:off x="1868894" y="4233134"/>
             <a:ext cx="976230" cy="976230"/>
           </a:xfrm>
           <a:prstGeom prst="rect">
@@ -7907,7 +7939,7 @@
         </p:blipFill>
         <p:spPr>
           <a:xfrm>
-            <a:off x="1878846" y="5285000"/>
+            <a:off x="1868894" y="5223107"/>
             <a:ext cx="976230" cy="976230"/>
           </a:xfrm>
           <a:prstGeom prst="rect">
@@ -8107,8 +8139,8 @@
         </p:blipFill>
         <p:spPr>
           <a:xfrm>
-            <a:off x="5712164" y="3045576"/>
-            <a:ext cx="1011821" cy="1651954"/>
+            <a:off x="5946943" y="4170471"/>
+            <a:ext cx="561881" cy="917357"/>
           </a:xfrm>
           <a:prstGeom prst="rect">
             <a:avLst/>
@@ -8761,9 +8793,9 @@
           </a:stretch>
         </p:blipFill>
         <p:spPr>
-          <a:xfrm>
-            <a:off x="5299938" y="4180224"/>
-            <a:ext cx="1836274" cy="1709635"/>
+          <a:xfrm rot="1192653">
+            <a:off x="5517418" y="4758190"/>
+            <a:ext cx="1185243" cy="1103502"/>
           </a:xfrm>
           <a:prstGeom prst="rect">
             <a:avLst/>
